--- a/Cross section R-Q Prince Albert.pptx
+++ b/Cross section R-Q Prince Albert.pptx
@@ -256,7 +256,7 @@
           <a:p>
             <a:fld id="{9D8F93ED-A0C2-47E6-A318-DBE38C226AB5}" type="datetimeFigureOut">
               <a:rPr lang="en-ZA" smtClean="0"/>
-              <a:t>2020/10/02</a:t>
+              <a:t>2020/10/03</a:t>
             </a:fld>
             <a:endParaRPr lang="en-ZA"/>
           </a:p>
@@ -426,7 +426,7 @@
           <a:p>
             <a:fld id="{9D8F93ED-A0C2-47E6-A318-DBE38C226AB5}" type="datetimeFigureOut">
               <a:rPr lang="en-ZA" smtClean="0"/>
-              <a:t>2020/10/02</a:t>
+              <a:t>2020/10/03</a:t>
             </a:fld>
             <a:endParaRPr lang="en-ZA"/>
           </a:p>
@@ -606,7 +606,7 @@
           <a:p>
             <a:fld id="{9D8F93ED-A0C2-47E6-A318-DBE38C226AB5}" type="datetimeFigureOut">
               <a:rPr lang="en-ZA" smtClean="0"/>
-              <a:t>2020/10/02</a:t>
+              <a:t>2020/10/03</a:t>
             </a:fld>
             <a:endParaRPr lang="en-ZA"/>
           </a:p>
@@ -848,7 +848,7 @@
           <a:p>
             <a:fld id="{263C1D19-58BB-424D-AEAB-118725247404}" type="datetimeFigureOut">
               <a:rPr lang="en-ZA" smtClean="0"/>
-              <a:t>2020/10/02</a:t>
+              <a:t>2020/10/03</a:t>
             </a:fld>
             <a:endParaRPr lang="en-ZA"/>
           </a:p>
@@ -1018,7 +1018,7 @@
           <a:p>
             <a:fld id="{263C1D19-58BB-424D-AEAB-118725247404}" type="datetimeFigureOut">
               <a:rPr lang="en-ZA" smtClean="0"/>
-              <a:t>2020/10/02</a:t>
+              <a:t>2020/10/03</a:t>
             </a:fld>
             <a:endParaRPr lang="en-ZA"/>
           </a:p>
@@ -1264,7 +1264,7 @@
           <a:p>
             <a:fld id="{263C1D19-58BB-424D-AEAB-118725247404}" type="datetimeFigureOut">
               <a:rPr lang="en-ZA" smtClean="0"/>
-              <a:t>2020/10/02</a:t>
+              <a:t>2020/10/03</a:t>
             </a:fld>
             <a:endParaRPr lang="en-ZA"/>
           </a:p>
@@ -1552,7 +1552,7 @@
           <a:p>
             <a:fld id="{263C1D19-58BB-424D-AEAB-118725247404}" type="datetimeFigureOut">
               <a:rPr lang="en-ZA" smtClean="0"/>
-              <a:t>2020/10/02</a:t>
+              <a:t>2020/10/03</a:t>
             </a:fld>
             <a:endParaRPr lang="en-ZA"/>
           </a:p>
@@ -1974,7 +1974,7 @@
           <a:p>
             <a:fld id="{263C1D19-58BB-424D-AEAB-118725247404}" type="datetimeFigureOut">
               <a:rPr lang="en-ZA" smtClean="0"/>
-              <a:t>2020/10/02</a:t>
+              <a:t>2020/10/03</a:t>
             </a:fld>
             <a:endParaRPr lang="en-ZA"/>
           </a:p>
@@ -2092,7 +2092,7 @@
           <a:p>
             <a:fld id="{263C1D19-58BB-424D-AEAB-118725247404}" type="datetimeFigureOut">
               <a:rPr lang="en-ZA" smtClean="0"/>
-              <a:t>2020/10/02</a:t>
+              <a:t>2020/10/03</a:t>
             </a:fld>
             <a:endParaRPr lang="en-ZA"/>
           </a:p>
@@ -2187,7 +2187,7 @@
           <a:p>
             <a:fld id="{263C1D19-58BB-424D-AEAB-118725247404}" type="datetimeFigureOut">
               <a:rPr lang="en-ZA" smtClean="0"/>
-              <a:t>2020/10/02</a:t>
+              <a:t>2020/10/03</a:t>
             </a:fld>
             <a:endParaRPr lang="en-ZA"/>
           </a:p>
@@ -2464,7 +2464,7 @@
           <a:p>
             <a:fld id="{263C1D19-58BB-424D-AEAB-118725247404}" type="datetimeFigureOut">
               <a:rPr lang="en-ZA" smtClean="0"/>
-              <a:t>2020/10/02</a:t>
+              <a:t>2020/10/03</a:t>
             </a:fld>
             <a:endParaRPr lang="en-ZA"/>
           </a:p>
@@ -2634,7 +2634,7 @@
           <a:p>
             <a:fld id="{9D8F93ED-A0C2-47E6-A318-DBE38C226AB5}" type="datetimeFigureOut">
               <a:rPr lang="en-ZA" smtClean="0"/>
-              <a:t>2020/10/02</a:t>
+              <a:t>2020/10/03</a:t>
             </a:fld>
             <a:endParaRPr lang="en-ZA"/>
           </a:p>
@@ -2887,7 +2887,7 @@
           <a:p>
             <a:fld id="{263C1D19-58BB-424D-AEAB-118725247404}" type="datetimeFigureOut">
               <a:rPr lang="en-ZA" smtClean="0"/>
-              <a:t>2020/10/02</a:t>
+              <a:t>2020/10/03</a:t>
             </a:fld>
             <a:endParaRPr lang="en-ZA"/>
           </a:p>
@@ -3057,7 +3057,7 @@
           <a:p>
             <a:fld id="{263C1D19-58BB-424D-AEAB-118725247404}" type="datetimeFigureOut">
               <a:rPr lang="en-ZA" smtClean="0"/>
-              <a:t>2020/10/02</a:t>
+              <a:t>2020/10/03</a:t>
             </a:fld>
             <a:endParaRPr lang="en-ZA"/>
           </a:p>
@@ -3237,7 +3237,7 @@
           <a:p>
             <a:fld id="{263C1D19-58BB-424D-AEAB-118725247404}" type="datetimeFigureOut">
               <a:rPr lang="en-ZA" smtClean="0"/>
-              <a:t>2020/10/02</a:t>
+              <a:t>2020/10/03</a:t>
             </a:fld>
             <a:endParaRPr lang="en-ZA"/>
           </a:p>
@@ -3481,7 +3481,7 @@
           <a:p>
             <a:fld id="{9D8F93ED-A0C2-47E6-A318-DBE38C226AB5}" type="datetimeFigureOut">
               <a:rPr lang="en-ZA" smtClean="0"/>
-              <a:t>2020/10/02</a:t>
+              <a:t>2020/10/03</a:t>
             </a:fld>
             <a:endParaRPr lang="en-ZA"/>
           </a:p>
@@ -3713,7 +3713,7 @@
           <a:p>
             <a:fld id="{9D8F93ED-A0C2-47E6-A318-DBE38C226AB5}" type="datetimeFigureOut">
               <a:rPr lang="en-ZA" smtClean="0"/>
-              <a:t>2020/10/02</a:t>
+              <a:t>2020/10/03</a:t>
             </a:fld>
             <a:endParaRPr lang="en-ZA"/>
           </a:p>
@@ -4080,7 +4080,7 @@
           <a:p>
             <a:fld id="{9D8F93ED-A0C2-47E6-A318-DBE38C226AB5}" type="datetimeFigureOut">
               <a:rPr lang="en-ZA" smtClean="0"/>
-              <a:t>2020/10/02</a:t>
+              <a:t>2020/10/03</a:t>
             </a:fld>
             <a:endParaRPr lang="en-ZA"/>
           </a:p>
@@ -4198,7 +4198,7 @@
           <a:p>
             <a:fld id="{9D8F93ED-A0C2-47E6-A318-DBE38C226AB5}" type="datetimeFigureOut">
               <a:rPr lang="en-ZA" smtClean="0"/>
-              <a:t>2020/10/02</a:t>
+              <a:t>2020/10/03</a:t>
             </a:fld>
             <a:endParaRPr lang="en-ZA"/>
           </a:p>
@@ -4293,7 +4293,7 @@
           <a:p>
             <a:fld id="{9D8F93ED-A0C2-47E6-A318-DBE38C226AB5}" type="datetimeFigureOut">
               <a:rPr lang="en-ZA" smtClean="0"/>
-              <a:t>2020/10/02</a:t>
+              <a:t>2020/10/03</a:t>
             </a:fld>
             <a:endParaRPr lang="en-ZA"/>
           </a:p>
@@ -4570,7 +4570,7 @@
           <a:p>
             <a:fld id="{9D8F93ED-A0C2-47E6-A318-DBE38C226AB5}" type="datetimeFigureOut">
               <a:rPr lang="en-ZA" smtClean="0"/>
-              <a:t>2020/10/02</a:t>
+              <a:t>2020/10/03</a:t>
             </a:fld>
             <a:endParaRPr lang="en-ZA"/>
           </a:p>
@@ -4827,7 +4827,7 @@
           <a:p>
             <a:fld id="{9D8F93ED-A0C2-47E6-A318-DBE38C226AB5}" type="datetimeFigureOut">
               <a:rPr lang="en-ZA" smtClean="0"/>
-              <a:t>2020/10/02</a:t>
+              <a:t>2020/10/03</a:t>
             </a:fld>
             <a:endParaRPr lang="en-ZA"/>
           </a:p>
@@ -5040,7 +5040,7 @@
           <a:p>
             <a:fld id="{9D8F93ED-A0C2-47E6-A318-DBE38C226AB5}" type="datetimeFigureOut">
               <a:rPr lang="en-ZA" smtClean="0"/>
-              <a:t>2020/10/02</a:t>
+              <a:t>2020/10/03</a:t>
             </a:fld>
             <a:endParaRPr lang="en-ZA"/>
           </a:p>
@@ -5580,7 +5580,7 @@
           <a:p>
             <a:fld id="{263C1D19-58BB-424D-AEAB-118725247404}" type="datetimeFigureOut">
               <a:rPr lang="en-ZA" smtClean="0"/>
-              <a:t>2020/10/02</a:t>
+              <a:t>2020/10/03</a:t>
             </a:fld>
             <a:endParaRPr lang="en-ZA"/>
           </a:p>
@@ -6130,7 +6130,13 @@
       </p:grpSpPr>
       <p:grpSp>
         <p:nvGrpSpPr>
-          <p:cNvPr id="5" name="Group 4"/>
+          <p:cNvPr id="6" name="Group 5">
+            <a:extLst>
+              <a:ext uri="{FF2B5EF4-FFF2-40B4-BE49-F238E27FC236}">
+                <a16:creationId xmlns:a16="http://schemas.microsoft.com/office/drawing/2014/main" id="{F35B933E-0475-4B75-A817-0739E6678149}"/>
+              </a:ext>
+            </a:extLst>
+          </p:cNvPr>
           <p:cNvGrpSpPr/>
           <p:nvPr/>
         </p:nvGrpSpPr>
@@ -6142,99 +6148,1781 @@
             <a:chExt cx="9122287" cy="6952295"/>
           </a:xfrm>
         </p:grpSpPr>
-        <p:pic>
-          <p:nvPicPr>
-            <p:cNvPr id="1027" name="Picture 3"/>
-            <p:cNvPicPr>
-              <a:picLocks noChangeAspect="1" noChangeArrowheads="1"/>
-            </p:cNvPicPr>
+        <p:grpSp>
+          <p:nvGrpSpPr>
+            <p:cNvPr id="5" name="Group 4"/>
+            <p:cNvGrpSpPr/>
             <p:nvPr/>
-          </p:nvPicPr>
-          <p:blipFill rotWithShape="1">
-            <a:blip r:embed="rId2">
+          </p:nvGrpSpPr>
+          <p:grpSpPr>
+            <a:xfrm>
+              <a:off x="30444" y="-55959"/>
+              <a:ext cx="9122287" cy="6952295"/>
+              <a:chOff x="30444" y="-55959"/>
+              <a:chExt cx="9122287" cy="6952295"/>
+            </a:xfrm>
+          </p:grpSpPr>
+          <p:pic>
+            <p:nvPicPr>
+              <p:cNvPr id="1027" name="Picture 3"/>
+              <p:cNvPicPr>
+                <a:picLocks noChangeAspect="1" noChangeArrowheads="1"/>
+              </p:cNvPicPr>
+              <p:nvPr/>
+            </p:nvPicPr>
+            <p:blipFill rotWithShape="1">
+              <a:blip r:embed="rId2">
+                <a:extLst>
+                  <a:ext uri="{28A0092B-C50C-407E-A947-70E740481C1C}">
+                    <a14:useLocalDpi xmlns:a14="http://schemas.microsoft.com/office/drawing/2010/main" val="0"/>
+                  </a:ext>
+                </a:extLst>
+              </a:blip>
+              <a:srcRect l="28570" r="40232" b="32772"/>
+              <a:stretch/>
+            </p:blipFill>
+            <p:spPr bwMode="auto">
+              <a:xfrm>
+                <a:off x="35496" y="25575"/>
+                <a:ext cx="4909037" cy="6813988"/>
+              </a:xfrm>
+              <a:prstGeom prst="rect">
+                <a:avLst/>
+              </a:prstGeom>
+              <a:noFill/>
+              <a:ln>
+                <a:noFill/>
+              </a:ln>
               <a:extLst>
-                <a:ext uri="{28A0092B-C50C-407E-A947-70E740481C1C}">
-                  <a14:useLocalDpi xmlns:a14="http://schemas.microsoft.com/office/drawing/2010/main" val="0"/>
+                <a:ext uri="{909E8E84-426E-40DD-AFC4-6F175D3DCCD1}">
+                  <a14:hiddenFill xmlns:a14="http://schemas.microsoft.com/office/drawing/2010/main">
+                    <a:solidFill>
+                      <a:schemeClr val="accent1"/>
+                    </a:solidFill>
+                  </a14:hiddenFill>
+                </a:ext>
+                <a:ext uri="{91240B29-F687-4F45-9708-019B960494DF}">
+                  <a14:hiddenLine xmlns:a14="http://schemas.microsoft.com/office/drawing/2010/main" w="9525">
+                    <a:solidFill>
+                      <a:schemeClr val="tx1"/>
+                    </a:solidFill>
+                    <a:miter lim="800000"/>
+                    <a:headEnd/>
+                    <a:tailEnd/>
+                  </a14:hiddenLine>
                 </a:ext>
               </a:extLst>
-            </a:blip>
-            <a:srcRect l="28570" r="40232" b="32772"/>
-            <a:stretch/>
-          </p:blipFill>
-          <p:spPr bwMode="auto">
-            <a:xfrm>
-              <a:off x="35496" y="25575"/>
-              <a:ext cx="4909037" cy="6813988"/>
-            </a:xfrm>
-            <a:prstGeom prst="rect">
-              <a:avLst/>
-            </a:prstGeom>
-            <a:noFill/>
-            <a:ln>
+            </p:spPr>
+          </p:pic>
+          <p:sp>
+            <p:nvSpPr>
+              <p:cNvPr id="10" name="TextBox 9"/>
+              <p:cNvSpPr txBox="1"/>
+              <p:nvPr/>
+            </p:nvSpPr>
+            <p:spPr>
+              <a:xfrm>
+                <a:off x="2728595" y="3016570"/>
+                <a:ext cx="475253" cy="307777"/>
+              </a:xfrm>
+              <a:prstGeom prst="rect">
+                <a:avLst/>
+              </a:prstGeom>
               <a:noFill/>
-            </a:ln>
-            <a:extLst>
-              <a:ext uri="{909E8E84-426E-40DD-AFC4-6F175D3DCCD1}">
-                <a14:hiddenFill xmlns:a14="http://schemas.microsoft.com/office/drawing/2010/main">
-                  <a:solidFill>
-                    <a:schemeClr val="accent1"/>
-                  </a:solidFill>
-                </a14:hiddenFill>
-              </a:ext>
-              <a:ext uri="{91240B29-F687-4F45-9708-019B960494DF}">
-                <a14:hiddenLine xmlns:a14="http://schemas.microsoft.com/office/drawing/2010/main" w="9525">
-                  <a:solidFill>
-                    <a:schemeClr val="tx1"/>
-                  </a:solidFill>
-                  <a:miter lim="800000"/>
-                  <a:headEnd/>
-                  <a:tailEnd/>
-                </a14:hiddenLine>
-              </a:ext>
-            </a:extLst>
-          </p:spPr>
-        </p:pic>
-        <p:sp>
-          <p:nvSpPr>
-            <p:cNvPr id="10" name="TextBox 9"/>
-            <p:cNvSpPr txBox="1"/>
-            <p:nvPr/>
-          </p:nvSpPr>
-          <p:spPr>
-            <a:xfrm>
-              <a:off x="2728595" y="3016570"/>
-              <a:ext cx="475253" cy="307777"/>
-            </a:xfrm>
-            <a:prstGeom prst="rect">
-              <a:avLst/>
-            </a:prstGeom>
-            <a:noFill/>
-          </p:spPr>
-          <p:txBody>
-            <a:bodyPr wrap="square" rtlCol="0">
-              <a:spAutoFit/>
-            </a:bodyPr>
-            <a:lstStyle/>
-            <a:p>
-              <a:pPr marL="0" marR="0" lvl="0" indent="0" algn="l" defTabSz="914400" rtl="0" eaLnBrk="1" fontAlgn="auto" latinLnBrk="0" hangingPunct="1">
-                <a:lnSpc>
-                  <a:spcPct val="100000"/>
-                </a:lnSpc>
-                <a:spcBef>
-                  <a:spcPts val="0"/>
-                </a:spcBef>
-                <a:spcAft>
-                  <a:spcPts val="0"/>
-                </a:spcAft>
-                <a:buClrTx/>
-                <a:buSzTx/>
-                <a:buFontTx/>
-                <a:buNone/>
-                <a:tabLst/>
-                <a:defRPr/>
-              </a:pPr>
-              <a:r>
-                <a:rPr kumimoji="0" lang="en-ZA" sz="1400" b="1" i="0" u="none" strike="noStrike" kern="1200" cap="none" spc="0" normalizeH="0" baseline="0" noProof="0" dirty="0">
+            </p:spPr>
+            <p:txBody>
+              <a:bodyPr wrap="square" rtlCol="0">
+                <a:spAutoFit/>
+              </a:bodyPr>
+              <a:lstStyle/>
+              <a:p>
+                <a:pPr marL="0" marR="0" lvl="0" indent="0" algn="l" defTabSz="914400" rtl="0" eaLnBrk="1" fontAlgn="auto" latinLnBrk="0" hangingPunct="1">
+                  <a:lnSpc>
+                    <a:spcPct val="100000"/>
+                  </a:lnSpc>
+                  <a:spcBef>
+                    <a:spcPts val="0"/>
+                  </a:spcBef>
+                  <a:spcAft>
+                    <a:spcPts val="0"/>
+                  </a:spcAft>
+                  <a:buClrTx/>
+                  <a:buSzTx/>
+                  <a:buFontTx/>
+                  <a:buNone/>
+                  <a:tabLst/>
+                  <a:defRPr/>
+                </a:pPr>
+                <a:r>
+                  <a:rPr kumimoji="0" lang="en-ZA" sz="1400" b="1" i="0" u="none" strike="noStrike" kern="1200" cap="none" spc="0" normalizeH="0" baseline="0" noProof="0" dirty="0">
+                    <a:ln>
+                      <a:noFill/>
+                    </a:ln>
+                    <a:solidFill>
+                      <a:srgbClr val="FFFF00"/>
+                    </a:solidFill>
+                    <a:effectLst/>
+                    <a:uLnTx/>
+                    <a:uFillTx/>
+                    <a:latin typeface="Calibri"/>
+                    <a:ea typeface="+mn-ea"/>
+                    <a:cs typeface="+mn-cs"/>
+                  </a:rPr>
+                  <a:t>Cw</a:t>
+                </a:r>
+              </a:p>
+            </p:txBody>
+          </p:sp>
+          <p:sp>
+            <p:nvSpPr>
+              <p:cNvPr id="17" name="TextBox 16"/>
+              <p:cNvSpPr txBox="1"/>
+              <p:nvPr/>
+            </p:nvSpPr>
+            <p:spPr>
+              <a:xfrm>
+                <a:off x="2793956" y="2579196"/>
+                <a:ext cx="841940" cy="307777"/>
+              </a:xfrm>
+              <a:prstGeom prst="rect">
+                <a:avLst/>
+              </a:prstGeom>
+              <a:noFill/>
+            </p:spPr>
+            <p:txBody>
+              <a:bodyPr wrap="square" rtlCol="0">
+                <a:spAutoFit/>
+              </a:bodyPr>
+              <a:lstStyle/>
+              <a:p>
+                <a:pPr marL="0" marR="0" lvl="0" indent="0" algn="l" defTabSz="914400" rtl="0" eaLnBrk="1" fontAlgn="auto" latinLnBrk="0" hangingPunct="1">
+                  <a:lnSpc>
+                    <a:spcPct val="100000"/>
+                  </a:lnSpc>
+                  <a:spcBef>
+                    <a:spcPts val="0"/>
+                  </a:spcBef>
+                  <a:spcAft>
+                    <a:spcPts val="0"/>
+                  </a:spcAft>
+                  <a:buClrTx/>
+                  <a:buSzTx/>
+                  <a:buFontTx/>
+                  <a:buNone/>
+                  <a:tabLst/>
+                  <a:defRPr/>
+                </a:pPr>
+                <a:r>
+                  <a:rPr kumimoji="0" lang="en-ZA" sz="1400" b="1" i="0" u="none" strike="noStrike" kern="1200" cap="none" spc="0" normalizeH="0" baseline="0" noProof="0" dirty="0">
+                    <a:ln>
+                      <a:noFill/>
+                    </a:ln>
+                    <a:solidFill>
+                      <a:srgbClr val="FFFF00"/>
+                    </a:solidFill>
+                    <a:effectLst/>
+                    <a:uLnTx/>
+                    <a:uFillTx/>
+                    <a:latin typeface="Calibri"/>
+                    <a:ea typeface="+mn-ea"/>
+                    <a:cs typeface="+mn-cs"/>
+                  </a:rPr>
+                  <a:t>C-Pd</a:t>
+                </a:r>
+              </a:p>
+            </p:txBody>
+          </p:sp>
+          <p:sp>
+            <p:nvSpPr>
+              <p:cNvPr id="18" name="TextBox 17"/>
+              <p:cNvSpPr txBox="1"/>
+              <p:nvPr/>
+            </p:nvSpPr>
+            <p:spPr>
+              <a:xfrm>
+                <a:off x="2738459" y="3280224"/>
+                <a:ext cx="475253" cy="307777"/>
+              </a:xfrm>
+              <a:prstGeom prst="rect">
+                <a:avLst/>
+              </a:prstGeom>
+              <a:noFill/>
+            </p:spPr>
+            <p:txBody>
+              <a:bodyPr wrap="square" rtlCol="0">
+                <a:spAutoFit/>
+              </a:bodyPr>
+              <a:lstStyle/>
+              <a:p>
+                <a:pPr marL="0" marR="0" lvl="0" indent="0" algn="l" defTabSz="914400" rtl="0" eaLnBrk="1" fontAlgn="auto" latinLnBrk="0" hangingPunct="1">
+                  <a:lnSpc>
+                    <a:spcPct val="100000"/>
+                  </a:lnSpc>
+                  <a:spcBef>
+                    <a:spcPts val="0"/>
+                  </a:spcBef>
+                  <a:spcAft>
+                    <a:spcPts val="0"/>
+                  </a:spcAft>
+                  <a:buClrTx/>
+                  <a:buSzTx/>
+                  <a:buFontTx/>
+                  <a:buNone/>
+                  <a:tabLst/>
+                  <a:defRPr/>
+                </a:pPr>
+                <a:r>
+                  <a:rPr kumimoji="0" lang="en-ZA" sz="1400" b="1" i="0" u="none" strike="noStrike" kern="1200" cap="none" spc="0" normalizeH="0" baseline="0" noProof="0" dirty="0">
+                    <a:ln>
+                      <a:noFill/>
+                    </a:ln>
+                    <a:solidFill>
+                      <a:srgbClr val="FFFF00"/>
+                    </a:solidFill>
+                    <a:effectLst/>
+                    <a:uLnTx/>
+                    <a:uFillTx/>
+                    <a:latin typeface="Calibri"/>
+                    <a:ea typeface="+mn-ea"/>
+                    <a:cs typeface="+mn-cs"/>
+                  </a:rPr>
+                  <a:t>Cf</a:t>
+                </a:r>
+              </a:p>
+            </p:txBody>
+          </p:sp>
+          <p:sp>
+            <p:nvSpPr>
+              <p:cNvPr id="19" name="TextBox 18"/>
+              <p:cNvSpPr txBox="1"/>
+              <p:nvPr/>
+            </p:nvSpPr>
+            <p:spPr>
+              <a:xfrm>
+                <a:off x="2674268" y="3472648"/>
+                <a:ext cx="575056" cy="307777"/>
+              </a:xfrm>
+              <a:prstGeom prst="rect">
+                <a:avLst/>
+              </a:prstGeom>
+              <a:noFill/>
+            </p:spPr>
+            <p:txBody>
+              <a:bodyPr wrap="square" rtlCol="0">
+                <a:spAutoFit/>
+              </a:bodyPr>
+              <a:lstStyle/>
+              <a:p>
+                <a:pPr marL="0" marR="0" lvl="0" indent="0" algn="l" defTabSz="914400" rtl="0" eaLnBrk="1" fontAlgn="auto" latinLnBrk="0" hangingPunct="1">
+                  <a:lnSpc>
+                    <a:spcPct val="100000"/>
+                  </a:lnSpc>
+                  <a:spcBef>
+                    <a:spcPts val="0"/>
+                  </a:spcBef>
+                  <a:spcAft>
+                    <a:spcPts val="0"/>
+                  </a:spcAft>
+                  <a:buClrTx/>
+                  <a:buSzTx/>
+                  <a:buFontTx/>
+                  <a:buNone/>
+                  <a:tabLst/>
+                  <a:defRPr/>
+                </a:pPr>
+                <a:r>
+                  <a:rPr kumimoji="0" lang="en-ZA" sz="1400" b="1" i="0" u="none" strike="noStrike" kern="1200" cap="none" spc="0" normalizeH="0" baseline="0" noProof="0" dirty="0">
+                    <a:ln>
+                      <a:noFill/>
+                    </a:ln>
+                    <a:solidFill>
+                      <a:srgbClr val="FFFF00"/>
+                    </a:solidFill>
+                    <a:effectLst/>
+                    <a:uLnTx/>
+                    <a:uFillTx/>
+                    <a:latin typeface="Calibri"/>
+                    <a:ea typeface="+mn-ea"/>
+                    <a:cs typeface="+mn-cs"/>
+                  </a:rPr>
+                  <a:t>Dwi</a:t>
+                </a:r>
+              </a:p>
+            </p:txBody>
+          </p:sp>
+          <p:sp>
+            <p:nvSpPr>
+              <p:cNvPr id="33" name="TextBox 32"/>
+              <p:cNvSpPr txBox="1"/>
+              <p:nvPr/>
+            </p:nvSpPr>
+            <p:spPr>
+              <a:xfrm>
+                <a:off x="3549599" y="1480024"/>
+                <a:ext cx="475253" cy="307777"/>
+              </a:xfrm>
+              <a:prstGeom prst="rect">
+                <a:avLst/>
+              </a:prstGeom>
+              <a:noFill/>
+            </p:spPr>
+            <p:txBody>
+              <a:bodyPr wrap="square" rtlCol="0">
+                <a:spAutoFit/>
+              </a:bodyPr>
+              <a:lstStyle/>
+              <a:p>
+                <a:pPr marL="0" marR="0" lvl="0" indent="0" algn="l" defTabSz="914400" rtl="0" eaLnBrk="1" fontAlgn="auto" latinLnBrk="0" hangingPunct="1">
+                  <a:lnSpc>
+                    <a:spcPct val="100000"/>
+                  </a:lnSpc>
+                  <a:spcBef>
+                    <a:spcPts val="0"/>
+                  </a:spcBef>
+                  <a:spcAft>
+                    <a:spcPts val="0"/>
+                  </a:spcAft>
+                  <a:buClrTx/>
+                  <a:buSzTx/>
+                  <a:buFontTx/>
+                  <a:buNone/>
+                  <a:tabLst/>
+                  <a:defRPr/>
+                </a:pPr>
+                <a:r>
+                  <a:rPr kumimoji="0" lang="en-ZA" sz="1400" b="1" i="0" u="none" strike="noStrike" kern="1200" cap="none" spc="0" normalizeH="0" baseline="0" noProof="0" dirty="0">
+                    <a:ln>
+                      <a:noFill/>
+                    </a:ln>
+                    <a:solidFill>
+                      <a:srgbClr val="FFFF00"/>
+                    </a:solidFill>
+                    <a:effectLst/>
+                    <a:uLnTx/>
+                    <a:uFillTx/>
+                    <a:latin typeface="Calibri"/>
+                    <a:ea typeface="+mn-ea"/>
+                    <a:cs typeface="+mn-cs"/>
+                  </a:rPr>
+                  <a:t>Pp</a:t>
+                </a:r>
+              </a:p>
+            </p:txBody>
+          </p:sp>
+          <p:sp>
+            <p:nvSpPr>
+              <p:cNvPr id="34" name="TextBox 33"/>
+              <p:cNvSpPr txBox="1"/>
+              <p:nvPr/>
+            </p:nvSpPr>
+            <p:spPr>
+              <a:xfrm>
+                <a:off x="3682947" y="130794"/>
+                <a:ext cx="475253" cy="307777"/>
+              </a:xfrm>
+              <a:prstGeom prst="rect">
+                <a:avLst/>
+              </a:prstGeom>
+              <a:noFill/>
+            </p:spPr>
+            <p:txBody>
+              <a:bodyPr wrap="square" rtlCol="0">
+                <a:spAutoFit/>
+              </a:bodyPr>
+              <a:lstStyle/>
+              <a:p>
+                <a:pPr marL="0" marR="0" lvl="0" indent="0" algn="l" defTabSz="914400" rtl="0" eaLnBrk="1" fontAlgn="auto" latinLnBrk="0" hangingPunct="1">
+                  <a:lnSpc>
+                    <a:spcPct val="100000"/>
+                  </a:lnSpc>
+                  <a:spcBef>
+                    <a:spcPts val="0"/>
+                  </a:spcBef>
+                  <a:spcAft>
+                    <a:spcPts val="0"/>
+                  </a:spcAft>
+                  <a:buClrTx/>
+                  <a:buSzTx/>
+                  <a:buFontTx/>
+                  <a:buNone/>
+                  <a:tabLst/>
+                  <a:defRPr/>
+                </a:pPr>
+                <a:r>
+                  <a:rPr kumimoji="0" lang="en-ZA" sz="1400" b="1" i="0" u="none" strike="noStrike" kern="1200" cap="none" spc="0" normalizeH="0" baseline="0" noProof="0" dirty="0">
+                    <a:ln>
+                      <a:noFill/>
+                    </a:ln>
+                    <a:solidFill>
+                      <a:srgbClr val="FFFF00"/>
+                    </a:solidFill>
+                    <a:effectLst/>
+                    <a:uLnTx/>
+                    <a:uFillTx/>
+                    <a:latin typeface="Calibri"/>
+                    <a:ea typeface="+mn-ea"/>
+                    <a:cs typeface="+mn-cs"/>
+                  </a:rPr>
+                  <a:t>Pw</a:t>
+                </a:r>
+              </a:p>
+            </p:txBody>
+          </p:sp>
+          <p:sp>
+            <p:nvSpPr>
+              <p:cNvPr id="35" name="TextBox 34"/>
+              <p:cNvSpPr txBox="1"/>
+              <p:nvPr/>
+            </p:nvSpPr>
+            <p:spPr>
+              <a:xfrm>
+                <a:off x="3271318" y="1825082"/>
+                <a:ext cx="475253" cy="307777"/>
+              </a:xfrm>
+              <a:prstGeom prst="rect">
+                <a:avLst/>
+              </a:prstGeom>
+              <a:noFill/>
+            </p:spPr>
+            <p:txBody>
+              <a:bodyPr wrap="square" rtlCol="0">
+                <a:spAutoFit/>
+              </a:bodyPr>
+              <a:lstStyle/>
+              <a:p>
+                <a:pPr marL="0" marR="0" lvl="0" indent="0" algn="l" defTabSz="914400" rtl="0" eaLnBrk="1" fontAlgn="auto" latinLnBrk="0" hangingPunct="1">
+                  <a:lnSpc>
+                    <a:spcPct val="100000"/>
+                  </a:lnSpc>
+                  <a:spcBef>
+                    <a:spcPts val="0"/>
+                  </a:spcBef>
+                  <a:spcAft>
+                    <a:spcPts val="0"/>
+                  </a:spcAft>
+                  <a:buClrTx/>
+                  <a:buSzTx/>
+                  <a:buFontTx/>
+                  <a:buNone/>
+                  <a:tabLst/>
+                  <a:defRPr/>
+                </a:pPr>
+                <a:r>
+                  <a:rPr kumimoji="0" lang="en-ZA" sz="1400" b="1" i="0" u="none" strike="noStrike" kern="1200" cap="none" spc="0" normalizeH="0" baseline="0" noProof="0" dirty="0">
+                    <a:ln>
+                      <a:noFill/>
+                    </a:ln>
+                    <a:solidFill>
+                      <a:srgbClr val="FFFF00"/>
+                    </a:solidFill>
+                    <a:effectLst/>
+                    <a:uLnTx/>
+                    <a:uFillTx/>
+                    <a:latin typeface="Calibri"/>
+                    <a:ea typeface="+mn-ea"/>
+                    <a:cs typeface="+mn-cs"/>
+                  </a:rPr>
+                  <a:t>Pc</a:t>
+                </a:r>
+              </a:p>
+            </p:txBody>
+          </p:sp>
+          <p:sp>
+            <p:nvSpPr>
+              <p:cNvPr id="36" name="TextBox 35"/>
+              <p:cNvSpPr txBox="1"/>
+              <p:nvPr/>
+            </p:nvSpPr>
+            <p:spPr>
+              <a:xfrm>
+                <a:off x="2656587" y="1705574"/>
+                <a:ext cx="475253" cy="307777"/>
+              </a:xfrm>
+              <a:prstGeom prst="rect">
+                <a:avLst/>
+              </a:prstGeom>
+              <a:noFill/>
+            </p:spPr>
+            <p:txBody>
+              <a:bodyPr wrap="square" rtlCol="0">
+                <a:spAutoFit/>
+              </a:bodyPr>
+              <a:lstStyle/>
+              <a:p>
+                <a:pPr marL="0" marR="0" lvl="0" indent="0" algn="l" defTabSz="914400" rtl="0" eaLnBrk="1" fontAlgn="auto" latinLnBrk="0" hangingPunct="1">
+                  <a:lnSpc>
+                    <a:spcPct val="100000"/>
+                  </a:lnSpc>
+                  <a:spcBef>
+                    <a:spcPts val="0"/>
+                  </a:spcBef>
+                  <a:spcAft>
+                    <a:spcPts val="0"/>
+                  </a:spcAft>
+                  <a:buClrTx/>
+                  <a:buSzTx/>
+                  <a:buFontTx/>
+                  <a:buNone/>
+                  <a:tabLst/>
+                  <a:defRPr/>
+                </a:pPr>
+                <a:r>
+                  <a:rPr kumimoji="0" lang="en-ZA" sz="1400" b="1" i="0" u="none" strike="noStrike" kern="1200" cap="none" spc="0" normalizeH="0" baseline="0" noProof="0" dirty="0">
+                    <a:ln>
+                      <a:noFill/>
+                    </a:ln>
+                    <a:solidFill>
+                      <a:srgbClr val="FFFF00"/>
+                    </a:solidFill>
+                    <a:effectLst/>
+                    <a:uLnTx/>
+                    <a:uFillTx/>
+                    <a:latin typeface="Calibri"/>
+                    <a:ea typeface="+mn-ea"/>
+                    <a:cs typeface="+mn-cs"/>
+                  </a:rPr>
+                  <a:t>Pv</a:t>
+                </a:r>
+              </a:p>
+            </p:txBody>
+          </p:sp>
+          <p:sp>
+            <p:nvSpPr>
+              <p:cNvPr id="37" name="TextBox 36"/>
+              <p:cNvSpPr txBox="1"/>
+              <p:nvPr/>
+            </p:nvSpPr>
+            <p:spPr>
+              <a:xfrm>
+                <a:off x="2618258" y="-55959"/>
+                <a:ext cx="475253" cy="307777"/>
+              </a:xfrm>
+              <a:prstGeom prst="rect">
+                <a:avLst/>
+              </a:prstGeom>
+              <a:noFill/>
+            </p:spPr>
+            <p:txBody>
+              <a:bodyPr wrap="square" rtlCol="0">
+                <a:spAutoFit/>
+              </a:bodyPr>
+              <a:lstStyle/>
+              <a:p>
+                <a:pPr marL="0" marR="0" lvl="0" indent="0" algn="l" defTabSz="914400" rtl="0" eaLnBrk="1" fontAlgn="auto" latinLnBrk="0" hangingPunct="1">
+                  <a:lnSpc>
+                    <a:spcPct val="100000"/>
+                  </a:lnSpc>
+                  <a:spcBef>
+                    <a:spcPts val="0"/>
+                  </a:spcBef>
+                  <a:spcAft>
+                    <a:spcPts val="0"/>
+                  </a:spcAft>
+                  <a:buClrTx/>
+                  <a:buSzTx/>
+                  <a:buFontTx/>
+                  <a:buNone/>
+                  <a:tabLst/>
+                  <a:defRPr/>
+                </a:pPr>
+                <a:r>
+                  <a:rPr kumimoji="0" lang="en-ZA" sz="1400" b="1" i="0" u="none" strike="noStrike" kern="1200" cap="none" spc="0" normalizeH="0" baseline="0" noProof="0" dirty="0">
+                    <a:ln>
+                      <a:noFill/>
+                    </a:ln>
+                    <a:solidFill>
+                      <a:srgbClr val="FFFF00"/>
+                    </a:solidFill>
+                    <a:effectLst/>
+                    <a:uLnTx/>
+                    <a:uFillTx/>
+                    <a:latin typeface="Calibri"/>
+                    <a:ea typeface="+mn-ea"/>
+                    <a:cs typeface="+mn-cs"/>
+                  </a:rPr>
+                  <a:t>Pv</a:t>
+                </a:r>
+              </a:p>
+            </p:txBody>
+          </p:sp>
+          <p:sp>
+            <p:nvSpPr>
+              <p:cNvPr id="38" name="TextBox 37"/>
+              <p:cNvSpPr txBox="1"/>
+              <p:nvPr/>
+            </p:nvSpPr>
+            <p:spPr>
+              <a:xfrm>
+                <a:off x="2603068" y="1186900"/>
+                <a:ext cx="475253" cy="307777"/>
+              </a:xfrm>
+              <a:prstGeom prst="rect">
+                <a:avLst/>
+              </a:prstGeom>
+              <a:noFill/>
+            </p:spPr>
+            <p:txBody>
+              <a:bodyPr wrap="square" rtlCol="0">
+                <a:spAutoFit/>
+              </a:bodyPr>
+              <a:lstStyle/>
+              <a:p>
+                <a:pPr marL="0" marR="0" lvl="0" indent="0" algn="l" defTabSz="914400" rtl="0" eaLnBrk="1" fontAlgn="auto" latinLnBrk="0" hangingPunct="1">
+                  <a:lnSpc>
+                    <a:spcPct val="100000"/>
+                  </a:lnSpc>
+                  <a:spcBef>
+                    <a:spcPts val="0"/>
+                  </a:spcBef>
+                  <a:spcAft>
+                    <a:spcPts val="0"/>
+                  </a:spcAft>
+                  <a:buClrTx/>
+                  <a:buSzTx/>
+                  <a:buFontTx/>
+                  <a:buNone/>
+                  <a:tabLst/>
+                  <a:defRPr/>
+                </a:pPr>
+                <a:r>
+                  <a:rPr kumimoji="0" lang="en-ZA" sz="1400" b="1" i="0" u="none" strike="noStrike" kern="1200" cap="none" spc="0" normalizeH="0" baseline="0" noProof="0" dirty="0">
+                    <a:ln>
+                      <a:noFill/>
+                    </a:ln>
+                    <a:solidFill>
+                      <a:srgbClr val="FFFF00"/>
+                    </a:solidFill>
+                    <a:effectLst/>
+                    <a:uLnTx/>
+                    <a:uFillTx/>
+                    <a:latin typeface="Calibri"/>
+                    <a:ea typeface="+mn-ea"/>
+                    <a:cs typeface="+mn-cs"/>
+                  </a:rPr>
+                  <a:t>Pw</a:t>
+                </a:r>
+              </a:p>
+            </p:txBody>
+          </p:sp>
+          <p:sp>
+            <p:nvSpPr>
+              <p:cNvPr id="39" name="TextBox 38"/>
+              <p:cNvSpPr txBox="1"/>
+              <p:nvPr/>
+            </p:nvSpPr>
+            <p:spPr>
+              <a:xfrm>
+                <a:off x="2772363" y="601639"/>
+                <a:ext cx="841940" cy="307777"/>
+              </a:xfrm>
+              <a:prstGeom prst="rect">
+                <a:avLst/>
+              </a:prstGeom>
+              <a:noFill/>
+            </p:spPr>
+            <p:txBody>
+              <a:bodyPr wrap="square" rtlCol="0">
+                <a:spAutoFit/>
+              </a:bodyPr>
+              <a:lstStyle/>
+              <a:p>
+                <a:pPr marL="0" marR="0" lvl="0" indent="0" algn="l" defTabSz="914400" rtl="0" eaLnBrk="1" fontAlgn="auto" latinLnBrk="0" hangingPunct="1">
+                  <a:lnSpc>
+                    <a:spcPct val="100000"/>
+                  </a:lnSpc>
+                  <a:spcBef>
+                    <a:spcPts val="0"/>
+                  </a:spcBef>
+                  <a:spcAft>
+                    <a:spcPts val="0"/>
+                  </a:spcAft>
+                  <a:buClrTx/>
+                  <a:buSzTx/>
+                  <a:buFontTx/>
+                  <a:buNone/>
+                  <a:tabLst/>
+                  <a:defRPr/>
+                </a:pPr>
+                <a:r>
+                  <a:rPr kumimoji="0" lang="en-ZA" sz="1400" b="1" i="0" u="none" strike="noStrike" kern="1200" cap="none" spc="0" normalizeH="0" baseline="0" noProof="0" dirty="0">
+                    <a:ln>
+                      <a:noFill/>
+                    </a:ln>
+                    <a:solidFill>
+                      <a:srgbClr val="FFFF00"/>
+                    </a:solidFill>
+                    <a:effectLst/>
+                    <a:uLnTx/>
+                    <a:uFillTx/>
+                    <a:latin typeface="Calibri"/>
+                    <a:ea typeface="+mn-ea"/>
+                    <a:cs typeface="+mn-cs"/>
+                  </a:rPr>
+                  <a:t>C-Pd</a:t>
+                </a:r>
+              </a:p>
+            </p:txBody>
+          </p:sp>
+          <p:sp>
+            <p:nvSpPr>
+              <p:cNvPr id="40" name="TextBox 39"/>
+              <p:cNvSpPr txBox="1"/>
+              <p:nvPr/>
+            </p:nvSpPr>
+            <p:spPr>
+              <a:xfrm>
+                <a:off x="2888071" y="3832473"/>
+                <a:ext cx="632562" cy="307777"/>
+              </a:xfrm>
+              <a:prstGeom prst="rect">
+                <a:avLst/>
+              </a:prstGeom>
+              <a:noFill/>
+            </p:spPr>
+            <p:txBody>
+              <a:bodyPr wrap="square" rtlCol="0">
+                <a:spAutoFit/>
+              </a:bodyPr>
+              <a:lstStyle/>
+              <a:p>
+                <a:pPr marL="0" marR="0" lvl="0" indent="0" algn="l" defTabSz="914400" rtl="0" eaLnBrk="1" fontAlgn="auto" latinLnBrk="0" hangingPunct="1">
+                  <a:lnSpc>
+                    <a:spcPct val="100000"/>
+                  </a:lnSpc>
+                  <a:spcBef>
+                    <a:spcPts val="0"/>
+                  </a:spcBef>
+                  <a:spcAft>
+                    <a:spcPts val="0"/>
+                  </a:spcAft>
+                  <a:buClrTx/>
+                  <a:buSzTx/>
+                  <a:buFontTx/>
+                  <a:buNone/>
+                  <a:tabLst/>
+                  <a:defRPr/>
+                </a:pPr>
+                <a:r>
+                  <a:rPr kumimoji="0" lang="en-ZA" sz="1400" b="1" i="0" u="none" strike="noStrike" kern="1200" cap="none" spc="0" normalizeH="0" baseline="0" noProof="0" dirty="0">
+                    <a:ln>
+                      <a:noFill/>
+                    </a:ln>
+                    <a:solidFill>
+                      <a:srgbClr val="FFFF00"/>
+                    </a:solidFill>
+                    <a:effectLst/>
+                    <a:uLnTx/>
+                    <a:uFillTx/>
+                    <a:latin typeface="Calibri"/>
+                    <a:ea typeface="+mn-ea"/>
+                    <a:cs typeface="+mn-cs"/>
+                  </a:rPr>
+                  <a:t>Dwe</a:t>
+                </a:r>
+              </a:p>
+            </p:txBody>
+          </p:sp>
+          <p:sp>
+            <p:nvSpPr>
+              <p:cNvPr id="41" name="TextBox 40"/>
+              <p:cNvSpPr txBox="1"/>
+              <p:nvPr/>
+            </p:nvSpPr>
+            <p:spPr>
+              <a:xfrm>
+                <a:off x="3511157" y="4346055"/>
+                <a:ext cx="475253" cy="307777"/>
+              </a:xfrm>
+              <a:prstGeom prst="rect">
+                <a:avLst/>
+              </a:prstGeom>
+              <a:noFill/>
+            </p:spPr>
+            <p:txBody>
+              <a:bodyPr wrap="square" rtlCol="0">
+                <a:spAutoFit/>
+              </a:bodyPr>
+              <a:lstStyle/>
+              <a:p>
+                <a:pPr marL="0" marR="0" lvl="0" indent="0" algn="l" defTabSz="914400" rtl="0" eaLnBrk="1" fontAlgn="auto" latinLnBrk="0" hangingPunct="1">
+                  <a:lnSpc>
+                    <a:spcPct val="100000"/>
+                  </a:lnSpc>
+                  <a:spcBef>
+                    <a:spcPts val="0"/>
+                  </a:spcBef>
+                  <a:spcAft>
+                    <a:spcPts val="0"/>
+                  </a:spcAft>
+                  <a:buClrTx/>
+                  <a:buSzTx/>
+                  <a:buFontTx/>
+                  <a:buNone/>
+                  <a:tabLst/>
+                  <a:defRPr/>
+                </a:pPr>
+                <a:r>
+                  <a:rPr kumimoji="0" lang="en-ZA" sz="1400" b="1" i="0" u="none" strike="noStrike" kern="1200" cap="none" spc="0" normalizeH="0" baseline="0" noProof="0" dirty="0">
+                    <a:ln>
+                      <a:noFill/>
+                    </a:ln>
+                    <a:solidFill>
+                      <a:srgbClr val="FFFF00"/>
+                    </a:solidFill>
+                    <a:effectLst/>
+                    <a:uLnTx/>
+                    <a:uFillTx/>
+                    <a:latin typeface="Calibri"/>
+                    <a:ea typeface="+mn-ea"/>
+                    <a:cs typeface="+mn-cs"/>
+                  </a:rPr>
+                  <a:t>Da</a:t>
+                </a:r>
+              </a:p>
+            </p:txBody>
+          </p:sp>
+          <p:sp>
+            <p:nvSpPr>
+              <p:cNvPr id="42" name="TextBox 41"/>
+              <p:cNvSpPr txBox="1"/>
+              <p:nvPr/>
+            </p:nvSpPr>
+            <p:spPr>
+              <a:xfrm>
+                <a:off x="4384779" y="6449373"/>
+                <a:ext cx="475253" cy="307777"/>
+              </a:xfrm>
+              <a:prstGeom prst="rect">
+                <a:avLst/>
+              </a:prstGeom>
+              <a:noFill/>
+            </p:spPr>
+            <p:txBody>
+              <a:bodyPr wrap="square" rtlCol="0">
+                <a:spAutoFit/>
+              </a:bodyPr>
+              <a:lstStyle/>
+              <a:p>
+                <a:pPr marL="0" marR="0" lvl="0" indent="0" algn="l" defTabSz="914400" rtl="0" eaLnBrk="1" fontAlgn="auto" latinLnBrk="0" hangingPunct="1">
+                  <a:lnSpc>
+                    <a:spcPct val="100000"/>
+                  </a:lnSpc>
+                  <a:spcBef>
+                    <a:spcPts val="0"/>
+                  </a:spcBef>
+                  <a:spcAft>
+                    <a:spcPts val="0"/>
+                  </a:spcAft>
+                  <a:buClrTx/>
+                  <a:buSzTx/>
+                  <a:buFontTx/>
+                  <a:buNone/>
+                  <a:tabLst/>
+                  <a:defRPr/>
+                </a:pPr>
+                <a:r>
+                  <a:rPr kumimoji="0" lang="en-ZA" sz="1400" b="1" i="0" u="none" strike="noStrike" kern="1200" cap="none" spc="0" normalizeH="0" baseline="0" noProof="0" dirty="0">
+                    <a:ln>
+                      <a:noFill/>
+                    </a:ln>
+                    <a:solidFill>
+                      <a:srgbClr val="FFFF00"/>
+                    </a:solidFill>
+                    <a:effectLst/>
+                    <a:uLnTx/>
+                    <a:uFillTx/>
+                    <a:latin typeface="Calibri"/>
+                    <a:ea typeface="+mn-ea"/>
+                    <a:cs typeface="+mn-cs"/>
+                  </a:rPr>
+                  <a:t>Ss</a:t>
+                </a:r>
+              </a:p>
+            </p:txBody>
+          </p:sp>
+          <p:sp>
+            <p:nvSpPr>
+              <p:cNvPr id="43" name="TextBox 42"/>
+              <p:cNvSpPr txBox="1"/>
+              <p:nvPr/>
+            </p:nvSpPr>
+            <p:spPr>
+              <a:xfrm>
+                <a:off x="3064595" y="5689829"/>
+                <a:ext cx="475253" cy="307777"/>
+              </a:xfrm>
+              <a:prstGeom prst="rect">
+                <a:avLst/>
+              </a:prstGeom>
+              <a:noFill/>
+            </p:spPr>
+            <p:txBody>
+              <a:bodyPr wrap="square" rtlCol="0">
+                <a:spAutoFit/>
+              </a:bodyPr>
+              <a:lstStyle/>
+              <a:p>
+                <a:pPr marL="0" marR="0" lvl="0" indent="0" algn="l" defTabSz="914400" rtl="0" eaLnBrk="1" fontAlgn="auto" latinLnBrk="0" hangingPunct="1">
+                  <a:lnSpc>
+                    <a:spcPct val="100000"/>
+                  </a:lnSpc>
+                  <a:spcBef>
+                    <a:spcPts val="0"/>
+                  </a:spcBef>
+                  <a:spcAft>
+                    <a:spcPts val="0"/>
+                  </a:spcAft>
+                  <a:buClrTx/>
+                  <a:buSzTx/>
+                  <a:buFontTx/>
+                  <a:buNone/>
+                  <a:tabLst/>
+                  <a:defRPr/>
+                </a:pPr>
+                <a:r>
+                  <a:rPr kumimoji="0" lang="en-ZA" sz="1400" b="1" i="0" u="none" strike="noStrike" kern="1200" cap="none" spc="0" normalizeH="0" baseline="0" noProof="0" dirty="0">
+                    <a:ln>
+                      <a:noFill/>
+                    </a:ln>
+                    <a:solidFill>
+                      <a:srgbClr val="FFFF00"/>
+                    </a:solidFill>
+                    <a:effectLst/>
+                    <a:uLnTx/>
+                    <a:uFillTx/>
+                    <a:latin typeface="Calibri"/>
+                    <a:ea typeface="+mn-ea"/>
+                    <a:cs typeface="+mn-cs"/>
+                  </a:rPr>
+                  <a:t>Dh</a:t>
+                </a:r>
+              </a:p>
+            </p:txBody>
+          </p:sp>
+          <p:sp>
+            <p:nvSpPr>
+              <p:cNvPr id="44" name="TextBox 43"/>
+              <p:cNvSpPr txBox="1"/>
+              <p:nvPr/>
+            </p:nvSpPr>
+            <p:spPr>
+              <a:xfrm>
+                <a:off x="2138580" y="6165541"/>
+                <a:ext cx="475253" cy="307777"/>
+              </a:xfrm>
+              <a:prstGeom prst="rect">
+                <a:avLst/>
+              </a:prstGeom>
+              <a:noFill/>
+            </p:spPr>
+            <p:txBody>
+              <a:bodyPr wrap="square" rtlCol="0">
+                <a:spAutoFit/>
+              </a:bodyPr>
+              <a:lstStyle/>
+              <a:p>
+                <a:pPr marL="0" marR="0" lvl="0" indent="0" algn="l" defTabSz="914400" rtl="0" eaLnBrk="1" fontAlgn="auto" latinLnBrk="0" hangingPunct="1">
+                  <a:lnSpc>
+                    <a:spcPct val="100000"/>
+                  </a:lnSpc>
+                  <a:spcBef>
+                    <a:spcPts val="0"/>
+                  </a:spcBef>
+                  <a:spcAft>
+                    <a:spcPts val="0"/>
+                  </a:spcAft>
+                  <a:buClrTx/>
+                  <a:buSzTx/>
+                  <a:buFontTx/>
+                  <a:buNone/>
+                  <a:tabLst/>
+                  <a:defRPr/>
+                </a:pPr>
+                <a:r>
+                  <a:rPr kumimoji="0" lang="en-ZA" sz="1400" b="1" i="0" u="none" strike="noStrike" kern="1200" cap="none" spc="0" normalizeH="0" baseline="0" noProof="0" dirty="0">
+                    <a:ln>
+                      <a:noFill/>
+                    </a:ln>
+                    <a:solidFill>
+                      <a:srgbClr val="FFFF00"/>
+                    </a:solidFill>
+                    <a:effectLst/>
+                    <a:uLnTx/>
+                    <a:uFillTx/>
+                    <a:latin typeface="Calibri"/>
+                    <a:ea typeface="+mn-ea"/>
+                    <a:cs typeface="+mn-cs"/>
+                  </a:rPr>
+                  <a:t>Db</a:t>
+                </a:r>
+              </a:p>
+            </p:txBody>
+          </p:sp>
+          <p:sp>
+            <p:nvSpPr>
+              <p:cNvPr id="46" name="TextBox 45"/>
+              <p:cNvSpPr txBox="1"/>
+              <p:nvPr/>
+            </p:nvSpPr>
+            <p:spPr>
+              <a:xfrm>
+                <a:off x="861150" y="6146255"/>
+                <a:ext cx="475253" cy="307777"/>
+              </a:xfrm>
+              <a:prstGeom prst="rect">
+                <a:avLst/>
+              </a:prstGeom>
+              <a:noFill/>
+            </p:spPr>
+            <p:txBody>
+              <a:bodyPr wrap="square" rtlCol="0">
+                <a:spAutoFit/>
+              </a:bodyPr>
+              <a:lstStyle/>
+              <a:p>
+                <a:pPr marL="0" marR="0" lvl="0" indent="0" algn="l" defTabSz="914400" rtl="0" eaLnBrk="1" fontAlgn="auto" latinLnBrk="0" hangingPunct="1">
+                  <a:lnSpc>
+                    <a:spcPct val="100000"/>
+                  </a:lnSpc>
+                  <a:spcBef>
+                    <a:spcPts val="0"/>
+                  </a:spcBef>
+                  <a:spcAft>
+                    <a:spcPts val="0"/>
+                  </a:spcAft>
+                  <a:buClrTx/>
+                  <a:buSzTx/>
+                  <a:buFontTx/>
+                  <a:buNone/>
+                  <a:tabLst/>
+                  <a:defRPr/>
+                </a:pPr>
+                <a:r>
+                  <a:rPr kumimoji="0" lang="en-ZA" sz="1400" b="1" i="0" u="none" strike="noStrike" kern="1200" cap="none" spc="0" normalizeH="0" baseline="0" noProof="0" dirty="0">
+                    <a:ln>
+                      <a:noFill/>
+                    </a:ln>
+                    <a:solidFill>
+                      <a:srgbClr val="FFFF00"/>
+                    </a:solidFill>
+                    <a:effectLst/>
+                    <a:uLnTx/>
+                    <a:uFillTx/>
+                    <a:latin typeface="Calibri"/>
+                    <a:ea typeface="+mn-ea"/>
+                    <a:cs typeface="+mn-cs"/>
+                  </a:rPr>
+                  <a:t>Dg</a:t>
+                </a:r>
+              </a:p>
+            </p:txBody>
+          </p:sp>
+          <p:sp>
+            <p:nvSpPr>
+              <p:cNvPr id="47" name="TextBox 46"/>
+              <p:cNvSpPr txBox="1"/>
+              <p:nvPr/>
+            </p:nvSpPr>
+            <p:spPr>
+              <a:xfrm>
+                <a:off x="3619560" y="5911179"/>
+                <a:ext cx="575056" cy="307777"/>
+              </a:xfrm>
+              <a:prstGeom prst="rect">
+                <a:avLst/>
+              </a:prstGeom>
+              <a:noFill/>
+            </p:spPr>
+            <p:txBody>
+              <a:bodyPr wrap="square" rtlCol="0">
+                <a:spAutoFit/>
+              </a:bodyPr>
+              <a:lstStyle/>
+              <a:p>
+                <a:pPr marL="0" marR="0" lvl="0" indent="0" algn="l" defTabSz="914400" rtl="0" eaLnBrk="1" fontAlgn="auto" latinLnBrk="0" hangingPunct="1">
+                  <a:lnSpc>
+                    <a:spcPct val="100000"/>
+                  </a:lnSpc>
+                  <a:spcBef>
+                    <a:spcPts val="0"/>
+                  </a:spcBef>
+                  <a:spcAft>
+                    <a:spcPts val="0"/>
+                  </a:spcAft>
+                  <a:buClrTx/>
+                  <a:buSzTx/>
+                  <a:buFontTx/>
+                  <a:buNone/>
+                  <a:tabLst/>
+                  <a:defRPr/>
+                </a:pPr>
+                <a:r>
+                  <a:rPr kumimoji="0" lang="en-ZA" sz="1400" b="1" i="0" u="none" strike="noStrike" kern="1200" cap="none" spc="0" normalizeH="0" baseline="0" noProof="0" dirty="0">
+                    <a:ln>
+                      <a:noFill/>
+                    </a:ln>
+                    <a:solidFill>
+                      <a:srgbClr val="FFFF00"/>
+                    </a:solidFill>
+                    <a:effectLst/>
+                    <a:uLnTx/>
+                    <a:uFillTx/>
+                    <a:latin typeface="Calibri"/>
+                    <a:ea typeface="+mn-ea"/>
+                    <a:cs typeface="+mn-cs"/>
+                  </a:rPr>
+                  <a:t>Dga</a:t>
+                </a:r>
+              </a:p>
+            </p:txBody>
+          </p:sp>
+          <p:sp>
+            <p:nvSpPr>
+              <p:cNvPr id="48" name="TextBox 47"/>
+              <p:cNvSpPr txBox="1"/>
+              <p:nvPr/>
+            </p:nvSpPr>
+            <p:spPr>
+              <a:xfrm>
+                <a:off x="2920804" y="5801067"/>
+                <a:ext cx="475253" cy="307777"/>
+              </a:xfrm>
+              <a:prstGeom prst="rect">
+                <a:avLst/>
+              </a:prstGeom>
+              <a:noFill/>
+            </p:spPr>
+            <p:txBody>
+              <a:bodyPr wrap="square" rtlCol="0">
+                <a:spAutoFit/>
+              </a:bodyPr>
+              <a:lstStyle/>
+              <a:p>
+                <a:pPr marL="0" marR="0" lvl="0" indent="0" algn="l" defTabSz="914400" rtl="0" eaLnBrk="1" fontAlgn="auto" latinLnBrk="0" hangingPunct="1">
+                  <a:lnSpc>
+                    <a:spcPct val="100000"/>
+                  </a:lnSpc>
+                  <a:spcBef>
+                    <a:spcPts val="0"/>
+                  </a:spcBef>
+                  <a:spcAft>
+                    <a:spcPts val="0"/>
+                  </a:spcAft>
+                  <a:buClrTx/>
+                  <a:buSzTx/>
+                  <a:buFontTx/>
+                  <a:buNone/>
+                  <a:tabLst/>
+                  <a:defRPr/>
+                </a:pPr>
+                <a:r>
+                  <a:rPr kumimoji="0" lang="en-ZA" sz="1400" b="1" i="0" u="none" strike="noStrike" kern="1200" cap="none" spc="0" normalizeH="0" baseline="0" noProof="0" dirty="0">
+                    <a:ln>
+                      <a:noFill/>
+                    </a:ln>
+                    <a:solidFill>
+                      <a:srgbClr val="FFFF00"/>
+                    </a:solidFill>
+                    <a:effectLst/>
+                    <a:uLnTx/>
+                    <a:uFillTx/>
+                    <a:latin typeface="Calibri"/>
+                    <a:ea typeface="+mn-ea"/>
+                    <a:cs typeface="+mn-cs"/>
+                  </a:rPr>
+                  <a:t>Dv</a:t>
+                </a:r>
+              </a:p>
+            </p:txBody>
+          </p:sp>
+          <p:sp>
+            <p:nvSpPr>
+              <p:cNvPr id="49" name="TextBox 48"/>
+              <p:cNvSpPr txBox="1"/>
+              <p:nvPr/>
+            </p:nvSpPr>
+            <p:spPr>
+              <a:xfrm>
+                <a:off x="2665325" y="144520"/>
+                <a:ext cx="475253" cy="307777"/>
+              </a:xfrm>
+              <a:prstGeom prst="rect">
+                <a:avLst/>
+              </a:prstGeom>
+              <a:noFill/>
+            </p:spPr>
+            <p:txBody>
+              <a:bodyPr wrap="square" rtlCol="0">
+                <a:spAutoFit/>
+              </a:bodyPr>
+              <a:lstStyle/>
+              <a:p>
+                <a:pPr marL="0" marR="0" lvl="0" indent="0" algn="l" defTabSz="914400" rtl="0" eaLnBrk="1" fontAlgn="auto" latinLnBrk="0" hangingPunct="1">
+                  <a:lnSpc>
+                    <a:spcPct val="100000"/>
+                  </a:lnSpc>
+                  <a:spcBef>
+                    <a:spcPts val="0"/>
+                  </a:spcBef>
+                  <a:spcAft>
+                    <a:spcPts val="0"/>
+                  </a:spcAft>
+                  <a:buClrTx/>
+                  <a:buSzTx/>
+                  <a:buFontTx/>
+                  <a:buNone/>
+                  <a:tabLst/>
+                  <a:defRPr/>
+                </a:pPr>
+                <a:r>
+                  <a:rPr kumimoji="0" lang="en-ZA" sz="1400" b="1" i="0" u="none" strike="noStrike" kern="1200" cap="none" spc="0" normalizeH="0" baseline="0" noProof="0" dirty="0">
+                    <a:ln>
+                      <a:noFill/>
+                    </a:ln>
+                    <a:solidFill>
+                      <a:srgbClr val="FFFF00"/>
+                    </a:solidFill>
+                    <a:effectLst/>
+                    <a:uLnTx/>
+                    <a:uFillTx/>
+                    <a:latin typeface="Calibri"/>
+                    <a:ea typeface="+mn-ea"/>
+                    <a:cs typeface="+mn-cs"/>
+                  </a:rPr>
+                  <a:t>Pc</a:t>
+                </a:r>
+              </a:p>
+            </p:txBody>
+          </p:sp>
+          <p:sp>
+            <p:nvSpPr>
+              <p:cNvPr id="50" name="TextBox 49"/>
+              <p:cNvSpPr txBox="1"/>
+              <p:nvPr/>
+            </p:nvSpPr>
+            <p:spPr>
+              <a:xfrm rot="21180000">
+                <a:off x="553524" y="4118675"/>
+                <a:ext cx="632562" cy="307777"/>
+              </a:xfrm>
+              <a:prstGeom prst="rect">
+                <a:avLst/>
+              </a:prstGeom>
+              <a:noFill/>
+            </p:spPr>
+            <p:txBody>
+              <a:bodyPr wrap="square" rtlCol="0">
+                <a:spAutoFit/>
+              </a:bodyPr>
+              <a:lstStyle/>
+              <a:p>
+                <a:pPr marL="0" marR="0" lvl="0" indent="0" algn="l" defTabSz="914400" rtl="0" eaLnBrk="1" fontAlgn="auto" latinLnBrk="0" hangingPunct="1">
+                  <a:lnSpc>
+                    <a:spcPct val="100000"/>
+                  </a:lnSpc>
+                  <a:spcBef>
+                    <a:spcPts val="0"/>
+                  </a:spcBef>
+                  <a:spcAft>
+                    <a:spcPts val="0"/>
+                  </a:spcAft>
+                  <a:buClrTx/>
+                  <a:buSzTx/>
+                  <a:buFontTx/>
+                  <a:buNone/>
+                  <a:tabLst/>
+                  <a:defRPr/>
+                </a:pPr>
+                <a:r>
+                  <a:rPr kumimoji="0" lang="en-ZA" sz="1400" b="1" i="0" u="none" strike="noStrike" kern="1200" cap="none" spc="0" normalizeH="0" baseline="0" noProof="0" dirty="0">
+                    <a:ln>
+                      <a:noFill/>
+                    </a:ln>
+                    <a:solidFill>
+                      <a:srgbClr val="FFFF00"/>
+                    </a:solidFill>
+                    <a:effectLst/>
+                    <a:uLnTx/>
+                    <a:uFillTx/>
+                    <a:latin typeface="Calibri"/>
+                    <a:ea typeface="+mn-ea"/>
+                    <a:cs typeface="+mn-cs"/>
+                  </a:rPr>
+                  <a:t>Dwa</a:t>
+                </a:r>
+              </a:p>
+            </p:txBody>
+          </p:sp>
+          <p:sp>
+            <p:nvSpPr>
+              <p:cNvPr id="51" name="TextBox 50"/>
+              <p:cNvSpPr txBox="1"/>
+              <p:nvPr/>
+            </p:nvSpPr>
+            <p:spPr>
+              <a:xfrm rot="180000">
+                <a:off x="3592691" y="5406430"/>
+                <a:ext cx="475253" cy="307777"/>
+              </a:xfrm>
+              <a:prstGeom prst="rect">
+                <a:avLst/>
+              </a:prstGeom>
+              <a:noFill/>
+            </p:spPr>
+            <p:txBody>
+              <a:bodyPr wrap="square" rtlCol="0">
+                <a:spAutoFit/>
+              </a:bodyPr>
+              <a:lstStyle/>
+              <a:p>
+                <a:pPr marL="0" marR="0" lvl="0" indent="0" algn="l" defTabSz="914400" rtl="0" eaLnBrk="1" fontAlgn="auto" latinLnBrk="0" hangingPunct="1">
+                  <a:lnSpc>
+                    <a:spcPct val="100000"/>
+                  </a:lnSpc>
+                  <a:spcBef>
+                    <a:spcPts val="0"/>
+                  </a:spcBef>
+                  <a:spcAft>
+                    <a:spcPts val="0"/>
+                  </a:spcAft>
+                  <a:buClrTx/>
+                  <a:buSzTx/>
+                  <a:buFontTx/>
+                  <a:buNone/>
+                  <a:tabLst/>
+                  <a:defRPr/>
+                </a:pPr>
+                <a:r>
+                  <a:rPr kumimoji="0" lang="en-ZA" sz="1400" b="1" i="0" u="none" strike="noStrike" kern="1200" cap="none" spc="0" normalizeH="0" baseline="0" noProof="0" dirty="0">
+                    <a:ln>
+                      <a:noFill/>
+                    </a:ln>
+                    <a:solidFill>
+                      <a:srgbClr val="FFFF00"/>
+                    </a:solidFill>
+                    <a:effectLst/>
+                    <a:uLnTx/>
+                    <a:uFillTx/>
+                    <a:latin typeface="Calibri"/>
+                    <a:ea typeface="+mn-ea"/>
+                    <a:cs typeface="+mn-cs"/>
+                  </a:rPr>
+                  <a:t>Dw</a:t>
+                </a:r>
+              </a:p>
+            </p:txBody>
+          </p:sp>
+          <p:sp>
+            <p:nvSpPr>
+              <p:cNvPr id="52" name="TextBox 51"/>
+              <p:cNvSpPr txBox="1"/>
+              <p:nvPr/>
+            </p:nvSpPr>
+            <p:spPr>
+              <a:xfrm>
+                <a:off x="3520683" y="5642199"/>
+                <a:ext cx="475253" cy="307777"/>
+              </a:xfrm>
+              <a:prstGeom prst="rect">
+                <a:avLst/>
+              </a:prstGeom>
+              <a:noFill/>
+            </p:spPr>
+            <p:txBody>
+              <a:bodyPr wrap="square" rtlCol="0">
+                <a:spAutoFit/>
+              </a:bodyPr>
+              <a:lstStyle/>
+              <a:p>
+                <a:pPr marL="0" marR="0" lvl="0" indent="0" algn="l" defTabSz="914400" rtl="0" eaLnBrk="1" fontAlgn="auto" latinLnBrk="0" hangingPunct="1">
+                  <a:lnSpc>
+                    <a:spcPct val="100000"/>
+                  </a:lnSpc>
+                  <a:spcBef>
+                    <a:spcPts val="0"/>
+                  </a:spcBef>
+                  <a:spcAft>
+                    <a:spcPts val="0"/>
+                  </a:spcAft>
+                  <a:buClrTx/>
+                  <a:buSzTx/>
+                  <a:buFontTx/>
+                  <a:buNone/>
+                  <a:tabLst/>
+                  <a:defRPr/>
+                </a:pPr>
+                <a:r>
+                  <a:rPr kumimoji="0" lang="en-ZA" sz="1400" b="1" i="0" u="none" strike="noStrike" kern="1200" cap="none" spc="0" normalizeH="0" baseline="0" noProof="0" dirty="0">
+                    <a:ln>
+                      <a:noFill/>
+                    </a:ln>
+                    <a:solidFill>
+                      <a:srgbClr val="FFFF00"/>
+                    </a:solidFill>
+                    <a:effectLst/>
+                    <a:uLnTx/>
+                    <a:uFillTx/>
+                    <a:latin typeface="Calibri"/>
+                    <a:ea typeface="+mn-ea"/>
+                    <a:cs typeface="+mn-cs"/>
+                  </a:rPr>
+                  <a:t>Dt</a:t>
+                </a:r>
+              </a:p>
+            </p:txBody>
+          </p:sp>
+          <p:sp>
+            <p:nvSpPr>
+              <p:cNvPr id="53" name="TextBox 52"/>
+              <p:cNvSpPr txBox="1"/>
+              <p:nvPr/>
+            </p:nvSpPr>
+            <p:spPr>
+              <a:xfrm rot="21240000">
+                <a:off x="2171973" y="5560171"/>
+                <a:ext cx="522778" cy="523220"/>
+              </a:xfrm>
+              <a:prstGeom prst="rect">
+                <a:avLst/>
+              </a:prstGeom>
+              <a:noFill/>
+            </p:spPr>
+            <p:txBody>
+              <a:bodyPr wrap="square" rtlCol="0">
+                <a:spAutoFit/>
+              </a:bodyPr>
+              <a:lstStyle/>
+              <a:p>
+                <a:pPr marL="0" marR="0" lvl="0" indent="0" algn="l" defTabSz="914400" rtl="0" eaLnBrk="1" fontAlgn="auto" latinLnBrk="0" hangingPunct="1">
+                  <a:lnSpc>
+                    <a:spcPct val="100000"/>
+                  </a:lnSpc>
+                  <a:spcBef>
+                    <a:spcPts val="0"/>
+                  </a:spcBef>
+                  <a:spcAft>
+                    <a:spcPts val="0"/>
+                  </a:spcAft>
+                  <a:buClrTx/>
+                  <a:buSzTx/>
+                  <a:buFontTx/>
+                  <a:buNone/>
+                  <a:tabLst/>
+                  <a:defRPr/>
+                </a:pPr>
+                <a:r>
+                  <a:rPr kumimoji="0" lang="en-ZA" sz="1400" b="1" i="0" u="none" strike="noStrike" kern="1200" cap="none" spc="0" normalizeH="0" baseline="0" noProof="0" dirty="0">
+                    <a:ln>
+                      <a:noFill/>
+                    </a:ln>
+                    <a:solidFill>
+                      <a:srgbClr val="FFFF00"/>
+                    </a:solidFill>
+                    <a:effectLst/>
+                    <a:uLnTx/>
+                    <a:uFillTx/>
+                    <a:latin typeface="Calibri"/>
+                    <a:ea typeface="+mn-ea"/>
+                    <a:cs typeface="+mn-cs"/>
+                  </a:rPr>
+                  <a:t>Dbo</a:t>
+                </a:r>
+              </a:p>
+            </p:txBody>
+          </p:sp>
+          <p:sp>
+            <p:nvSpPr>
+              <p:cNvPr id="54" name="TextBox 53"/>
+              <p:cNvSpPr txBox="1"/>
+              <p:nvPr/>
+            </p:nvSpPr>
+            <p:spPr>
+              <a:xfrm rot="21360000">
+                <a:off x="2183854" y="5705818"/>
+                <a:ext cx="475253" cy="307777"/>
+              </a:xfrm>
+              <a:prstGeom prst="rect">
+                <a:avLst/>
+              </a:prstGeom>
+              <a:noFill/>
+            </p:spPr>
+            <p:txBody>
+              <a:bodyPr wrap="square" rtlCol="0">
+                <a:spAutoFit/>
+              </a:bodyPr>
+              <a:lstStyle/>
+              <a:p>
+                <a:pPr marL="0" marR="0" lvl="0" indent="0" algn="l" defTabSz="914400" rtl="0" eaLnBrk="1" fontAlgn="auto" latinLnBrk="0" hangingPunct="1">
+                  <a:lnSpc>
+                    <a:spcPct val="100000"/>
+                  </a:lnSpc>
+                  <a:spcBef>
+                    <a:spcPts val="0"/>
+                  </a:spcBef>
+                  <a:spcAft>
+                    <a:spcPts val="0"/>
+                  </a:spcAft>
+                  <a:buClrTx/>
+                  <a:buSzTx/>
+                  <a:buFontTx/>
+                  <a:buNone/>
+                  <a:tabLst/>
+                  <a:defRPr/>
+                </a:pPr>
+                <a:r>
+                  <a:rPr kumimoji="0" lang="en-ZA" sz="1400" b="1" i="0" u="none" strike="noStrike" kern="1200" cap="none" spc="0" normalizeH="0" baseline="0" noProof="0" dirty="0">
+                    <a:ln>
+                      <a:noFill/>
+                    </a:ln>
+                    <a:solidFill>
+                      <a:srgbClr val="FFFF00"/>
+                    </a:solidFill>
+                    <a:effectLst/>
+                    <a:uLnTx/>
+                    <a:uFillTx/>
+                    <a:latin typeface="Calibri"/>
+                    <a:ea typeface="+mn-ea"/>
+                    <a:cs typeface="+mn-cs"/>
+                  </a:rPr>
+                  <a:t>Dt</a:t>
+                </a:r>
+              </a:p>
+            </p:txBody>
+          </p:sp>
+          <p:sp>
+            <p:nvSpPr>
+              <p:cNvPr id="55" name="TextBox 54"/>
+              <p:cNvSpPr txBox="1"/>
+              <p:nvPr/>
+            </p:nvSpPr>
+            <p:spPr>
+              <a:xfrm rot="21360000">
+                <a:off x="2194010" y="5833051"/>
+                <a:ext cx="475253" cy="307777"/>
+              </a:xfrm>
+              <a:prstGeom prst="rect">
+                <a:avLst/>
+              </a:prstGeom>
+              <a:noFill/>
+            </p:spPr>
+            <p:txBody>
+              <a:bodyPr wrap="square" rtlCol="0">
+                <a:spAutoFit/>
+              </a:bodyPr>
+              <a:lstStyle/>
+              <a:p>
+                <a:pPr marL="0" marR="0" lvl="0" indent="0" algn="l" defTabSz="914400" rtl="0" eaLnBrk="1" fontAlgn="auto" latinLnBrk="0" hangingPunct="1">
+                  <a:lnSpc>
+                    <a:spcPct val="100000"/>
+                  </a:lnSpc>
+                  <a:spcBef>
+                    <a:spcPts val="0"/>
+                  </a:spcBef>
+                  <a:spcAft>
+                    <a:spcPts val="0"/>
+                  </a:spcAft>
+                  <a:buClrTx/>
+                  <a:buSzTx/>
+                  <a:buFontTx/>
+                  <a:buNone/>
+                  <a:tabLst/>
+                  <a:defRPr/>
+                </a:pPr>
+                <a:r>
+                  <a:rPr kumimoji="0" lang="en-ZA" sz="1400" b="1" i="0" u="none" strike="noStrike" kern="1200" cap="none" spc="0" normalizeH="0" baseline="0" noProof="0" dirty="0">
+                    <a:ln>
+                      <a:noFill/>
+                    </a:ln>
+                    <a:solidFill>
+                      <a:srgbClr val="FFFF00"/>
+                    </a:solidFill>
+                    <a:effectLst/>
+                    <a:uLnTx/>
+                    <a:uFillTx/>
+                    <a:latin typeface="Calibri"/>
+                    <a:ea typeface="+mn-ea"/>
+                    <a:cs typeface="+mn-cs"/>
+                  </a:rPr>
+                  <a:t>Dh</a:t>
+                </a:r>
+              </a:p>
+            </p:txBody>
+          </p:sp>
+          <p:sp>
+            <p:nvSpPr>
+              <p:cNvPr id="56" name="TextBox 55"/>
+              <p:cNvSpPr txBox="1"/>
+              <p:nvPr/>
+            </p:nvSpPr>
+            <p:spPr>
+              <a:xfrm rot="21360000">
+                <a:off x="1276244" y="6060962"/>
+                <a:ext cx="575056" cy="307777"/>
+              </a:xfrm>
+              <a:prstGeom prst="rect">
+                <a:avLst/>
+              </a:prstGeom>
+              <a:noFill/>
+            </p:spPr>
+            <p:txBody>
+              <a:bodyPr wrap="square" rtlCol="0">
+                <a:spAutoFit/>
+              </a:bodyPr>
+              <a:lstStyle/>
+              <a:p>
+                <a:pPr marL="0" marR="0" lvl="0" indent="0" algn="l" defTabSz="914400" rtl="0" eaLnBrk="1" fontAlgn="auto" latinLnBrk="0" hangingPunct="1">
+                  <a:lnSpc>
+                    <a:spcPct val="100000"/>
+                  </a:lnSpc>
+                  <a:spcBef>
+                    <a:spcPts val="0"/>
+                  </a:spcBef>
+                  <a:spcAft>
+                    <a:spcPts val="0"/>
+                  </a:spcAft>
+                  <a:buClrTx/>
+                  <a:buSzTx/>
+                  <a:buFontTx/>
+                  <a:buNone/>
+                  <a:tabLst/>
+                  <a:defRPr/>
+                </a:pPr>
+                <a:r>
+                  <a:rPr kumimoji="0" lang="en-ZA" sz="1400" b="1" i="0" u="none" strike="noStrike" kern="1200" cap="none" spc="0" normalizeH="0" baseline="0" noProof="0" dirty="0">
+                    <a:ln>
+                      <a:noFill/>
+                    </a:ln>
+                    <a:solidFill>
+                      <a:srgbClr val="FFFF00"/>
+                    </a:solidFill>
+                    <a:effectLst/>
+                    <a:uLnTx/>
+                    <a:uFillTx/>
+                    <a:latin typeface="Calibri"/>
+                    <a:ea typeface="+mn-ea"/>
+                    <a:cs typeface="+mn-cs"/>
+                  </a:rPr>
+                  <a:t>Dga</a:t>
+                </a:r>
+              </a:p>
+            </p:txBody>
+          </p:sp>
+          <p:sp>
+            <p:nvSpPr>
+              <p:cNvPr id="57" name="TextBox 56"/>
+              <p:cNvSpPr txBox="1"/>
+              <p:nvPr/>
+            </p:nvSpPr>
+            <p:spPr>
+              <a:xfrm rot="21300000">
+                <a:off x="1619672" y="5970245"/>
+                <a:ext cx="475253" cy="307777"/>
+              </a:xfrm>
+              <a:prstGeom prst="rect">
+                <a:avLst/>
+              </a:prstGeom>
+              <a:noFill/>
+            </p:spPr>
+            <p:txBody>
+              <a:bodyPr wrap="square" rtlCol="0">
+                <a:spAutoFit/>
+              </a:bodyPr>
+              <a:lstStyle/>
+              <a:p>
+                <a:pPr marL="0" marR="0" lvl="0" indent="0" algn="l" defTabSz="914400" rtl="0" eaLnBrk="1" fontAlgn="auto" latinLnBrk="0" hangingPunct="1">
+                  <a:lnSpc>
+                    <a:spcPct val="100000"/>
+                  </a:lnSpc>
+                  <a:spcBef>
+                    <a:spcPts val="0"/>
+                  </a:spcBef>
+                  <a:spcAft>
+                    <a:spcPts val="0"/>
+                  </a:spcAft>
+                  <a:buClrTx/>
+                  <a:buSzTx/>
+                  <a:buFontTx/>
+                  <a:buNone/>
+                  <a:tabLst/>
+                  <a:defRPr/>
+                </a:pPr>
+                <a:r>
+                  <a:rPr kumimoji="0" lang="en-ZA" sz="1400" b="1" i="0" u="none" strike="noStrike" kern="1200" cap="none" spc="0" normalizeH="0" baseline="0" noProof="0" dirty="0">
+                    <a:ln>
+                      <a:noFill/>
+                    </a:ln>
+                    <a:solidFill>
+                      <a:srgbClr val="FFFF00"/>
+                    </a:solidFill>
+                    <a:effectLst/>
+                    <a:uLnTx/>
+                    <a:uFillTx/>
+                    <a:latin typeface="Calibri"/>
+                    <a:ea typeface="+mn-ea"/>
+                    <a:cs typeface="+mn-cs"/>
+                  </a:rPr>
+                  <a:t>Dv</a:t>
+                </a:r>
+              </a:p>
+            </p:txBody>
+          </p:sp>
+          <p:sp>
+            <p:nvSpPr>
+              <p:cNvPr id="59" name="TextBox 58"/>
+              <p:cNvSpPr txBox="1"/>
+              <p:nvPr/>
+            </p:nvSpPr>
+            <p:spPr>
+              <a:xfrm rot="21240000">
+                <a:off x="619289" y="5383171"/>
+                <a:ext cx="475253" cy="307777"/>
+              </a:xfrm>
+              <a:prstGeom prst="rect">
+                <a:avLst/>
+              </a:prstGeom>
+              <a:noFill/>
+            </p:spPr>
+            <p:txBody>
+              <a:bodyPr wrap="square" rtlCol="0">
+                <a:spAutoFit/>
+              </a:bodyPr>
+              <a:lstStyle/>
+              <a:p>
+                <a:pPr marL="0" marR="0" lvl="0" indent="0" algn="l" defTabSz="914400" rtl="0" eaLnBrk="1" fontAlgn="auto" latinLnBrk="0" hangingPunct="1">
+                  <a:lnSpc>
+                    <a:spcPct val="100000"/>
+                  </a:lnSpc>
+                  <a:spcBef>
+                    <a:spcPts val="0"/>
+                  </a:spcBef>
+                  <a:spcAft>
+                    <a:spcPts val="0"/>
+                  </a:spcAft>
+                  <a:buClrTx/>
+                  <a:buSzTx/>
+                  <a:buFontTx/>
+                  <a:buNone/>
+                  <a:tabLst/>
+                  <a:defRPr/>
+                </a:pPr>
+                <a:r>
+                  <a:rPr kumimoji="0" lang="en-ZA" sz="1400" b="1" i="0" u="none" strike="noStrike" kern="1200" cap="none" spc="0" normalizeH="0" baseline="0" noProof="0" dirty="0" err="1">
+                    <a:ln>
+                      <a:noFill/>
+                    </a:ln>
+                    <a:solidFill>
+                      <a:srgbClr val="FFFF00"/>
+                    </a:solidFill>
+                    <a:effectLst/>
+                    <a:uLnTx/>
+                    <a:uFillTx/>
+                    <a:latin typeface="Calibri"/>
+                    <a:ea typeface="+mn-ea"/>
+                    <a:cs typeface="+mn-cs"/>
+                  </a:rPr>
+                  <a:t>Dkl</a:t>
+                </a:r>
+                <a:endParaRPr kumimoji="0" lang="en-ZA" sz="1400" b="1" i="0" u="none" strike="noStrike" kern="1200" cap="none" spc="0" normalizeH="0" baseline="0" noProof="0" dirty="0">
                   <a:ln>
                     <a:noFill/>
                   </a:ln>
@@ -6247,1946 +7935,355 @@
                   <a:latin typeface="Calibri"/>
                   <a:ea typeface="+mn-ea"/>
                   <a:cs typeface="+mn-cs"/>
-                </a:rPr>
-                <a:t>Cw</a:t>
-              </a:r>
-            </a:p>
-          </p:txBody>
-        </p:sp>
-        <p:sp>
-          <p:nvSpPr>
-            <p:cNvPr id="17" name="TextBox 16"/>
-            <p:cNvSpPr txBox="1"/>
-            <p:nvPr/>
-          </p:nvSpPr>
-          <p:spPr>
-            <a:xfrm>
-              <a:off x="2793956" y="2579196"/>
-              <a:ext cx="841940" cy="307777"/>
-            </a:xfrm>
-            <a:prstGeom prst="rect">
-              <a:avLst/>
-            </a:prstGeom>
-            <a:noFill/>
-          </p:spPr>
-          <p:txBody>
-            <a:bodyPr wrap="square" rtlCol="0">
-              <a:spAutoFit/>
-            </a:bodyPr>
-            <a:lstStyle/>
-            <a:p>
-              <a:pPr marL="0" marR="0" lvl="0" indent="0" algn="l" defTabSz="914400" rtl="0" eaLnBrk="1" fontAlgn="auto" latinLnBrk="0" hangingPunct="1">
-                <a:lnSpc>
-                  <a:spcPct val="100000"/>
-                </a:lnSpc>
-                <a:spcBef>
-                  <a:spcPts val="0"/>
-                </a:spcBef>
-                <a:spcAft>
-                  <a:spcPts val="0"/>
-                </a:spcAft>
-                <a:buClrTx/>
-                <a:buSzTx/>
-                <a:buFontTx/>
-                <a:buNone/>
-                <a:tabLst/>
-                <a:defRPr/>
-              </a:pPr>
-              <a:r>
-                <a:rPr kumimoji="0" lang="en-ZA" sz="1400" b="1" i="0" u="none" strike="noStrike" kern="1200" cap="none" spc="0" normalizeH="0" baseline="0" noProof="0" dirty="0">
-                  <a:ln>
-                    <a:noFill/>
-                  </a:ln>
-                  <a:solidFill>
-                    <a:srgbClr val="FFFF00"/>
-                  </a:solidFill>
-                  <a:effectLst/>
-                  <a:uLnTx/>
-                  <a:uFillTx/>
-                  <a:latin typeface="Calibri"/>
-                  <a:ea typeface="+mn-ea"/>
-                  <a:cs typeface="+mn-cs"/>
-                </a:rPr>
-                <a:t>C-Pd</a:t>
-              </a:r>
-            </a:p>
-          </p:txBody>
-        </p:sp>
-        <p:sp>
-          <p:nvSpPr>
-            <p:cNvPr id="18" name="TextBox 17"/>
-            <p:cNvSpPr txBox="1"/>
-            <p:nvPr/>
-          </p:nvSpPr>
-          <p:spPr>
-            <a:xfrm>
-              <a:off x="2738459" y="3280224"/>
-              <a:ext cx="475253" cy="307777"/>
-            </a:xfrm>
-            <a:prstGeom prst="rect">
-              <a:avLst/>
-            </a:prstGeom>
-            <a:noFill/>
-          </p:spPr>
-          <p:txBody>
-            <a:bodyPr wrap="square" rtlCol="0">
-              <a:spAutoFit/>
-            </a:bodyPr>
-            <a:lstStyle/>
-            <a:p>
-              <a:pPr marL="0" marR="0" lvl="0" indent="0" algn="l" defTabSz="914400" rtl="0" eaLnBrk="1" fontAlgn="auto" latinLnBrk="0" hangingPunct="1">
-                <a:lnSpc>
-                  <a:spcPct val="100000"/>
-                </a:lnSpc>
-                <a:spcBef>
-                  <a:spcPts val="0"/>
-                </a:spcBef>
-                <a:spcAft>
-                  <a:spcPts val="0"/>
-                </a:spcAft>
-                <a:buClrTx/>
-                <a:buSzTx/>
-                <a:buFontTx/>
-                <a:buNone/>
-                <a:tabLst/>
-                <a:defRPr/>
-              </a:pPr>
-              <a:r>
-                <a:rPr kumimoji="0" lang="en-ZA" sz="1400" b="1" i="0" u="none" strike="noStrike" kern="1200" cap="none" spc="0" normalizeH="0" baseline="0" noProof="0" dirty="0">
-                  <a:ln>
-                    <a:noFill/>
-                  </a:ln>
-                  <a:solidFill>
-                    <a:srgbClr val="FFFF00"/>
-                  </a:solidFill>
-                  <a:effectLst/>
-                  <a:uLnTx/>
-                  <a:uFillTx/>
-                  <a:latin typeface="Calibri"/>
-                  <a:ea typeface="+mn-ea"/>
-                  <a:cs typeface="+mn-cs"/>
-                </a:rPr>
-                <a:t>Cf</a:t>
-              </a:r>
-            </a:p>
-          </p:txBody>
-        </p:sp>
-        <p:sp>
-          <p:nvSpPr>
-            <p:cNvPr id="19" name="TextBox 18"/>
-            <p:cNvSpPr txBox="1"/>
-            <p:nvPr/>
-          </p:nvSpPr>
-          <p:spPr>
-            <a:xfrm>
-              <a:off x="2674268" y="3472648"/>
-              <a:ext cx="575056" cy="307777"/>
-            </a:xfrm>
-            <a:prstGeom prst="rect">
-              <a:avLst/>
-            </a:prstGeom>
-            <a:noFill/>
-          </p:spPr>
-          <p:txBody>
-            <a:bodyPr wrap="square" rtlCol="0">
-              <a:spAutoFit/>
-            </a:bodyPr>
-            <a:lstStyle/>
-            <a:p>
-              <a:pPr marL="0" marR="0" lvl="0" indent="0" algn="l" defTabSz="914400" rtl="0" eaLnBrk="1" fontAlgn="auto" latinLnBrk="0" hangingPunct="1">
-                <a:lnSpc>
-                  <a:spcPct val="100000"/>
-                </a:lnSpc>
-                <a:spcBef>
-                  <a:spcPts val="0"/>
-                </a:spcBef>
-                <a:spcAft>
-                  <a:spcPts val="0"/>
-                </a:spcAft>
-                <a:buClrTx/>
-                <a:buSzTx/>
-                <a:buFontTx/>
-                <a:buNone/>
-                <a:tabLst/>
-                <a:defRPr/>
-              </a:pPr>
-              <a:r>
-                <a:rPr kumimoji="0" lang="en-ZA" sz="1400" b="1" i="0" u="none" strike="noStrike" kern="1200" cap="none" spc="0" normalizeH="0" baseline="0" noProof="0" dirty="0">
-                  <a:ln>
-                    <a:noFill/>
-                  </a:ln>
-                  <a:solidFill>
-                    <a:srgbClr val="FFFF00"/>
-                  </a:solidFill>
-                  <a:effectLst/>
-                  <a:uLnTx/>
-                  <a:uFillTx/>
-                  <a:latin typeface="Calibri"/>
-                  <a:ea typeface="+mn-ea"/>
-                  <a:cs typeface="+mn-cs"/>
-                </a:rPr>
-                <a:t>Dwi</a:t>
-              </a:r>
-            </a:p>
-          </p:txBody>
-        </p:sp>
-        <p:sp>
-          <p:nvSpPr>
-            <p:cNvPr id="33" name="TextBox 32"/>
-            <p:cNvSpPr txBox="1"/>
-            <p:nvPr/>
-          </p:nvSpPr>
-          <p:spPr>
-            <a:xfrm>
-              <a:off x="3549599" y="1480024"/>
-              <a:ext cx="475253" cy="307777"/>
-            </a:xfrm>
-            <a:prstGeom prst="rect">
-              <a:avLst/>
-            </a:prstGeom>
-            <a:noFill/>
-          </p:spPr>
-          <p:txBody>
-            <a:bodyPr wrap="square" rtlCol="0">
-              <a:spAutoFit/>
-            </a:bodyPr>
-            <a:lstStyle/>
-            <a:p>
-              <a:pPr marL="0" marR="0" lvl="0" indent="0" algn="l" defTabSz="914400" rtl="0" eaLnBrk="1" fontAlgn="auto" latinLnBrk="0" hangingPunct="1">
-                <a:lnSpc>
-                  <a:spcPct val="100000"/>
-                </a:lnSpc>
-                <a:spcBef>
-                  <a:spcPts val="0"/>
-                </a:spcBef>
-                <a:spcAft>
-                  <a:spcPts val="0"/>
-                </a:spcAft>
-                <a:buClrTx/>
-                <a:buSzTx/>
-                <a:buFontTx/>
-                <a:buNone/>
-                <a:tabLst/>
-                <a:defRPr/>
-              </a:pPr>
-              <a:r>
-                <a:rPr kumimoji="0" lang="en-ZA" sz="1400" b="1" i="0" u="none" strike="noStrike" kern="1200" cap="none" spc="0" normalizeH="0" baseline="0" noProof="0" dirty="0">
-                  <a:ln>
-                    <a:noFill/>
-                  </a:ln>
-                  <a:solidFill>
-                    <a:srgbClr val="FFFF00"/>
-                  </a:solidFill>
-                  <a:effectLst/>
-                  <a:uLnTx/>
-                  <a:uFillTx/>
-                  <a:latin typeface="Calibri"/>
-                  <a:ea typeface="+mn-ea"/>
-                  <a:cs typeface="+mn-cs"/>
-                </a:rPr>
-                <a:t>Pp</a:t>
-              </a:r>
-            </a:p>
-          </p:txBody>
-        </p:sp>
-        <p:sp>
-          <p:nvSpPr>
-            <p:cNvPr id="34" name="TextBox 33"/>
-            <p:cNvSpPr txBox="1"/>
-            <p:nvPr/>
-          </p:nvSpPr>
-          <p:spPr>
-            <a:xfrm>
-              <a:off x="3682947" y="130794"/>
-              <a:ext cx="475253" cy="307777"/>
-            </a:xfrm>
-            <a:prstGeom prst="rect">
-              <a:avLst/>
-            </a:prstGeom>
-            <a:noFill/>
-          </p:spPr>
-          <p:txBody>
-            <a:bodyPr wrap="square" rtlCol="0">
-              <a:spAutoFit/>
-            </a:bodyPr>
-            <a:lstStyle/>
-            <a:p>
-              <a:pPr marL="0" marR="0" lvl="0" indent="0" algn="l" defTabSz="914400" rtl="0" eaLnBrk="1" fontAlgn="auto" latinLnBrk="0" hangingPunct="1">
-                <a:lnSpc>
-                  <a:spcPct val="100000"/>
-                </a:lnSpc>
-                <a:spcBef>
-                  <a:spcPts val="0"/>
-                </a:spcBef>
-                <a:spcAft>
-                  <a:spcPts val="0"/>
-                </a:spcAft>
-                <a:buClrTx/>
-                <a:buSzTx/>
-                <a:buFontTx/>
-                <a:buNone/>
-                <a:tabLst/>
-                <a:defRPr/>
-              </a:pPr>
-              <a:r>
-                <a:rPr kumimoji="0" lang="en-ZA" sz="1400" b="1" i="0" u="none" strike="noStrike" kern="1200" cap="none" spc="0" normalizeH="0" baseline="0" noProof="0" dirty="0">
-                  <a:ln>
-                    <a:noFill/>
-                  </a:ln>
-                  <a:solidFill>
-                    <a:srgbClr val="FFFF00"/>
-                  </a:solidFill>
-                  <a:effectLst/>
-                  <a:uLnTx/>
-                  <a:uFillTx/>
-                  <a:latin typeface="Calibri"/>
-                  <a:ea typeface="+mn-ea"/>
-                  <a:cs typeface="+mn-cs"/>
-                </a:rPr>
-                <a:t>Pw</a:t>
-              </a:r>
-            </a:p>
-          </p:txBody>
-        </p:sp>
-        <p:sp>
-          <p:nvSpPr>
-            <p:cNvPr id="35" name="TextBox 34"/>
-            <p:cNvSpPr txBox="1"/>
-            <p:nvPr/>
-          </p:nvSpPr>
-          <p:spPr>
-            <a:xfrm>
-              <a:off x="3271318" y="1825082"/>
-              <a:ext cx="475253" cy="307777"/>
-            </a:xfrm>
-            <a:prstGeom prst="rect">
-              <a:avLst/>
-            </a:prstGeom>
-            <a:noFill/>
-          </p:spPr>
-          <p:txBody>
-            <a:bodyPr wrap="square" rtlCol="0">
-              <a:spAutoFit/>
-            </a:bodyPr>
-            <a:lstStyle/>
-            <a:p>
-              <a:pPr marL="0" marR="0" lvl="0" indent="0" algn="l" defTabSz="914400" rtl="0" eaLnBrk="1" fontAlgn="auto" latinLnBrk="0" hangingPunct="1">
-                <a:lnSpc>
-                  <a:spcPct val="100000"/>
-                </a:lnSpc>
-                <a:spcBef>
-                  <a:spcPts val="0"/>
-                </a:spcBef>
-                <a:spcAft>
-                  <a:spcPts val="0"/>
-                </a:spcAft>
-                <a:buClrTx/>
-                <a:buSzTx/>
-                <a:buFontTx/>
-                <a:buNone/>
-                <a:tabLst/>
-                <a:defRPr/>
-              </a:pPr>
-              <a:r>
-                <a:rPr kumimoji="0" lang="en-ZA" sz="1400" b="1" i="0" u="none" strike="noStrike" kern="1200" cap="none" spc="0" normalizeH="0" baseline="0" noProof="0" dirty="0">
-                  <a:ln>
-                    <a:noFill/>
-                  </a:ln>
-                  <a:solidFill>
-                    <a:srgbClr val="FFFF00"/>
-                  </a:solidFill>
-                  <a:effectLst/>
-                  <a:uLnTx/>
-                  <a:uFillTx/>
-                  <a:latin typeface="Calibri"/>
-                  <a:ea typeface="+mn-ea"/>
-                  <a:cs typeface="+mn-cs"/>
-                </a:rPr>
-                <a:t>Pc</a:t>
-              </a:r>
-            </a:p>
-          </p:txBody>
-        </p:sp>
-        <p:sp>
-          <p:nvSpPr>
-            <p:cNvPr id="36" name="TextBox 35"/>
-            <p:cNvSpPr txBox="1"/>
-            <p:nvPr/>
-          </p:nvSpPr>
-          <p:spPr>
-            <a:xfrm>
-              <a:off x="2656587" y="1705574"/>
-              <a:ext cx="475253" cy="307777"/>
-            </a:xfrm>
-            <a:prstGeom prst="rect">
-              <a:avLst/>
-            </a:prstGeom>
-            <a:noFill/>
-          </p:spPr>
-          <p:txBody>
-            <a:bodyPr wrap="square" rtlCol="0">
-              <a:spAutoFit/>
-            </a:bodyPr>
-            <a:lstStyle/>
-            <a:p>
-              <a:pPr marL="0" marR="0" lvl="0" indent="0" algn="l" defTabSz="914400" rtl="0" eaLnBrk="1" fontAlgn="auto" latinLnBrk="0" hangingPunct="1">
-                <a:lnSpc>
-                  <a:spcPct val="100000"/>
-                </a:lnSpc>
-                <a:spcBef>
-                  <a:spcPts val="0"/>
-                </a:spcBef>
-                <a:spcAft>
-                  <a:spcPts val="0"/>
-                </a:spcAft>
-                <a:buClrTx/>
-                <a:buSzTx/>
-                <a:buFontTx/>
-                <a:buNone/>
-                <a:tabLst/>
-                <a:defRPr/>
-              </a:pPr>
-              <a:r>
-                <a:rPr kumimoji="0" lang="en-ZA" sz="1400" b="1" i="0" u="none" strike="noStrike" kern="1200" cap="none" spc="0" normalizeH="0" baseline="0" noProof="0" dirty="0">
-                  <a:ln>
-                    <a:noFill/>
-                  </a:ln>
-                  <a:solidFill>
-                    <a:srgbClr val="FFFF00"/>
-                  </a:solidFill>
-                  <a:effectLst/>
-                  <a:uLnTx/>
-                  <a:uFillTx/>
-                  <a:latin typeface="Calibri"/>
-                  <a:ea typeface="+mn-ea"/>
-                  <a:cs typeface="+mn-cs"/>
-                </a:rPr>
-                <a:t>Pv</a:t>
-              </a:r>
-            </a:p>
-          </p:txBody>
-        </p:sp>
-        <p:sp>
-          <p:nvSpPr>
-            <p:cNvPr id="37" name="TextBox 36"/>
-            <p:cNvSpPr txBox="1"/>
-            <p:nvPr/>
-          </p:nvSpPr>
-          <p:spPr>
-            <a:xfrm>
-              <a:off x="2618258" y="-55959"/>
-              <a:ext cx="475253" cy="307777"/>
-            </a:xfrm>
-            <a:prstGeom prst="rect">
-              <a:avLst/>
-            </a:prstGeom>
-            <a:noFill/>
-          </p:spPr>
-          <p:txBody>
-            <a:bodyPr wrap="square" rtlCol="0">
-              <a:spAutoFit/>
-            </a:bodyPr>
-            <a:lstStyle/>
-            <a:p>
-              <a:pPr marL="0" marR="0" lvl="0" indent="0" algn="l" defTabSz="914400" rtl="0" eaLnBrk="1" fontAlgn="auto" latinLnBrk="0" hangingPunct="1">
-                <a:lnSpc>
-                  <a:spcPct val="100000"/>
-                </a:lnSpc>
-                <a:spcBef>
-                  <a:spcPts val="0"/>
-                </a:spcBef>
-                <a:spcAft>
-                  <a:spcPts val="0"/>
-                </a:spcAft>
-                <a:buClrTx/>
-                <a:buSzTx/>
-                <a:buFontTx/>
-                <a:buNone/>
-                <a:tabLst/>
-                <a:defRPr/>
-              </a:pPr>
-              <a:r>
-                <a:rPr kumimoji="0" lang="en-ZA" sz="1400" b="1" i="0" u="none" strike="noStrike" kern="1200" cap="none" spc="0" normalizeH="0" baseline="0" noProof="0" dirty="0">
-                  <a:ln>
-                    <a:noFill/>
-                  </a:ln>
-                  <a:solidFill>
-                    <a:srgbClr val="FFFF00"/>
-                  </a:solidFill>
-                  <a:effectLst/>
-                  <a:uLnTx/>
-                  <a:uFillTx/>
-                  <a:latin typeface="Calibri"/>
-                  <a:ea typeface="+mn-ea"/>
-                  <a:cs typeface="+mn-cs"/>
-                </a:rPr>
-                <a:t>Pv</a:t>
-              </a:r>
-            </a:p>
-          </p:txBody>
-        </p:sp>
-        <p:sp>
-          <p:nvSpPr>
-            <p:cNvPr id="38" name="TextBox 37"/>
-            <p:cNvSpPr txBox="1"/>
-            <p:nvPr/>
-          </p:nvSpPr>
-          <p:spPr>
-            <a:xfrm>
-              <a:off x="2603068" y="1186900"/>
-              <a:ext cx="475253" cy="307777"/>
-            </a:xfrm>
-            <a:prstGeom prst="rect">
-              <a:avLst/>
-            </a:prstGeom>
-            <a:noFill/>
-          </p:spPr>
-          <p:txBody>
-            <a:bodyPr wrap="square" rtlCol="0">
-              <a:spAutoFit/>
-            </a:bodyPr>
-            <a:lstStyle/>
-            <a:p>
-              <a:pPr marL="0" marR="0" lvl="0" indent="0" algn="l" defTabSz="914400" rtl="0" eaLnBrk="1" fontAlgn="auto" latinLnBrk="0" hangingPunct="1">
-                <a:lnSpc>
-                  <a:spcPct val="100000"/>
-                </a:lnSpc>
-                <a:spcBef>
-                  <a:spcPts val="0"/>
-                </a:spcBef>
-                <a:spcAft>
-                  <a:spcPts val="0"/>
-                </a:spcAft>
-                <a:buClrTx/>
-                <a:buSzTx/>
-                <a:buFontTx/>
-                <a:buNone/>
-                <a:tabLst/>
-                <a:defRPr/>
-              </a:pPr>
-              <a:r>
-                <a:rPr kumimoji="0" lang="en-ZA" sz="1400" b="1" i="0" u="none" strike="noStrike" kern="1200" cap="none" spc="0" normalizeH="0" baseline="0" noProof="0" dirty="0">
-                  <a:ln>
-                    <a:noFill/>
-                  </a:ln>
-                  <a:solidFill>
-                    <a:srgbClr val="FFFF00"/>
-                  </a:solidFill>
-                  <a:effectLst/>
-                  <a:uLnTx/>
-                  <a:uFillTx/>
-                  <a:latin typeface="Calibri"/>
-                  <a:ea typeface="+mn-ea"/>
-                  <a:cs typeface="+mn-cs"/>
-                </a:rPr>
-                <a:t>Pw</a:t>
-              </a:r>
-            </a:p>
-          </p:txBody>
-        </p:sp>
-        <p:sp>
-          <p:nvSpPr>
-            <p:cNvPr id="39" name="TextBox 38"/>
-            <p:cNvSpPr txBox="1"/>
-            <p:nvPr/>
-          </p:nvSpPr>
-          <p:spPr>
-            <a:xfrm>
-              <a:off x="2772363" y="601639"/>
-              <a:ext cx="841940" cy="307777"/>
-            </a:xfrm>
-            <a:prstGeom prst="rect">
-              <a:avLst/>
-            </a:prstGeom>
-            <a:noFill/>
-          </p:spPr>
-          <p:txBody>
-            <a:bodyPr wrap="square" rtlCol="0">
-              <a:spAutoFit/>
-            </a:bodyPr>
-            <a:lstStyle/>
-            <a:p>
-              <a:pPr marL="0" marR="0" lvl="0" indent="0" algn="l" defTabSz="914400" rtl="0" eaLnBrk="1" fontAlgn="auto" latinLnBrk="0" hangingPunct="1">
-                <a:lnSpc>
-                  <a:spcPct val="100000"/>
-                </a:lnSpc>
-                <a:spcBef>
-                  <a:spcPts val="0"/>
-                </a:spcBef>
-                <a:spcAft>
-                  <a:spcPts val="0"/>
-                </a:spcAft>
-                <a:buClrTx/>
-                <a:buSzTx/>
-                <a:buFontTx/>
-                <a:buNone/>
-                <a:tabLst/>
-                <a:defRPr/>
-              </a:pPr>
-              <a:r>
-                <a:rPr kumimoji="0" lang="en-ZA" sz="1400" b="1" i="0" u="none" strike="noStrike" kern="1200" cap="none" spc="0" normalizeH="0" baseline="0" noProof="0" dirty="0">
-                  <a:ln>
-                    <a:noFill/>
-                  </a:ln>
-                  <a:solidFill>
-                    <a:srgbClr val="FFFF00"/>
-                  </a:solidFill>
-                  <a:effectLst/>
-                  <a:uLnTx/>
-                  <a:uFillTx/>
-                  <a:latin typeface="Calibri"/>
-                  <a:ea typeface="+mn-ea"/>
-                  <a:cs typeface="+mn-cs"/>
-                </a:rPr>
-                <a:t>C-Pd</a:t>
-              </a:r>
-            </a:p>
-          </p:txBody>
-        </p:sp>
-        <p:sp>
-          <p:nvSpPr>
-            <p:cNvPr id="40" name="TextBox 39"/>
-            <p:cNvSpPr txBox="1"/>
-            <p:nvPr/>
-          </p:nvSpPr>
-          <p:spPr>
-            <a:xfrm>
-              <a:off x="2888071" y="3832473"/>
-              <a:ext cx="632562" cy="307777"/>
-            </a:xfrm>
-            <a:prstGeom prst="rect">
-              <a:avLst/>
-            </a:prstGeom>
-            <a:noFill/>
-          </p:spPr>
-          <p:txBody>
-            <a:bodyPr wrap="square" rtlCol="0">
-              <a:spAutoFit/>
-            </a:bodyPr>
-            <a:lstStyle/>
-            <a:p>
-              <a:pPr marL="0" marR="0" lvl="0" indent="0" algn="l" defTabSz="914400" rtl="0" eaLnBrk="1" fontAlgn="auto" latinLnBrk="0" hangingPunct="1">
-                <a:lnSpc>
-                  <a:spcPct val="100000"/>
-                </a:lnSpc>
-                <a:spcBef>
-                  <a:spcPts val="0"/>
-                </a:spcBef>
-                <a:spcAft>
-                  <a:spcPts val="0"/>
-                </a:spcAft>
-                <a:buClrTx/>
-                <a:buSzTx/>
-                <a:buFontTx/>
-                <a:buNone/>
-                <a:tabLst/>
-                <a:defRPr/>
-              </a:pPr>
-              <a:r>
-                <a:rPr kumimoji="0" lang="en-ZA" sz="1400" b="1" i="0" u="none" strike="noStrike" kern="1200" cap="none" spc="0" normalizeH="0" baseline="0" noProof="0" dirty="0">
-                  <a:ln>
-                    <a:noFill/>
-                  </a:ln>
-                  <a:solidFill>
-                    <a:srgbClr val="FFFF00"/>
-                  </a:solidFill>
-                  <a:effectLst/>
-                  <a:uLnTx/>
-                  <a:uFillTx/>
-                  <a:latin typeface="Calibri"/>
-                  <a:ea typeface="+mn-ea"/>
-                  <a:cs typeface="+mn-cs"/>
-                </a:rPr>
-                <a:t>Dwe</a:t>
-              </a:r>
-            </a:p>
-          </p:txBody>
-        </p:sp>
-        <p:sp>
-          <p:nvSpPr>
-            <p:cNvPr id="41" name="TextBox 40"/>
-            <p:cNvSpPr txBox="1"/>
-            <p:nvPr/>
-          </p:nvSpPr>
-          <p:spPr>
-            <a:xfrm>
-              <a:off x="3511157" y="4346055"/>
-              <a:ext cx="475253" cy="307777"/>
-            </a:xfrm>
-            <a:prstGeom prst="rect">
-              <a:avLst/>
-            </a:prstGeom>
-            <a:noFill/>
-          </p:spPr>
-          <p:txBody>
-            <a:bodyPr wrap="square" rtlCol="0">
-              <a:spAutoFit/>
-            </a:bodyPr>
-            <a:lstStyle/>
-            <a:p>
-              <a:pPr marL="0" marR="0" lvl="0" indent="0" algn="l" defTabSz="914400" rtl="0" eaLnBrk="1" fontAlgn="auto" latinLnBrk="0" hangingPunct="1">
-                <a:lnSpc>
-                  <a:spcPct val="100000"/>
-                </a:lnSpc>
-                <a:spcBef>
-                  <a:spcPts val="0"/>
-                </a:spcBef>
-                <a:spcAft>
-                  <a:spcPts val="0"/>
-                </a:spcAft>
-                <a:buClrTx/>
-                <a:buSzTx/>
-                <a:buFontTx/>
-                <a:buNone/>
-                <a:tabLst/>
-                <a:defRPr/>
-              </a:pPr>
-              <a:r>
-                <a:rPr kumimoji="0" lang="en-ZA" sz="1400" b="1" i="0" u="none" strike="noStrike" kern="1200" cap="none" spc="0" normalizeH="0" baseline="0" noProof="0" dirty="0">
-                  <a:ln>
-                    <a:noFill/>
-                  </a:ln>
-                  <a:solidFill>
-                    <a:srgbClr val="FFFF00"/>
-                  </a:solidFill>
-                  <a:effectLst/>
-                  <a:uLnTx/>
-                  <a:uFillTx/>
-                  <a:latin typeface="Calibri"/>
-                  <a:ea typeface="+mn-ea"/>
-                  <a:cs typeface="+mn-cs"/>
-                </a:rPr>
-                <a:t>Da</a:t>
-              </a:r>
-            </a:p>
-          </p:txBody>
-        </p:sp>
-        <p:sp>
-          <p:nvSpPr>
-            <p:cNvPr id="42" name="TextBox 41"/>
-            <p:cNvSpPr txBox="1"/>
-            <p:nvPr/>
-          </p:nvSpPr>
-          <p:spPr>
-            <a:xfrm>
-              <a:off x="4384779" y="6449373"/>
-              <a:ext cx="475253" cy="307777"/>
-            </a:xfrm>
-            <a:prstGeom prst="rect">
-              <a:avLst/>
-            </a:prstGeom>
-            <a:noFill/>
-          </p:spPr>
-          <p:txBody>
-            <a:bodyPr wrap="square" rtlCol="0">
-              <a:spAutoFit/>
-            </a:bodyPr>
-            <a:lstStyle/>
-            <a:p>
-              <a:pPr marL="0" marR="0" lvl="0" indent="0" algn="l" defTabSz="914400" rtl="0" eaLnBrk="1" fontAlgn="auto" latinLnBrk="0" hangingPunct="1">
-                <a:lnSpc>
-                  <a:spcPct val="100000"/>
-                </a:lnSpc>
-                <a:spcBef>
-                  <a:spcPts val="0"/>
-                </a:spcBef>
-                <a:spcAft>
-                  <a:spcPts val="0"/>
-                </a:spcAft>
-                <a:buClrTx/>
-                <a:buSzTx/>
-                <a:buFontTx/>
-                <a:buNone/>
-                <a:tabLst/>
-                <a:defRPr/>
-              </a:pPr>
-              <a:r>
-                <a:rPr kumimoji="0" lang="en-ZA" sz="1400" b="1" i="0" u="none" strike="noStrike" kern="1200" cap="none" spc="0" normalizeH="0" baseline="0" noProof="0" dirty="0">
-                  <a:ln>
-                    <a:noFill/>
-                  </a:ln>
-                  <a:solidFill>
-                    <a:srgbClr val="FFFF00"/>
-                  </a:solidFill>
-                  <a:effectLst/>
-                  <a:uLnTx/>
-                  <a:uFillTx/>
-                  <a:latin typeface="Calibri"/>
-                  <a:ea typeface="+mn-ea"/>
-                  <a:cs typeface="+mn-cs"/>
-                </a:rPr>
-                <a:t>Ss</a:t>
-              </a:r>
-            </a:p>
-          </p:txBody>
-        </p:sp>
-        <p:sp>
-          <p:nvSpPr>
-            <p:cNvPr id="43" name="TextBox 42"/>
-            <p:cNvSpPr txBox="1"/>
-            <p:nvPr/>
-          </p:nvSpPr>
-          <p:spPr>
-            <a:xfrm>
-              <a:off x="3064595" y="5689829"/>
-              <a:ext cx="475253" cy="307777"/>
-            </a:xfrm>
-            <a:prstGeom prst="rect">
-              <a:avLst/>
-            </a:prstGeom>
-            <a:noFill/>
-          </p:spPr>
-          <p:txBody>
-            <a:bodyPr wrap="square" rtlCol="0">
-              <a:spAutoFit/>
-            </a:bodyPr>
-            <a:lstStyle/>
-            <a:p>
-              <a:pPr marL="0" marR="0" lvl="0" indent="0" algn="l" defTabSz="914400" rtl="0" eaLnBrk="1" fontAlgn="auto" latinLnBrk="0" hangingPunct="1">
-                <a:lnSpc>
-                  <a:spcPct val="100000"/>
-                </a:lnSpc>
-                <a:spcBef>
-                  <a:spcPts val="0"/>
-                </a:spcBef>
-                <a:spcAft>
-                  <a:spcPts val="0"/>
-                </a:spcAft>
-                <a:buClrTx/>
-                <a:buSzTx/>
-                <a:buFontTx/>
-                <a:buNone/>
-                <a:tabLst/>
-                <a:defRPr/>
-              </a:pPr>
-              <a:r>
-                <a:rPr kumimoji="0" lang="en-ZA" sz="1400" b="1" i="0" u="none" strike="noStrike" kern="1200" cap="none" spc="0" normalizeH="0" baseline="0" noProof="0" dirty="0">
-                  <a:ln>
-                    <a:noFill/>
-                  </a:ln>
-                  <a:solidFill>
-                    <a:srgbClr val="FFFF00"/>
-                  </a:solidFill>
-                  <a:effectLst/>
-                  <a:uLnTx/>
-                  <a:uFillTx/>
-                  <a:latin typeface="Calibri"/>
-                  <a:ea typeface="+mn-ea"/>
-                  <a:cs typeface="+mn-cs"/>
-                </a:rPr>
-                <a:t>Dh</a:t>
-              </a:r>
-            </a:p>
-          </p:txBody>
-        </p:sp>
-        <p:sp>
-          <p:nvSpPr>
-            <p:cNvPr id="44" name="TextBox 43"/>
-            <p:cNvSpPr txBox="1"/>
-            <p:nvPr/>
-          </p:nvSpPr>
-          <p:spPr>
-            <a:xfrm>
-              <a:off x="2138580" y="6165541"/>
-              <a:ext cx="475253" cy="307777"/>
-            </a:xfrm>
-            <a:prstGeom prst="rect">
-              <a:avLst/>
-            </a:prstGeom>
-            <a:noFill/>
-          </p:spPr>
-          <p:txBody>
-            <a:bodyPr wrap="square" rtlCol="0">
-              <a:spAutoFit/>
-            </a:bodyPr>
-            <a:lstStyle/>
-            <a:p>
-              <a:pPr marL="0" marR="0" lvl="0" indent="0" algn="l" defTabSz="914400" rtl="0" eaLnBrk="1" fontAlgn="auto" latinLnBrk="0" hangingPunct="1">
-                <a:lnSpc>
-                  <a:spcPct val="100000"/>
-                </a:lnSpc>
-                <a:spcBef>
-                  <a:spcPts val="0"/>
-                </a:spcBef>
-                <a:spcAft>
-                  <a:spcPts val="0"/>
-                </a:spcAft>
-                <a:buClrTx/>
-                <a:buSzTx/>
-                <a:buFontTx/>
-                <a:buNone/>
-                <a:tabLst/>
-                <a:defRPr/>
-              </a:pPr>
-              <a:r>
-                <a:rPr kumimoji="0" lang="en-ZA" sz="1400" b="1" i="0" u="none" strike="noStrike" kern="1200" cap="none" spc="0" normalizeH="0" baseline="0" noProof="0" dirty="0">
-                  <a:ln>
-                    <a:noFill/>
-                  </a:ln>
-                  <a:solidFill>
-                    <a:srgbClr val="FFFF00"/>
-                  </a:solidFill>
-                  <a:effectLst/>
-                  <a:uLnTx/>
-                  <a:uFillTx/>
-                  <a:latin typeface="Calibri"/>
-                  <a:ea typeface="+mn-ea"/>
-                  <a:cs typeface="+mn-cs"/>
-                </a:rPr>
-                <a:t>Db</a:t>
-              </a:r>
-            </a:p>
-          </p:txBody>
-        </p:sp>
-        <p:sp>
-          <p:nvSpPr>
-            <p:cNvPr id="46" name="TextBox 45"/>
-            <p:cNvSpPr txBox="1"/>
-            <p:nvPr/>
-          </p:nvSpPr>
-          <p:spPr>
-            <a:xfrm>
-              <a:off x="861150" y="6146255"/>
-              <a:ext cx="475253" cy="307777"/>
-            </a:xfrm>
-            <a:prstGeom prst="rect">
-              <a:avLst/>
-            </a:prstGeom>
-            <a:noFill/>
-          </p:spPr>
-          <p:txBody>
-            <a:bodyPr wrap="square" rtlCol="0">
-              <a:spAutoFit/>
-            </a:bodyPr>
-            <a:lstStyle/>
-            <a:p>
-              <a:pPr marL="0" marR="0" lvl="0" indent="0" algn="l" defTabSz="914400" rtl="0" eaLnBrk="1" fontAlgn="auto" latinLnBrk="0" hangingPunct="1">
-                <a:lnSpc>
-                  <a:spcPct val="100000"/>
-                </a:lnSpc>
-                <a:spcBef>
-                  <a:spcPts val="0"/>
-                </a:spcBef>
-                <a:spcAft>
-                  <a:spcPts val="0"/>
-                </a:spcAft>
-                <a:buClrTx/>
-                <a:buSzTx/>
-                <a:buFontTx/>
-                <a:buNone/>
-                <a:tabLst/>
-                <a:defRPr/>
-              </a:pPr>
-              <a:r>
-                <a:rPr kumimoji="0" lang="en-ZA" sz="1400" b="1" i="0" u="none" strike="noStrike" kern="1200" cap="none" spc="0" normalizeH="0" baseline="0" noProof="0" dirty="0">
-                  <a:ln>
-                    <a:noFill/>
-                  </a:ln>
-                  <a:solidFill>
-                    <a:srgbClr val="FFFF00"/>
-                  </a:solidFill>
-                  <a:effectLst/>
-                  <a:uLnTx/>
-                  <a:uFillTx/>
-                  <a:latin typeface="Calibri"/>
-                  <a:ea typeface="+mn-ea"/>
-                  <a:cs typeface="+mn-cs"/>
-                </a:rPr>
-                <a:t>Dg</a:t>
-              </a:r>
-            </a:p>
-          </p:txBody>
-        </p:sp>
-        <p:sp>
-          <p:nvSpPr>
-            <p:cNvPr id="47" name="TextBox 46"/>
-            <p:cNvSpPr txBox="1"/>
-            <p:nvPr/>
-          </p:nvSpPr>
-          <p:spPr>
-            <a:xfrm>
-              <a:off x="3619560" y="5911179"/>
-              <a:ext cx="575056" cy="307777"/>
-            </a:xfrm>
-            <a:prstGeom prst="rect">
-              <a:avLst/>
-            </a:prstGeom>
-            <a:noFill/>
-          </p:spPr>
-          <p:txBody>
-            <a:bodyPr wrap="square" rtlCol="0">
-              <a:spAutoFit/>
-            </a:bodyPr>
-            <a:lstStyle/>
-            <a:p>
-              <a:pPr marL="0" marR="0" lvl="0" indent="0" algn="l" defTabSz="914400" rtl="0" eaLnBrk="1" fontAlgn="auto" latinLnBrk="0" hangingPunct="1">
-                <a:lnSpc>
-                  <a:spcPct val="100000"/>
-                </a:lnSpc>
-                <a:spcBef>
-                  <a:spcPts val="0"/>
-                </a:spcBef>
-                <a:spcAft>
-                  <a:spcPts val="0"/>
-                </a:spcAft>
-                <a:buClrTx/>
-                <a:buSzTx/>
-                <a:buFontTx/>
-                <a:buNone/>
-                <a:tabLst/>
-                <a:defRPr/>
-              </a:pPr>
-              <a:r>
-                <a:rPr kumimoji="0" lang="en-ZA" sz="1400" b="1" i="0" u="none" strike="noStrike" kern="1200" cap="none" spc="0" normalizeH="0" baseline="0" noProof="0" dirty="0">
-                  <a:ln>
-                    <a:noFill/>
-                  </a:ln>
-                  <a:solidFill>
-                    <a:srgbClr val="FFFF00"/>
-                  </a:solidFill>
-                  <a:effectLst/>
-                  <a:uLnTx/>
-                  <a:uFillTx/>
-                  <a:latin typeface="Calibri"/>
-                  <a:ea typeface="+mn-ea"/>
-                  <a:cs typeface="+mn-cs"/>
-                </a:rPr>
-                <a:t>Dga</a:t>
-              </a:r>
-            </a:p>
-          </p:txBody>
-        </p:sp>
-        <p:sp>
-          <p:nvSpPr>
-            <p:cNvPr id="48" name="TextBox 47"/>
-            <p:cNvSpPr txBox="1"/>
-            <p:nvPr/>
-          </p:nvSpPr>
-          <p:spPr>
-            <a:xfrm>
-              <a:off x="2920804" y="5801067"/>
-              <a:ext cx="475253" cy="307777"/>
-            </a:xfrm>
-            <a:prstGeom prst="rect">
-              <a:avLst/>
-            </a:prstGeom>
-            <a:noFill/>
-          </p:spPr>
-          <p:txBody>
-            <a:bodyPr wrap="square" rtlCol="0">
-              <a:spAutoFit/>
-            </a:bodyPr>
-            <a:lstStyle/>
-            <a:p>
-              <a:pPr marL="0" marR="0" lvl="0" indent="0" algn="l" defTabSz="914400" rtl="0" eaLnBrk="1" fontAlgn="auto" latinLnBrk="0" hangingPunct="1">
-                <a:lnSpc>
-                  <a:spcPct val="100000"/>
-                </a:lnSpc>
-                <a:spcBef>
-                  <a:spcPts val="0"/>
-                </a:spcBef>
-                <a:spcAft>
-                  <a:spcPts val="0"/>
-                </a:spcAft>
-                <a:buClrTx/>
-                <a:buSzTx/>
-                <a:buFontTx/>
-                <a:buNone/>
-                <a:tabLst/>
-                <a:defRPr/>
-              </a:pPr>
-              <a:r>
-                <a:rPr kumimoji="0" lang="en-ZA" sz="1400" b="1" i="0" u="none" strike="noStrike" kern="1200" cap="none" spc="0" normalizeH="0" baseline="0" noProof="0" dirty="0">
-                  <a:ln>
-                    <a:noFill/>
-                  </a:ln>
-                  <a:solidFill>
-                    <a:srgbClr val="FFFF00"/>
-                  </a:solidFill>
-                  <a:effectLst/>
-                  <a:uLnTx/>
-                  <a:uFillTx/>
-                  <a:latin typeface="Calibri"/>
-                  <a:ea typeface="+mn-ea"/>
-                  <a:cs typeface="+mn-cs"/>
-                </a:rPr>
-                <a:t>Dv</a:t>
-              </a:r>
-            </a:p>
-          </p:txBody>
-        </p:sp>
-        <p:sp>
-          <p:nvSpPr>
-            <p:cNvPr id="49" name="TextBox 48"/>
-            <p:cNvSpPr txBox="1"/>
-            <p:nvPr/>
-          </p:nvSpPr>
-          <p:spPr>
-            <a:xfrm>
-              <a:off x="2665325" y="144520"/>
-              <a:ext cx="475253" cy="307777"/>
-            </a:xfrm>
-            <a:prstGeom prst="rect">
-              <a:avLst/>
-            </a:prstGeom>
-            <a:noFill/>
-          </p:spPr>
-          <p:txBody>
-            <a:bodyPr wrap="square" rtlCol="0">
-              <a:spAutoFit/>
-            </a:bodyPr>
-            <a:lstStyle/>
-            <a:p>
-              <a:pPr marL="0" marR="0" lvl="0" indent="0" algn="l" defTabSz="914400" rtl="0" eaLnBrk="1" fontAlgn="auto" latinLnBrk="0" hangingPunct="1">
-                <a:lnSpc>
-                  <a:spcPct val="100000"/>
-                </a:lnSpc>
-                <a:spcBef>
-                  <a:spcPts val="0"/>
-                </a:spcBef>
-                <a:spcAft>
-                  <a:spcPts val="0"/>
-                </a:spcAft>
-                <a:buClrTx/>
-                <a:buSzTx/>
-                <a:buFontTx/>
-                <a:buNone/>
-                <a:tabLst/>
-                <a:defRPr/>
-              </a:pPr>
-              <a:r>
-                <a:rPr kumimoji="0" lang="en-ZA" sz="1400" b="1" i="0" u="none" strike="noStrike" kern="1200" cap="none" spc="0" normalizeH="0" baseline="0" noProof="0" dirty="0">
-                  <a:ln>
-                    <a:noFill/>
-                  </a:ln>
-                  <a:solidFill>
-                    <a:srgbClr val="FFFF00"/>
-                  </a:solidFill>
-                  <a:effectLst/>
-                  <a:uLnTx/>
-                  <a:uFillTx/>
-                  <a:latin typeface="Calibri"/>
-                  <a:ea typeface="+mn-ea"/>
-                  <a:cs typeface="+mn-cs"/>
-                </a:rPr>
-                <a:t>Pc</a:t>
-              </a:r>
-            </a:p>
-          </p:txBody>
-        </p:sp>
-        <p:sp>
-          <p:nvSpPr>
-            <p:cNvPr id="50" name="TextBox 49"/>
-            <p:cNvSpPr txBox="1"/>
-            <p:nvPr/>
-          </p:nvSpPr>
-          <p:spPr>
-            <a:xfrm rot="21180000">
-              <a:off x="553524" y="4118675"/>
-              <a:ext cx="632562" cy="307777"/>
-            </a:xfrm>
-            <a:prstGeom prst="rect">
-              <a:avLst/>
-            </a:prstGeom>
-            <a:noFill/>
-          </p:spPr>
-          <p:txBody>
-            <a:bodyPr wrap="square" rtlCol="0">
-              <a:spAutoFit/>
-            </a:bodyPr>
-            <a:lstStyle/>
-            <a:p>
-              <a:pPr marL="0" marR="0" lvl="0" indent="0" algn="l" defTabSz="914400" rtl="0" eaLnBrk="1" fontAlgn="auto" latinLnBrk="0" hangingPunct="1">
-                <a:lnSpc>
-                  <a:spcPct val="100000"/>
-                </a:lnSpc>
-                <a:spcBef>
-                  <a:spcPts val="0"/>
-                </a:spcBef>
-                <a:spcAft>
-                  <a:spcPts val="0"/>
-                </a:spcAft>
-                <a:buClrTx/>
-                <a:buSzTx/>
-                <a:buFontTx/>
-                <a:buNone/>
-                <a:tabLst/>
-                <a:defRPr/>
-              </a:pPr>
-              <a:r>
-                <a:rPr kumimoji="0" lang="en-ZA" sz="1400" b="1" i="0" u="none" strike="noStrike" kern="1200" cap="none" spc="0" normalizeH="0" baseline="0" noProof="0" dirty="0">
-                  <a:ln>
-                    <a:noFill/>
-                  </a:ln>
-                  <a:solidFill>
-                    <a:srgbClr val="FFFF00"/>
-                  </a:solidFill>
-                  <a:effectLst/>
-                  <a:uLnTx/>
-                  <a:uFillTx/>
-                  <a:latin typeface="Calibri"/>
-                  <a:ea typeface="+mn-ea"/>
-                  <a:cs typeface="+mn-cs"/>
-                </a:rPr>
-                <a:t>Dwa</a:t>
-              </a:r>
-            </a:p>
-          </p:txBody>
-        </p:sp>
-        <p:sp>
-          <p:nvSpPr>
-            <p:cNvPr id="51" name="TextBox 50"/>
-            <p:cNvSpPr txBox="1"/>
-            <p:nvPr/>
-          </p:nvSpPr>
-          <p:spPr>
-            <a:xfrm rot="180000">
-              <a:off x="3592691" y="5406430"/>
-              <a:ext cx="475253" cy="307777"/>
-            </a:xfrm>
-            <a:prstGeom prst="rect">
-              <a:avLst/>
-            </a:prstGeom>
-            <a:noFill/>
-          </p:spPr>
-          <p:txBody>
-            <a:bodyPr wrap="square" rtlCol="0">
-              <a:spAutoFit/>
-            </a:bodyPr>
-            <a:lstStyle/>
-            <a:p>
-              <a:pPr marL="0" marR="0" lvl="0" indent="0" algn="l" defTabSz="914400" rtl="0" eaLnBrk="1" fontAlgn="auto" latinLnBrk="0" hangingPunct="1">
-                <a:lnSpc>
-                  <a:spcPct val="100000"/>
-                </a:lnSpc>
-                <a:spcBef>
-                  <a:spcPts val="0"/>
-                </a:spcBef>
-                <a:spcAft>
-                  <a:spcPts val="0"/>
-                </a:spcAft>
-                <a:buClrTx/>
-                <a:buSzTx/>
-                <a:buFontTx/>
-                <a:buNone/>
-                <a:tabLst/>
-                <a:defRPr/>
-              </a:pPr>
-              <a:r>
-                <a:rPr kumimoji="0" lang="en-ZA" sz="1400" b="1" i="0" u="none" strike="noStrike" kern="1200" cap="none" spc="0" normalizeH="0" baseline="0" noProof="0" dirty="0">
-                  <a:ln>
-                    <a:noFill/>
-                  </a:ln>
-                  <a:solidFill>
-                    <a:srgbClr val="FFFF00"/>
-                  </a:solidFill>
-                  <a:effectLst/>
-                  <a:uLnTx/>
-                  <a:uFillTx/>
-                  <a:latin typeface="Calibri"/>
-                  <a:ea typeface="+mn-ea"/>
-                  <a:cs typeface="+mn-cs"/>
-                </a:rPr>
-                <a:t>Dw</a:t>
-              </a:r>
-            </a:p>
-          </p:txBody>
-        </p:sp>
-        <p:sp>
-          <p:nvSpPr>
-            <p:cNvPr id="52" name="TextBox 51"/>
-            <p:cNvSpPr txBox="1"/>
-            <p:nvPr/>
-          </p:nvSpPr>
-          <p:spPr>
-            <a:xfrm>
-              <a:off x="3520683" y="5642199"/>
-              <a:ext cx="475253" cy="307777"/>
-            </a:xfrm>
-            <a:prstGeom prst="rect">
-              <a:avLst/>
-            </a:prstGeom>
-            <a:noFill/>
-          </p:spPr>
-          <p:txBody>
-            <a:bodyPr wrap="square" rtlCol="0">
-              <a:spAutoFit/>
-            </a:bodyPr>
-            <a:lstStyle/>
-            <a:p>
-              <a:pPr marL="0" marR="0" lvl="0" indent="0" algn="l" defTabSz="914400" rtl="0" eaLnBrk="1" fontAlgn="auto" latinLnBrk="0" hangingPunct="1">
-                <a:lnSpc>
-                  <a:spcPct val="100000"/>
-                </a:lnSpc>
-                <a:spcBef>
-                  <a:spcPts val="0"/>
-                </a:spcBef>
-                <a:spcAft>
-                  <a:spcPts val="0"/>
-                </a:spcAft>
-                <a:buClrTx/>
-                <a:buSzTx/>
-                <a:buFontTx/>
-                <a:buNone/>
-                <a:tabLst/>
-                <a:defRPr/>
-              </a:pPr>
-              <a:r>
-                <a:rPr kumimoji="0" lang="en-ZA" sz="1400" b="1" i="0" u="none" strike="noStrike" kern="1200" cap="none" spc="0" normalizeH="0" baseline="0" noProof="0" dirty="0">
-                  <a:ln>
-                    <a:noFill/>
-                  </a:ln>
-                  <a:solidFill>
-                    <a:srgbClr val="FFFF00"/>
-                  </a:solidFill>
-                  <a:effectLst/>
-                  <a:uLnTx/>
-                  <a:uFillTx/>
-                  <a:latin typeface="Calibri"/>
-                  <a:ea typeface="+mn-ea"/>
-                  <a:cs typeface="+mn-cs"/>
-                </a:rPr>
-                <a:t>Dt</a:t>
-              </a:r>
-            </a:p>
-          </p:txBody>
-        </p:sp>
-        <p:sp>
-          <p:nvSpPr>
-            <p:cNvPr id="53" name="TextBox 52"/>
-            <p:cNvSpPr txBox="1"/>
-            <p:nvPr/>
-          </p:nvSpPr>
-          <p:spPr>
-            <a:xfrm rot="21240000">
-              <a:off x="2171973" y="5560171"/>
-              <a:ext cx="522778" cy="523220"/>
-            </a:xfrm>
-            <a:prstGeom prst="rect">
-              <a:avLst/>
-            </a:prstGeom>
-            <a:noFill/>
-          </p:spPr>
-          <p:txBody>
-            <a:bodyPr wrap="square" rtlCol="0">
-              <a:spAutoFit/>
-            </a:bodyPr>
-            <a:lstStyle/>
-            <a:p>
-              <a:pPr marL="0" marR="0" lvl="0" indent="0" algn="l" defTabSz="914400" rtl="0" eaLnBrk="1" fontAlgn="auto" latinLnBrk="0" hangingPunct="1">
-                <a:lnSpc>
-                  <a:spcPct val="100000"/>
-                </a:lnSpc>
-                <a:spcBef>
-                  <a:spcPts val="0"/>
-                </a:spcBef>
-                <a:spcAft>
-                  <a:spcPts val="0"/>
-                </a:spcAft>
-                <a:buClrTx/>
-                <a:buSzTx/>
-                <a:buFontTx/>
-                <a:buNone/>
-                <a:tabLst/>
-                <a:defRPr/>
-              </a:pPr>
-              <a:r>
-                <a:rPr kumimoji="0" lang="en-ZA" sz="1400" b="1" i="0" u="none" strike="noStrike" kern="1200" cap="none" spc="0" normalizeH="0" baseline="0" noProof="0" dirty="0">
-                  <a:ln>
-                    <a:noFill/>
-                  </a:ln>
-                  <a:solidFill>
-                    <a:srgbClr val="FFFF00"/>
-                  </a:solidFill>
-                  <a:effectLst/>
-                  <a:uLnTx/>
-                  <a:uFillTx/>
-                  <a:latin typeface="Calibri"/>
-                  <a:ea typeface="+mn-ea"/>
-                  <a:cs typeface="+mn-cs"/>
-                </a:rPr>
-                <a:t>Dbo</a:t>
-              </a:r>
-            </a:p>
-          </p:txBody>
-        </p:sp>
-        <p:sp>
-          <p:nvSpPr>
-            <p:cNvPr id="54" name="TextBox 53"/>
-            <p:cNvSpPr txBox="1"/>
-            <p:nvPr/>
-          </p:nvSpPr>
-          <p:spPr>
-            <a:xfrm rot="21360000">
-              <a:off x="2183854" y="5705818"/>
-              <a:ext cx="475253" cy="307777"/>
-            </a:xfrm>
-            <a:prstGeom prst="rect">
-              <a:avLst/>
-            </a:prstGeom>
-            <a:noFill/>
-          </p:spPr>
-          <p:txBody>
-            <a:bodyPr wrap="square" rtlCol="0">
-              <a:spAutoFit/>
-            </a:bodyPr>
-            <a:lstStyle/>
-            <a:p>
-              <a:pPr marL="0" marR="0" lvl="0" indent="0" algn="l" defTabSz="914400" rtl="0" eaLnBrk="1" fontAlgn="auto" latinLnBrk="0" hangingPunct="1">
-                <a:lnSpc>
-                  <a:spcPct val="100000"/>
-                </a:lnSpc>
-                <a:spcBef>
-                  <a:spcPts val="0"/>
-                </a:spcBef>
-                <a:spcAft>
-                  <a:spcPts val="0"/>
-                </a:spcAft>
-                <a:buClrTx/>
-                <a:buSzTx/>
-                <a:buFontTx/>
-                <a:buNone/>
-                <a:tabLst/>
-                <a:defRPr/>
-              </a:pPr>
-              <a:r>
-                <a:rPr kumimoji="0" lang="en-ZA" sz="1400" b="1" i="0" u="none" strike="noStrike" kern="1200" cap="none" spc="0" normalizeH="0" baseline="0" noProof="0" dirty="0">
-                  <a:ln>
-                    <a:noFill/>
-                  </a:ln>
-                  <a:solidFill>
-                    <a:srgbClr val="FFFF00"/>
-                  </a:solidFill>
-                  <a:effectLst/>
-                  <a:uLnTx/>
-                  <a:uFillTx/>
-                  <a:latin typeface="Calibri"/>
-                  <a:ea typeface="+mn-ea"/>
-                  <a:cs typeface="+mn-cs"/>
-                </a:rPr>
-                <a:t>Dt</a:t>
-              </a:r>
-            </a:p>
-          </p:txBody>
-        </p:sp>
-        <p:sp>
-          <p:nvSpPr>
-            <p:cNvPr id="55" name="TextBox 54"/>
-            <p:cNvSpPr txBox="1"/>
-            <p:nvPr/>
-          </p:nvSpPr>
-          <p:spPr>
-            <a:xfrm rot="21360000">
-              <a:off x="2194010" y="5833051"/>
-              <a:ext cx="475253" cy="307777"/>
-            </a:xfrm>
-            <a:prstGeom prst="rect">
-              <a:avLst/>
-            </a:prstGeom>
-            <a:noFill/>
-          </p:spPr>
-          <p:txBody>
-            <a:bodyPr wrap="square" rtlCol="0">
-              <a:spAutoFit/>
-            </a:bodyPr>
-            <a:lstStyle/>
-            <a:p>
-              <a:pPr marL="0" marR="0" lvl="0" indent="0" algn="l" defTabSz="914400" rtl="0" eaLnBrk="1" fontAlgn="auto" latinLnBrk="0" hangingPunct="1">
-                <a:lnSpc>
-                  <a:spcPct val="100000"/>
-                </a:lnSpc>
-                <a:spcBef>
-                  <a:spcPts val="0"/>
-                </a:spcBef>
-                <a:spcAft>
-                  <a:spcPts val="0"/>
-                </a:spcAft>
-                <a:buClrTx/>
-                <a:buSzTx/>
-                <a:buFontTx/>
-                <a:buNone/>
-                <a:tabLst/>
-                <a:defRPr/>
-              </a:pPr>
-              <a:r>
-                <a:rPr kumimoji="0" lang="en-ZA" sz="1400" b="1" i="0" u="none" strike="noStrike" kern="1200" cap="none" spc="0" normalizeH="0" baseline="0" noProof="0" dirty="0">
-                  <a:ln>
-                    <a:noFill/>
-                  </a:ln>
-                  <a:solidFill>
-                    <a:srgbClr val="FFFF00"/>
-                  </a:solidFill>
-                  <a:effectLst/>
-                  <a:uLnTx/>
-                  <a:uFillTx/>
-                  <a:latin typeface="Calibri"/>
-                  <a:ea typeface="+mn-ea"/>
-                  <a:cs typeface="+mn-cs"/>
-                </a:rPr>
-                <a:t>Dh</a:t>
-              </a:r>
-            </a:p>
-          </p:txBody>
-        </p:sp>
-        <p:sp>
-          <p:nvSpPr>
-            <p:cNvPr id="56" name="TextBox 55"/>
-            <p:cNvSpPr txBox="1"/>
-            <p:nvPr/>
-          </p:nvSpPr>
-          <p:spPr>
-            <a:xfrm rot="21360000">
-              <a:off x="1276244" y="6060962"/>
-              <a:ext cx="575056" cy="307777"/>
-            </a:xfrm>
-            <a:prstGeom prst="rect">
-              <a:avLst/>
-            </a:prstGeom>
-            <a:noFill/>
-          </p:spPr>
-          <p:txBody>
-            <a:bodyPr wrap="square" rtlCol="0">
-              <a:spAutoFit/>
-            </a:bodyPr>
-            <a:lstStyle/>
-            <a:p>
-              <a:pPr marL="0" marR="0" lvl="0" indent="0" algn="l" defTabSz="914400" rtl="0" eaLnBrk="1" fontAlgn="auto" latinLnBrk="0" hangingPunct="1">
-                <a:lnSpc>
-                  <a:spcPct val="100000"/>
-                </a:lnSpc>
-                <a:spcBef>
-                  <a:spcPts val="0"/>
-                </a:spcBef>
-                <a:spcAft>
-                  <a:spcPts val="0"/>
-                </a:spcAft>
-                <a:buClrTx/>
-                <a:buSzTx/>
-                <a:buFontTx/>
-                <a:buNone/>
-                <a:tabLst/>
-                <a:defRPr/>
-              </a:pPr>
-              <a:r>
-                <a:rPr kumimoji="0" lang="en-ZA" sz="1400" b="1" i="0" u="none" strike="noStrike" kern="1200" cap="none" spc="0" normalizeH="0" baseline="0" noProof="0" dirty="0">
-                  <a:ln>
-                    <a:noFill/>
-                  </a:ln>
-                  <a:solidFill>
-                    <a:srgbClr val="FFFF00"/>
-                  </a:solidFill>
-                  <a:effectLst/>
-                  <a:uLnTx/>
-                  <a:uFillTx/>
-                  <a:latin typeface="Calibri"/>
-                  <a:ea typeface="+mn-ea"/>
-                  <a:cs typeface="+mn-cs"/>
-                </a:rPr>
-                <a:t>Dga</a:t>
-              </a:r>
-            </a:p>
-          </p:txBody>
-        </p:sp>
-        <p:sp>
-          <p:nvSpPr>
-            <p:cNvPr id="57" name="TextBox 56"/>
-            <p:cNvSpPr txBox="1"/>
-            <p:nvPr/>
-          </p:nvSpPr>
-          <p:spPr>
-            <a:xfrm rot="21300000">
-              <a:off x="1619672" y="5970245"/>
-              <a:ext cx="475253" cy="307777"/>
-            </a:xfrm>
-            <a:prstGeom prst="rect">
-              <a:avLst/>
-            </a:prstGeom>
-            <a:noFill/>
-          </p:spPr>
-          <p:txBody>
-            <a:bodyPr wrap="square" rtlCol="0">
-              <a:spAutoFit/>
-            </a:bodyPr>
-            <a:lstStyle/>
-            <a:p>
-              <a:pPr marL="0" marR="0" lvl="0" indent="0" algn="l" defTabSz="914400" rtl="0" eaLnBrk="1" fontAlgn="auto" latinLnBrk="0" hangingPunct="1">
-                <a:lnSpc>
-                  <a:spcPct val="100000"/>
-                </a:lnSpc>
-                <a:spcBef>
-                  <a:spcPts val="0"/>
-                </a:spcBef>
-                <a:spcAft>
-                  <a:spcPts val="0"/>
-                </a:spcAft>
-                <a:buClrTx/>
-                <a:buSzTx/>
-                <a:buFontTx/>
-                <a:buNone/>
-                <a:tabLst/>
-                <a:defRPr/>
-              </a:pPr>
-              <a:r>
-                <a:rPr kumimoji="0" lang="en-ZA" sz="1400" b="1" i="0" u="none" strike="noStrike" kern="1200" cap="none" spc="0" normalizeH="0" baseline="0" noProof="0" dirty="0">
-                  <a:ln>
-                    <a:noFill/>
-                  </a:ln>
-                  <a:solidFill>
-                    <a:srgbClr val="FFFF00"/>
-                  </a:solidFill>
-                  <a:effectLst/>
-                  <a:uLnTx/>
-                  <a:uFillTx/>
-                  <a:latin typeface="Calibri"/>
-                  <a:ea typeface="+mn-ea"/>
-                  <a:cs typeface="+mn-cs"/>
-                </a:rPr>
-                <a:t>Dv</a:t>
-              </a:r>
-            </a:p>
-          </p:txBody>
-        </p:sp>
-        <p:sp>
-          <p:nvSpPr>
-            <p:cNvPr id="59" name="TextBox 58"/>
-            <p:cNvSpPr txBox="1"/>
-            <p:nvPr/>
-          </p:nvSpPr>
-          <p:spPr>
-            <a:xfrm rot="21240000">
-              <a:off x="619289" y="5383171"/>
-              <a:ext cx="475253" cy="307777"/>
-            </a:xfrm>
-            <a:prstGeom prst="rect">
-              <a:avLst/>
-            </a:prstGeom>
-            <a:noFill/>
-          </p:spPr>
-          <p:txBody>
-            <a:bodyPr wrap="square" rtlCol="0">
-              <a:spAutoFit/>
-            </a:bodyPr>
-            <a:lstStyle/>
-            <a:p>
-              <a:pPr marL="0" marR="0" lvl="0" indent="0" algn="l" defTabSz="914400" rtl="0" eaLnBrk="1" fontAlgn="auto" latinLnBrk="0" hangingPunct="1">
-                <a:lnSpc>
-                  <a:spcPct val="100000"/>
-                </a:lnSpc>
-                <a:spcBef>
-                  <a:spcPts val="0"/>
-                </a:spcBef>
-                <a:spcAft>
-                  <a:spcPts val="0"/>
-                </a:spcAft>
-                <a:buClrTx/>
-                <a:buSzTx/>
-                <a:buFontTx/>
-                <a:buNone/>
-                <a:tabLst/>
-                <a:defRPr/>
-              </a:pPr>
-              <a:r>
-                <a:rPr kumimoji="0" lang="en-ZA" sz="1400" b="1" i="0" u="none" strike="noStrike" kern="1200" cap="none" spc="0" normalizeH="0" baseline="0" noProof="0" dirty="0" err="1">
-                  <a:ln>
-                    <a:noFill/>
-                  </a:ln>
-                  <a:solidFill>
-                    <a:srgbClr val="FFFF00"/>
-                  </a:solidFill>
-                  <a:effectLst/>
-                  <a:uLnTx/>
-                  <a:uFillTx/>
-                  <a:latin typeface="Calibri"/>
-                  <a:ea typeface="+mn-ea"/>
-                  <a:cs typeface="+mn-cs"/>
-                </a:rPr>
-                <a:t>Dkl</a:t>
-              </a:r>
-              <a:endParaRPr kumimoji="0" lang="en-ZA" sz="1400" b="1" i="0" u="none" strike="noStrike" kern="1200" cap="none" spc="0" normalizeH="0" baseline="0" noProof="0" dirty="0">
-                <a:ln>
-                  <a:noFill/>
-                </a:ln>
-                <a:solidFill>
-                  <a:srgbClr val="FFFF00"/>
-                </a:solidFill>
-                <a:effectLst/>
-                <a:uLnTx/>
-                <a:uFillTx/>
-                <a:latin typeface="Calibri"/>
-                <a:ea typeface="+mn-ea"/>
-                <a:cs typeface="+mn-cs"/>
-              </a:endParaRPr>
-            </a:p>
-          </p:txBody>
-        </p:sp>
-        <p:pic>
-          <p:nvPicPr>
-            <p:cNvPr id="83" name="Picture 6" descr="Image result for north arrow graphic"/>
-            <p:cNvPicPr>
-              <a:picLocks noChangeAspect="1" noChangeArrowheads="1"/>
-            </p:cNvPicPr>
-            <p:nvPr/>
-          </p:nvPicPr>
-          <p:blipFill>
-            <a:blip r:embed="rId3" cstate="print">
+                </a:endParaRPr>
+              </a:p>
+            </p:txBody>
+          </p:sp>
+          <p:pic>
+            <p:nvPicPr>
+              <p:cNvPr id="83" name="Picture 6" descr="Image result for north arrow graphic"/>
+              <p:cNvPicPr>
+                <a:picLocks noChangeAspect="1" noChangeArrowheads="1"/>
+              </p:cNvPicPr>
+              <p:nvPr/>
+            </p:nvPicPr>
+            <p:blipFill>
+              <a:blip r:embed="rId3" cstate="print">
+                <a:extLst>
+                  <a:ext uri="{BEBA8EAE-BF5A-486C-A8C5-ECC9F3942E4B}">
+                    <a14:imgProps xmlns:a14="http://schemas.microsoft.com/office/drawing/2010/main">
+                      <a14:imgLayer r:embed="rId4">
+                        <a14:imgEffect>
+                          <a14:backgroundRemoval t="10000" b="90000" l="10000" r="90000"/>
+                        </a14:imgEffect>
+                      </a14:imgLayer>
+                    </a14:imgProps>
+                  </a:ext>
+                  <a:ext uri="{28A0092B-C50C-407E-A947-70E740481C1C}">
+                    <a14:useLocalDpi xmlns:a14="http://schemas.microsoft.com/office/drawing/2010/main" val="0"/>
+                  </a:ext>
+                </a:extLst>
+              </a:blip>
+              <a:srcRect/>
+              <a:stretch>
+                <a:fillRect/>
+              </a:stretch>
+            </p:blipFill>
+            <p:spPr bwMode="auto">
+              <a:xfrm rot="60000">
+                <a:off x="553565" y="75594"/>
+                <a:ext cx="527489" cy="745183"/>
+              </a:xfrm>
+              <a:prstGeom prst="rect">
+                <a:avLst/>
+              </a:prstGeom>
+              <a:noFill/>
               <a:extLst>
-                <a:ext uri="{BEBA8EAE-BF5A-486C-A8C5-ECC9F3942E4B}">
-                  <a14:imgProps xmlns:a14="http://schemas.microsoft.com/office/drawing/2010/main">
-                    <a14:imgLayer r:embed="rId4">
-                      <a14:imgEffect>
-                        <a14:backgroundRemoval t="10000" b="90000" l="10000" r="90000"/>
-                      </a14:imgEffect>
-                    </a14:imgLayer>
-                  </a14:imgProps>
-                </a:ext>
-                <a:ext uri="{28A0092B-C50C-407E-A947-70E740481C1C}">
-                  <a14:useLocalDpi xmlns:a14="http://schemas.microsoft.com/office/drawing/2010/main" val="0"/>
+                <a:ext uri="{909E8E84-426E-40DD-AFC4-6F175D3DCCD1}">
+                  <a14:hiddenFill xmlns:a14="http://schemas.microsoft.com/office/drawing/2010/main">
+                    <a:solidFill>
+                      <a:srgbClr val="FFFFFF"/>
+                    </a:solidFill>
+                  </a14:hiddenFill>
                 </a:ext>
               </a:extLst>
-            </a:blip>
-            <a:srcRect/>
-            <a:stretch>
-              <a:fillRect/>
-            </a:stretch>
-          </p:blipFill>
-          <p:spPr bwMode="auto">
-            <a:xfrm rot="60000">
-              <a:off x="553565" y="75594"/>
-              <a:ext cx="527489" cy="745183"/>
-            </a:xfrm>
-            <a:prstGeom prst="rect">
-              <a:avLst/>
-            </a:prstGeom>
-            <a:noFill/>
-            <a:extLst>
-              <a:ext uri="{909E8E84-426E-40DD-AFC4-6F175D3DCCD1}">
-                <a14:hiddenFill xmlns:a14="http://schemas.microsoft.com/office/drawing/2010/main">
-                  <a:solidFill>
-                    <a:srgbClr val="FFFFFF"/>
-                  </a:solidFill>
-                </a14:hiddenFill>
-              </a:ext>
-            </a:extLst>
-          </p:spPr>
-        </p:pic>
-        <p:sp>
-          <p:nvSpPr>
-            <p:cNvPr id="84" name="TextBox 83"/>
-            <p:cNvSpPr txBox="1"/>
-            <p:nvPr/>
-          </p:nvSpPr>
-          <p:spPr>
-            <a:xfrm rot="21540000">
-              <a:off x="522731" y="524156"/>
-              <a:ext cx="589156" cy="432414"/>
-            </a:xfrm>
-            <a:prstGeom prst="rect">
-              <a:avLst/>
-            </a:prstGeom>
-            <a:noFill/>
-          </p:spPr>
-          <p:txBody>
-            <a:bodyPr wrap="square" rtlCol="0">
-              <a:spAutoFit/>
-            </a:bodyPr>
-            <a:lstStyle/>
-            <a:p>
-              <a:pPr marL="0" marR="0" lvl="0" indent="0" algn="ctr" defTabSz="914400" rtl="0" eaLnBrk="1" fontAlgn="auto" latinLnBrk="0" hangingPunct="1">
-                <a:lnSpc>
-                  <a:spcPct val="100000"/>
-                </a:lnSpc>
-                <a:spcBef>
-                  <a:spcPts val="0"/>
-                </a:spcBef>
-                <a:spcAft>
-                  <a:spcPts val="0"/>
-                </a:spcAft>
-                <a:buClrTx/>
-                <a:buSzTx/>
-                <a:buFontTx/>
-                <a:buNone/>
-                <a:tabLst/>
-                <a:defRPr/>
-              </a:pPr>
-              <a:r>
-                <a:rPr kumimoji="0" lang="en-ZA" sz="2800" b="1" i="0" u="none" strike="noStrike" kern="1200" cap="none" spc="0" normalizeH="0" baseline="0" noProof="0" dirty="0">
-                  <a:ln>
-                    <a:noFill/>
-                  </a:ln>
-                  <a:solidFill>
-                    <a:srgbClr val="FFFF00"/>
-                  </a:solidFill>
-                  <a:effectLst/>
-                  <a:uLnTx/>
-                  <a:uFillTx/>
-                  <a:latin typeface="Calibri"/>
-                  <a:ea typeface="+mn-ea"/>
-                  <a:cs typeface="+mn-cs"/>
-                </a:rPr>
-                <a:t>N</a:t>
-              </a:r>
-            </a:p>
-          </p:txBody>
-        </p:sp>
-        <p:sp>
-          <p:nvSpPr>
-            <p:cNvPr id="94" name="TextBox 93"/>
-            <p:cNvSpPr txBox="1"/>
-            <p:nvPr/>
-          </p:nvSpPr>
-          <p:spPr>
-            <a:xfrm>
-              <a:off x="3880723" y="246495"/>
-              <a:ext cx="475253" cy="307777"/>
-            </a:xfrm>
-            <a:prstGeom prst="rect">
-              <a:avLst/>
-            </a:prstGeom>
-            <a:noFill/>
-          </p:spPr>
-          <p:txBody>
-            <a:bodyPr wrap="square" rtlCol="0">
-              <a:spAutoFit/>
-            </a:bodyPr>
-            <a:lstStyle/>
-            <a:p>
-              <a:pPr marL="0" marR="0" lvl="0" indent="0" algn="l" defTabSz="914400" rtl="0" eaLnBrk="1" fontAlgn="auto" latinLnBrk="0" hangingPunct="1">
-                <a:lnSpc>
-                  <a:spcPct val="100000"/>
-                </a:lnSpc>
-                <a:spcBef>
-                  <a:spcPts val="0"/>
-                </a:spcBef>
-                <a:spcAft>
-                  <a:spcPts val="0"/>
-                </a:spcAft>
-                <a:buClrTx/>
-                <a:buSzTx/>
-                <a:buFontTx/>
-                <a:buNone/>
-                <a:tabLst/>
-                <a:defRPr/>
-              </a:pPr>
-              <a:r>
-                <a:rPr kumimoji="0" lang="en-ZA" sz="1400" b="1" i="0" u="none" strike="noStrike" kern="1200" cap="none" spc="0" normalizeH="0" baseline="0" noProof="0" dirty="0">
-                  <a:ln>
-                    <a:noFill/>
-                  </a:ln>
-                  <a:solidFill>
-                    <a:srgbClr val="FFFF00"/>
-                  </a:solidFill>
-                  <a:effectLst/>
-                  <a:uLnTx/>
-                  <a:uFillTx/>
-                  <a:latin typeface="Calibri"/>
-                  <a:ea typeface="+mn-ea"/>
-                  <a:cs typeface="+mn-cs"/>
-                </a:rPr>
-                <a:t>Pp</a:t>
-              </a:r>
-            </a:p>
-          </p:txBody>
-        </p:sp>
-        <p:sp>
-          <p:nvSpPr>
-            <p:cNvPr id="95" name="TextBox 94"/>
-            <p:cNvSpPr txBox="1"/>
-            <p:nvPr/>
-          </p:nvSpPr>
-          <p:spPr>
-            <a:xfrm>
-              <a:off x="4234116" y="754039"/>
-              <a:ext cx="841940" cy="307777"/>
-            </a:xfrm>
-            <a:prstGeom prst="rect">
-              <a:avLst/>
-            </a:prstGeom>
-            <a:noFill/>
-          </p:spPr>
-          <p:txBody>
-            <a:bodyPr wrap="square" rtlCol="0">
-              <a:spAutoFit/>
-            </a:bodyPr>
-            <a:lstStyle/>
-            <a:p>
-              <a:pPr marL="0" marR="0" lvl="0" indent="0" algn="l" defTabSz="914400" rtl="0" eaLnBrk="1" fontAlgn="auto" latinLnBrk="0" hangingPunct="1">
-                <a:lnSpc>
-                  <a:spcPct val="100000"/>
-                </a:lnSpc>
-                <a:spcBef>
-                  <a:spcPts val="0"/>
-                </a:spcBef>
-                <a:spcAft>
-                  <a:spcPts val="0"/>
-                </a:spcAft>
-                <a:buClrTx/>
-                <a:buSzTx/>
-                <a:buFontTx/>
-                <a:buNone/>
-                <a:tabLst/>
-                <a:defRPr/>
-              </a:pPr>
-              <a:r>
-                <a:rPr kumimoji="0" lang="en-ZA" sz="1400" b="1" i="0" u="none" strike="noStrike" kern="1200" cap="none" spc="0" normalizeH="0" baseline="0" noProof="0" dirty="0">
-                  <a:ln>
-                    <a:noFill/>
-                  </a:ln>
-                  <a:solidFill>
-                    <a:srgbClr val="FFFF00"/>
-                  </a:solidFill>
-                  <a:effectLst/>
-                  <a:uLnTx/>
-                  <a:uFillTx/>
-                  <a:latin typeface="Calibri"/>
-                  <a:ea typeface="+mn-ea"/>
-                  <a:cs typeface="+mn-cs"/>
-                </a:rPr>
-                <a:t>C-Pd</a:t>
-              </a:r>
-            </a:p>
-          </p:txBody>
-        </p:sp>
-        <p:sp>
-          <p:nvSpPr>
-            <p:cNvPr id="8" name="TextBox 7"/>
-            <p:cNvSpPr txBox="1"/>
-            <p:nvPr/>
-          </p:nvSpPr>
-          <p:spPr>
-            <a:xfrm>
-              <a:off x="191394" y="1046461"/>
-              <a:ext cx="1860326" cy="1569660"/>
-            </a:xfrm>
-            <a:prstGeom prst="rect">
-              <a:avLst/>
-            </a:prstGeom>
-            <a:noFill/>
-          </p:spPr>
-          <p:txBody>
-            <a:bodyPr wrap="square" rtlCol="0">
-              <a:spAutoFit/>
-            </a:bodyPr>
-            <a:lstStyle/>
-            <a:p>
-              <a:pPr marL="0" marR="0" lvl="0" indent="0" algn="ctr" defTabSz="914400" rtl="0" eaLnBrk="1" fontAlgn="auto" latinLnBrk="0" hangingPunct="1">
-                <a:lnSpc>
-                  <a:spcPct val="100000"/>
-                </a:lnSpc>
-                <a:spcBef>
-                  <a:spcPts val="0"/>
-                </a:spcBef>
-                <a:spcAft>
-                  <a:spcPts val="0"/>
-                </a:spcAft>
-                <a:buClrTx/>
-                <a:buSzTx/>
-                <a:buFontTx/>
-                <a:buNone/>
-                <a:tabLst/>
-                <a:defRPr/>
-              </a:pPr>
-              <a:r>
-                <a:rPr kumimoji="0" lang="en-ZA" sz="2400" b="1" i="0" u="none" strike="noStrike" kern="1200" cap="none" spc="0" normalizeH="0" baseline="0" noProof="0" dirty="0">
+            </p:spPr>
+          </p:pic>
+          <p:sp>
+            <p:nvSpPr>
+              <p:cNvPr id="84" name="TextBox 83"/>
+              <p:cNvSpPr txBox="1"/>
+              <p:nvPr/>
+            </p:nvSpPr>
+            <p:spPr>
+              <a:xfrm rot="21540000">
+                <a:off x="522731" y="524156"/>
+                <a:ext cx="589156" cy="432414"/>
+              </a:xfrm>
+              <a:prstGeom prst="rect">
+                <a:avLst/>
+              </a:prstGeom>
+              <a:noFill/>
+            </p:spPr>
+            <p:txBody>
+              <a:bodyPr wrap="square" rtlCol="0">
+                <a:spAutoFit/>
+              </a:bodyPr>
+              <a:lstStyle/>
+              <a:p>
+                <a:pPr marL="0" marR="0" lvl="0" indent="0" algn="ctr" defTabSz="914400" rtl="0" eaLnBrk="1" fontAlgn="auto" latinLnBrk="0" hangingPunct="1">
+                  <a:lnSpc>
+                    <a:spcPct val="100000"/>
+                  </a:lnSpc>
+                  <a:spcBef>
+                    <a:spcPts val="0"/>
+                  </a:spcBef>
+                  <a:spcAft>
+                    <a:spcPts val="0"/>
+                  </a:spcAft>
+                  <a:buClrTx/>
+                  <a:buSzTx/>
+                  <a:buFontTx/>
+                  <a:buNone/>
+                  <a:tabLst/>
+                  <a:defRPr/>
+                </a:pPr>
+                <a:r>
+                  <a:rPr kumimoji="0" lang="en-ZA" sz="2800" b="1" i="0" u="none" strike="noStrike" kern="1200" cap="none" spc="0" normalizeH="0" baseline="0" noProof="0" dirty="0">
+                    <a:ln>
+                      <a:noFill/>
+                    </a:ln>
+                    <a:solidFill>
+                      <a:srgbClr val="FFFF00"/>
+                    </a:solidFill>
+                    <a:effectLst/>
+                    <a:uLnTx/>
+                    <a:uFillTx/>
+                    <a:latin typeface="Calibri"/>
+                    <a:ea typeface="+mn-ea"/>
+                    <a:cs typeface="+mn-cs"/>
+                  </a:rPr>
+                  <a:t>N</a:t>
+                </a:r>
+              </a:p>
+            </p:txBody>
+          </p:sp>
+          <p:sp>
+            <p:nvSpPr>
+              <p:cNvPr id="94" name="TextBox 93"/>
+              <p:cNvSpPr txBox="1"/>
+              <p:nvPr/>
+            </p:nvSpPr>
+            <p:spPr>
+              <a:xfrm>
+                <a:off x="3880723" y="246495"/>
+                <a:ext cx="475253" cy="307777"/>
+              </a:xfrm>
+              <a:prstGeom prst="rect">
+                <a:avLst/>
+              </a:prstGeom>
+              <a:noFill/>
+            </p:spPr>
+            <p:txBody>
+              <a:bodyPr wrap="square" rtlCol="0">
+                <a:spAutoFit/>
+              </a:bodyPr>
+              <a:lstStyle/>
+              <a:p>
+                <a:pPr marL="0" marR="0" lvl="0" indent="0" algn="l" defTabSz="914400" rtl="0" eaLnBrk="1" fontAlgn="auto" latinLnBrk="0" hangingPunct="1">
+                  <a:lnSpc>
+                    <a:spcPct val="100000"/>
+                  </a:lnSpc>
+                  <a:spcBef>
+                    <a:spcPts val="0"/>
+                  </a:spcBef>
+                  <a:spcAft>
+                    <a:spcPts val="0"/>
+                  </a:spcAft>
+                  <a:buClrTx/>
+                  <a:buSzTx/>
+                  <a:buFontTx/>
+                  <a:buNone/>
+                  <a:tabLst/>
+                  <a:defRPr/>
+                </a:pPr>
+                <a:r>
+                  <a:rPr kumimoji="0" lang="en-ZA" sz="1400" b="1" i="0" u="none" strike="noStrike" kern="1200" cap="none" spc="0" normalizeH="0" baseline="0" noProof="0" dirty="0">
+                    <a:ln>
+                      <a:noFill/>
+                    </a:ln>
+                    <a:solidFill>
+                      <a:srgbClr val="FFFF00"/>
+                    </a:solidFill>
+                    <a:effectLst/>
+                    <a:uLnTx/>
+                    <a:uFillTx/>
+                    <a:latin typeface="Calibri"/>
+                    <a:ea typeface="+mn-ea"/>
+                    <a:cs typeface="+mn-cs"/>
+                  </a:rPr>
+                  <a:t>Pp</a:t>
+                </a:r>
+              </a:p>
+            </p:txBody>
+          </p:sp>
+          <p:sp>
+            <p:nvSpPr>
+              <p:cNvPr id="95" name="TextBox 94"/>
+              <p:cNvSpPr txBox="1"/>
+              <p:nvPr/>
+            </p:nvSpPr>
+            <p:spPr>
+              <a:xfrm>
+                <a:off x="4234116" y="754039"/>
+                <a:ext cx="841940" cy="307777"/>
+              </a:xfrm>
+              <a:prstGeom prst="rect">
+                <a:avLst/>
+              </a:prstGeom>
+              <a:noFill/>
+            </p:spPr>
+            <p:txBody>
+              <a:bodyPr wrap="square" rtlCol="0">
+                <a:spAutoFit/>
+              </a:bodyPr>
+              <a:lstStyle/>
+              <a:p>
+                <a:pPr marL="0" marR="0" lvl="0" indent="0" algn="l" defTabSz="914400" rtl="0" eaLnBrk="1" fontAlgn="auto" latinLnBrk="0" hangingPunct="1">
+                  <a:lnSpc>
+                    <a:spcPct val="100000"/>
+                  </a:lnSpc>
+                  <a:spcBef>
+                    <a:spcPts val="0"/>
+                  </a:spcBef>
+                  <a:spcAft>
+                    <a:spcPts val="0"/>
+                  </a:spcAft>
+                  <a:buClrTx/>
+                  <a:buSzTx/>
+                  <a:buFontTx/>
+                  <a:buNone/>
+                  <a:tabLst/>
+                  <a:defRPr/>
+                </a:pPr>
+                <a:r>
+                  <a:rPr kumimoji="0" lang="en-ZA" sz="1400" b="1" i="0" u="none" strike="noStrike" kern="1200" cap="none" spc="0" normalizeH="0" baseline="0" noProof="0" dirty="0">
+                    <a:ln>
+                      <a:noFill/>
+                    </a:ln>
+                    <a:solidFill>
+                      <a:srgbClr val="FFFF00"/>
+                    </a:solidFill>
+                    <a:effectLst/>
+                    <a:uLnTx/>
+                    <a:uFillTx/>
+                    <a:latin typeface="Calibri"/>
+                    <a:ea typeface="+mn-ea"/>
+                    <a:cs typeface="+mn-cs"/>
+                  </a:rPr>
+                  <a:t>C-Pd</a:t>
+                </a:r>
+              </a:p>
+            </p:txBody>
+          </p:sp>
+          <p:sp>
+            <p:nvSpPr>
+              <p:cNvPr id="8" name="TextBox 7"/>
+              <p:cNvSpPr txBox="1"/>
+              <p:nvPr/>
+            </p:nvSpPr>
+            <p:spPr>
+              <a:xfrm>
+                <a:off x="191394" y="1046461"/>
+                <a:ext cx="1860326" cy="1569660"/>
+              </a:xfrm>
+              <a:prstGeom prst="rect">
+                <a:avLst/>
+              </a:prstGeom>
+              <a:noFill/>
+            </p:spPr>
+            <p:txBody>
+              <a:bodyPr wrap="square" rtlCol="0">
+                <a:spAutoFit/>
+              </a:bodyPr>
+              <a:lstStyle/>
+              <a:p>
+                <a:pPr marL="0" marR="0" lvl="0" indent="0" algn="ctr" defTabSz="914400" rtl="0" eaLnBrk="1" fontAlgn="auto" latinLnBrk="0" hangingPunct="1">
+                  <a:lnSpc>
+                    <a:spcPct val="100000"/>
+                  </a:lnSpc>
+                  <a:spcBef>
+                    <a:spcPts val="0"/>
+                  </a:spcBef>
+                  <a:spcAft>
+                    <a:spcPts val="0"/>
+                  </a:spcAft>
+                  <a:buClrTx/>
+                  <a:buSzTx/>
+                  <a:buFontTx/>
+                  <a:buNone/>
+                  <a:tabLst/>
+                  <a:defRPr/>
+                </a:pPr>
+                <a:r>
+                  <a:rPr kumimoji="0" lang="en-ZA" sz="2400" b="1" i="0" u="none" strike="noStrike" kern="1200" cap="none" spc="0" normalizeH="0" baseline="0" noProof="0" dirty="0">
+                    <a:ln>
+                      <a:noFill/>
+                    </a:ln>
+                    <a:solidFill>
+                      <a:prstClr val="white"/>
+                    </a:solidFill>
+                    <a:effectLst/>
+                    <a:uLnTx/>
+                    <a:uFillTx/>
+                    <a:latin typeface="Calibri"/>
+                    <a:ea typeface="+mn-ea"/>
+                    <a:cs typeface="+mn-cs"/>
+                  </a:rPr>
+                  <a:t>3320 Ladismith 1:250 000 Geology</a:t>
+                </a:r>
+              </a:p>
+            </p:txBody>
+          </p:sp>
+          <p:sp>
+            <p:nvSpPr>
+              <p:cNvPr id="31" name="Rectangle 30"/>
+              <p:cNvSpPr/>
+              <p:nvPr/>
+            </p:nvSpPr>
+            <p:spPr>
+              <a:xfrm>
+                <a:off x="30444" y="26190"/>
+                <a:ext cx="4910650" cy="6803236"/>
+              </a:xfrm>
+              <a:prstGeom prst="rect">
+                <a:avLst/>
+              </a:prstGeom>
+              <a:noFill/>
+              <a:ln w="6350">
+                <a:solidFill>
+                  <a:schemeClr val="tx1"/>
+                </a:solidFill>
+              </a:ln>
+            </p:spPr>
+            <p:style>
+              <a:lnRef idx="2">
+                <a:schemeClr val="accent1">
+                  <a:shade val="50000"/>
+                </a:schemeClr>
+              </a:lnRef>
+              <a:fillRef idx="1">
+                <a:schemeClr val="accent1"/>
+              </a:fillRef>
+              <a:effectRef idx="0">
+                <a:schemeClr val="accent1"/>
+              </a:effectRef>
+              <a:fontRef idx="minor">
+                <a:schemeClr val="lt1"/>
+              </a:fontRef>
+            </p:style>
+            <p:txBody>
+              <a:bodyPr rtlCol="0" anchor="ctr"/>
+              <a:lstStyle/>
+              <a:p>
+                <a:pPr marL="0" marR="0" lvl="0" indent="0" algn="ctr" defTabSz="914400" rtl="0" eaLnBrk="1" fontAlgn="auto" latinLnBrk="0" hangingPunct="1">
+                  <a:lnSpc>
+                    <a:spcPct val="100000"/>
+                  </a:lnSpc>
+                  <a:spcBef>
+                    <a:spcPts val="0"/>
+                  </a:spcBef>
+                  <a:spcAft>
+                    <a:spcPts val="0"/>
+                  </a:spcAft>
+                  <a:buClrTx/>
+                  <a:buSzTx/>
+                  <a:buFontTx/>
+                  <a:buNone/>
+                  <a:tabLst/>
+                  <a:defRPr/>
+                </a:pPr>
+                <a:endParaRPr kumimoji="0" lang="en-ZA" sz="1800" b="0" i="0" u="none" strike="noStrike" kern="1200" cap="none" spc="0" normalizeH="0" baseline="0" noProof="0">
                   <a:ln>
                     <a:noFill/>
                   </a:ln>
@@ -8199,133 +8296,511 @@
                   <a:latin typeface="Calibri"/>
                   <a:ea typeface="+mn-ea"/>
                   <a:cs typeface="+mn-cs"/>
-                </a:rPr>
-                <a:t>3320 Ladismith 1:250 000 Geology</a:t>
-              </a:r>
-            </a:p>
-          </p:txBody>
-        </p:sp>
-        <p:sp>
-          <p:nvSpPr>
-            <p:cNvPr id="31" name="Rectangle 30"/>
-            <p:cNvSpPr/>
-            <p:nvPr/>
-          </p:nvSpPr>
-          <p:spPr>
-            <a:xfrm>
-              <a:off x="30444" y="26190"/>
-              <a:ext cx="4910650" cy="6803236"/>
-            </a:xfrm>
-            <a:prstGeom prst="rect">
-              <a:avLst/>
-            </a:prstGeom>
-            <a:noFill/>
-            <a:ln w="6350">
+                </a:endParaRPr>
+              </a:p>
+            </p:txBody>
+          </p:sp>
+          <p:sp>
+            <p:nvSpPr>
+              <p:cNvPr id="2054" name="TextBox 2053"/>
+              <p:cNvSpPr txBox="1"/>
+              <p:nvPr/>
+            </p:nvSpPr>
+            <p:spPr>
+              <a:xfrm rot="16020000">
+                <a:off x="2974539" y="-81111"/>
+                <a:ext cx="432048" cy="523220"/>
+              </a:xfrm>
+              <a:prstGeom prst="rect">
+                <a:avLst/>
+              </a:prstGeom>
+              <a:noFill/>
+            </p:spPr>
+            <p:txBody>
+              <a:bodyPr wrap="square" rtlCol="0">
+                <a:spAutoFit/>
+              </a:bodyPr>
+              <a:lstStyle/>
+              <a:p>
+                <a:pPr marL="0" marR="0" lvl="0" indent="0" algn="l" defTabSz="914400" rtl="0" eaLnBrk="1" fontAlgn="auto" latinLnBrk="0" hangingPunct="1">
+                  <a:lnSpc>
+                    <a:spcPct val="100000"/>
+                  </a:lnSpc>
+                  <a:spcBef>
+                    <a:spcPts val="0"/>
+                  </a:spcBef>
+                  <a:spcAft>
+                    <a:spcPts val="0"/>
+                  </a:spcAft>
+                  <a:buClrTx/>
+                  <a:buSzTx/>
+                  <a:buFontTx/>
+                  <a:buNone/>
+                  <a:tabLst/>
+                  <a:defRPr/>
+                </a:pPr>
+                <a:r>
+                  <a:rPr kumimoji="0" lang="en-ZA" sz="2800" b="1" i="0" u="none" strike="noStrike" kern="1200" cap="none" spc="0" normalizeH="0" baseline="0" noProof="0" dirty="0">
+                    <a:ln>
+                      <a:noFill/>
+                    </a:ln>
+                    <a:solidFill>
+                      <a:prstClr val="black"/>
+                    </a:solidFill>
+                    <a:effectLst/>
+                    <a:uLnTx/>
+                    <a:uFillTx/>
+                    <a:latin typeface="Calibri"/>
+                    <a:ea typeface="+mn-ea"/>
+                    <a:cs typeface="+mn-cs"/>
+                  </a:rPr>
+                  <a:t>Q</a:t>
+                </a:r>
+              </a:p>
+            </p:txBody>
+          </p:sp>
+          <p:sp>
+            <p:nvSpPr>
+              <p:cNvPr id="108" name="TextBox 107"/>
+              <p:cNvSpPr txBox="1"/>
+              <p:nvPr/>
+            </p:nvSpPr>
+            <p:spPr>
+              <a:xfrm rot="15900000">
+                <a:off x="3407385" y="6386183"/>
+                <a:ext cx="432048" cy="523220"/>
+              </a:xfrm>
+              <a:prstGeom prst="rect">
+                <a:avLst/>
+              </a:prstGeom>
+              <a:noFill/>
+            </p:spPr>
+            <p:txBody>
+              <a:bodyPr wrap="square" rtlCol="0">
+                <a:spAutoFit/>
+              </a:bodyPr>
+              <a:lstStyle/>
+              <a:p>
+                <a:pPr marL="0" marR="0" lvl="0" indent="0" algn="l" defTabSz="914400" rtl="0" eaLnBrk="1" fontAlgn="auto" latinLnBrk="0" hangingPunct="1">
+                  <a:lnSpc>
+                    <a:spcPct val="100000"/>
+                  </a:lnSpc>
+                  <a:spcBef>
+                    <a:spcPts val="0"/>
+                  </a:spcBef>
+                  <a:spcAft>
+                    <a:spcPts val="0"/>
+                  </a:spcAft>
+                  <a:buClrTx/>
+                  <a:buSzTx/>
+                  <a:buFontTx/>
+                  <a:buNone/>
+                  <a:tabLst/>
+                  <a:defRPr/>
+                </a:pPr>
+                <a:r>
+                  <a:rPr kumimoji="0" lang="en-ZA" sz="2800" b="1" i="0" u="none" strike="noStrike" kern="1200" cap="none" spc="0" normalizeH="0" baseline="0" noProof="0" dirty="0">
+                    <a:ln>
+                      <a:noFill/>
+                    </a:ln>
+                    <a:solidFill>
+                      <a:prstClr val="black"/>
+                    </a:solidFill>
+                    <a:effectLst/>
+                    <a:uLnTx/>
+                    <a:uFillTx/>
+                    <a:latin typeface="Calibri"/>
+                    <a:ea typeface="+mn-ea"/>
+                    <a:cs typeface="+mn-cs"/>
+                  </a:rPr>
+                  <a:t>R</a:t>
+                </a:r>
+              </a:p>
+            </p:txBody>
+          </p:sp>
+          <p:pic>
+            <p:nvPicPr>
+              <p:cNvPr id="3074" name="Picture 2" descr="C:\My Documents\Canon scans\IMG_20170224_0002.png"/>
+              <p:cNvPicPr>
+                <a:picLocks noChangeAspect="1" noChangeArrowheads="1"/>
+              </p:cNvPicPr>
+              <p:nvPr/>
+            </p:nvPicPr>
+            <p:blipFill rotWithShape="1">
+              <a:blip r:embed="rId5" cstate="print">
+                <a:extLst>
+                  <a:ext uri="{28A0092B-C50C-407E-A947-70E740481C1C}">
+                    <a14:useLocalDpi xmlns:a14="http://schemas.microsoft.com/office/drawing/2010/main" val="0"/>
+                  </a:ext>
+                </a:extLst>
+              </a:blip>
+              <a:srcRect l="3984" t="6951" r="4937" b="53892"/>
+              <a:stretch/>
+            </p:blipFill>
+            <p:spPr bwMode="auto">
+              <a:xfrm rot="5400000">
+                <a:off x="3630720" y="1374324"/>
+                <a:ext cx="6895340" cy="4148683"/>
+              </a:xfrm>
+              <a:prstGeom prst="rect">
+                <a:avLst/>
+              </a:prstGeom>
+              <a:noFill/>
+              <a:extLst>
+                <a:ext uri="{909E8E84-426E-40DD-AFC4-6F175D3DCCD1}">
+                  <a14:hiddenFill xmlns:a14="http://schemas.microsoft.com/office/drawing/2010/main">
+                    <a:solidFill>
+                      <a:srgbClr val="FFFFFF"/>
+                    </a:solidFill>
+                  </a14:hiddenFill>
+                </a:ext>
+              </a:extLst>
+            </p:spPr>
+          </p:pic>
+          <p:sp>
+            <p:nvSpPr>
+              <p:cNvPr id="2" name="TextBox 1"/>
+              <p:cNvSpPr txBox="1"/>
+              <p:nvPr/>
+            </p:nvSpPr>
+            <p:spPr>
+              <a:xfrm>
+                <a:off x="5868144" y="1480024"/>
+                <a:ext cx="576064" cy="369332"/>
+              </a:xfrm>
+              <a:prstGeom prst="rect">
+                <a:avLst/>
+              </a:prstGeom>
+              <a:noFill/>
+            </p:spPr>
+            <p:txBody>
+              <a:bodyPr wrap="square" rtlCol="0">
+                <a:spAutoFit/>
+              </a:bodyPr>
+              <a:lstStyle/>
+              <a:p>
+                <a:pPr marL="0" marR="0" lvl="0" indent="0" algn="l" defTabSz="914400" rtl="0" eaLnBrk="1" fontAlgn="auto" latinLnBrk="0" hangingPunct="1">
+                  <a:lnSpc>
+                    <a:spcPct val="100000"/>
+                  </a:lnSpc>
+                  <a:spcBef>
+                    <a:spcPts val="0"/>
+                  </a:spcBef>
+                  <a:spcAft>
+                    <a:spcPts val="0"/>
+                  </a:spcAft>
+                  <a:buClrTx/>
+                  <a:buSzTx/>
+                  <a:buFontTx/>
+                  <a:buNone/>
+                  <a:tabLst/>
+                  <a:defRPr/>
+                </a:pPr>
+                <a:r>
+                  <a:rPr kumimoji="0" lang="en-ZA" sz="1800" b="0" i="0" u="none" strike="noStrike" kern="1200" cap="none" spc="0" normalizeH="0" baseline="0" noProof="0" dirty="0">
+                    <a:ln>
+                      <a:noFill/>
+                    </a:ln>
+                    <a:solidFill>
+                      <a:prstClr val="black"/>
+                    </a:solidFill>
+                    <a:effectLst/>
+                    <a:uLnTx/>
+                    <a:uFillTx/>
+                    <a:latin typeface="Calibri"/>
+                    <a:ea typeface="+mn-ea"/>
+                    <a:cs typeface="+mn-cs"/>
+                  </a:rPr>
+                  <a:t>Q</a:t>
+                </a:r>
+              </a:p>
+            </p:txBody>
+          </p:sp>
+          <p:sp>
+            <p:nvSpPr>
+              <p:cNvPr id="58" name="TextBox 57"/>
+              <p:cNvSpPr txBox="1"/>
+              <p:nvPr/>
+            </p:nvSpPr>
+            <p:spPr>
+              <a:xfrm rot="16200000">
+                <a:off x="5462518" y="143054"/>
+                <a:ext cx="432048" cy="523220"/>
+              </a:xfrm>
+              <a:prstGeom prst="rect">
+                <a:avLst/>
+              </a:prstGeom>
               <a:solidFill>
-                <a:schemeClr val="tx1"/>
+                <a:schemeClr val="bg1"/>
               </a:solidFill>
-            </a:ln>
-          </p:spPr>
-          <p:style>
-            <a:lnRef idx="2">
-              <a:schemeClr val="accent1">
-                <a:shade val="50000"/>
-              </a:schemeClr>
-            </a:lnRef>
-            <a:fillRef idx="1">
-              <a:schemeClr val="accent1"/>
-            </a:fillRef>
-            <a:effectRef idx="0">
-              <a:schemeClr val="accent1"/>
-            </a:effectRef>
-            <a:fontRef idx="minor">
-              <a:schemeClr val="lt1"/>
-            </a:fontRef>
-          </p:style>
-          <p:txBody>
-            <a:bodyPr rtlCol="0" anchor="ctr"/>
-            <a:lstStyle/>
-            <a:p>
-              <a:pPr marL="0" marR="0" lvl="0" indent="0" algn="ctr" defTabSz="914400" rtl="0" eaLnBrk="1" fontAlgn="auto" latinLnBrk="0" hangingPunct="1">
-                <a:lnSpc>
-                  <a:spcPct val="100000"/>
-                </a:lnSpc>
-                <a:spcBef>
-                  <a:spcPts val="0"/>
-                </a:spcBef>
-                <a:spcAft>
-                  <a:spcPts val="0"/>
-                </a:spcAft>
-                <a:buClrTx/>
-                <a:buSzTx/>
-                <a:buFontTx/>
-                <a:buNone/>
-                <a:tabLst/>
-                <a:defRPr/>
-              </a:pPr>
-              <a:endParaRPr kumimoji="0" lang="en-ZA" sz="1800" b="0" i="0" u="none" strike="noStrike" kern="1200" cap="none" spc="0" normalizeH="0" baseline="0" noProof="0">
-                <a:ln>
-                  <a:noFill/>
-                </a:ln>
+            </p:spPr>
+            <p:txBody>
+              <a:bodyPr wrap="square" rtlCol="0">
+                <a:spAutoFit/>
+              </a:bodyPr>
+              <a:lstStyle/>
+              <a:p>
+                <a:pPr marL="0" marR="0" lvl="0" indent="0" algn="l" defTabSz="914400" rtl="0" eaLnBrk="1" fontAlgn="auto" latinLnBrk="0" hangingPunct="1">
+                  <a:lnSpc>
+                    <a:spcPct val="100000"/>
+                  </a:lnSpc>
+                  <a:spcBef>
+                    <a:spcPts val="0"/>
+                  </a:spcBef>
+                  <a:spcAft>
+                    <a:spcPts val="0"/>
+                  </a:spcAft>
+                  <a:buClrTx/>
+                  <a:buSzTx/>
+                  <a:buFontTx/>
+                  <a:buNone/>
+                  <a:tabLst/>
+                  <a:defRPr/>
+                </a:pPr>
+                <a:r>
+                  <a:rPr kumimoji="0" lang="en-ZA" sz="2800" b="1" i="0" u="none" strike="noStrike" kern="1200" cap="none" spc="0" normalizeH="0" baseline="0" noProof="0" dirty="0">
+                    <a:ln>
+                      <a:noFill/>
+                    </a:ln>
+                    <a:solidFill>
+                      <a:prstClr val="black"/>
+                    </a:solidFill>
+                    <a:effectLst/>
+                    <a:uLnTx/>
+                    <a:uFillTx/>
+                    <a:latin typeface="Calibri"/>
+                    <a:ea typeface="+mn-ea"/>
+                    <a:cs typeface="+mn-cs"/>
+                  </a:rPr>
+                  <a:t>Q</a:t>
+                </a:r>
+              </a:p>
+            </p:txBody>
+          </p:sp>
+          <p:sp>
+            <p:nvSpPr>
+              <p:cNvPr id="60" name="TextBox 59"/>
+              <p:cNvSpPr txBox="1"/>
+              <p:nvPr/>
+            </p:nvSpPr>
+            <p:spPr>
+              <a:xfrm rot="16200000">
+                <a:off x="5521023" y="6362704"/>
+                <a:ext cx="392771" cy="393104"/>
+              </a:xfrm>
+              <a:prstGeom prst="rect">
+                <a:avLst/>
+              </a:prstGeom>
+              <a:solidFill>
+                <a:schemeClr val="bg1"/>
+              </a:solidFill>
+            </p:spPr>
+            <p:txBody>
+              <a:bodyPr wrap="square" rtlCol="0">
+                <a:spAutoFit/>
+              </a:bodyPr>
+              <a:lstStyle/>
+              <a:p>
+                <a:pPr marL="0" marR="0" lvl="0" indent="0" algn="l" defTabSz="914400" rtl="0" eaLnBrk="1" fontAlgn="auto" latinLnBrk="0" hangingPunct="1">
+                  <a:lnSpc>
+                    <a:spcPct val="100000"/>
+                  </a:lnSpc>
+                  <a:spcBef>
+                    <a:spcPts val="0"/>
+                  </a:spcBef>
+                  <a:spcAft>
+                    <a:spcPts val="0"/>
+                  </a:spcAft>
+                  <a:buClrTx/>
+                  <a:buSzTx/>
+                  <a:buFontTx/>
+                  <a:buNone/>
+                  <a:tabLst/>
+                  <a:defRPr/>
+                </a:pPr>
+                <a:r>
+                  <a:rPr kumimoji="0" lang="en-ZA" sz="2800" b="1" i="0" u="none" strike="noStrike" kern="1200" cap="none" spc="0" normalizeH="0" baseline="0" noProof="0" dirty="0">
+                    <a:ln>
+                      <a:noFill/>
+                    </a:ln>
+                    <a:solidFill>
+                      <a:prstClr val="black"/>
+                    </a:solidFill>
+                    <a:effectLst/>
+                    <a:uLnTx/>
+                    <a:uFillTx/>
+                    <a:latin typeface="Calibri"/>
+                    <a:ea typeface="+mn-ea"/>
+                    <a:cs typeface="+mn-cs"/>
+                  </a:rPr>
+                  <a:t>R</a:t>
+                </a:r>
+              </a:p>
+            </p:txBody>
+          </p:sp>
+          <p:sp>
+            <p:nvSpPr>
+              <p:cNvPr id="4" name="Freeform 3"/>
+              <p:cNvSpPr/>
+              <p:nvPr/>
+            </p:nvSpPr>
+            <p:spPr>
+              <a:xfrm>
+                <a:off x="5648090" y="6204410"/>
+                <a:ext cx="464579" cy="622634"/>
+              </a:xfrm>
+              <a:custGeom>
+                <a:avLst/>
+                <a:gdLst>
+                  <a:gd name="connsiteX0" fmla="*/ 464579 w 464579"/>
+                  <a:gd name="connsiteY0" fmla="*/ 115428 h 622634"/>
+                  <a:gd name="connsiteX1" fmla="*/ 369329 w 464579"/>
+                  <a:gd name="connsiteY1" fmla="*/ 63040 h 622634"/>
+                  <a:gd name="connsiteX2" fmla="*/ 245504 w 464579"/>
+                  <a:gd name="connsiteY2" fmla="*/ 13034 h 622634"/>
+                  <a:gd name="connsiteX3" fmla="*/ 100248 w 464579"/>
+                  <a:gd name="connsiteY3" fmla="*/ 1128 h 622634"/>
+                  <a:gd name="connsiteX4" fmla="*/ 21666 w 464579"/>
+                  <a:gd name="connsiteY4" fmla="*/ 34465 h 622634"/>
+                  <a:gd name="connsiteX5" fmla="*/ 235 w 464579"/>
+                  <a:gd name="connsiteY5" fmla="*/ 127334 h 622634"/>
+                  <a:gd name="connsiteX6" fmla="*/ 31191 w 464579"/>
+                  <a:gd name="connsiteY6" fmla="*/ 255921 h 622634"/>
+                  <a:gd name="connsiteX7" fmla="*/ 140729 w 464579"/>
+                  <a:gd name="connsiteY7" fmla="*/ 484521 h 622634"/>
+                  <a:gd name="connsiteX8" fmla="*/ 197879 w 464579"/>
+                  <a:gd name="connsiteY8" fmla="*/ 622634 h 622634"/>
+                </a:gdLst>
+                <a:ahLst/>
+                <a:cxnLst>
+                  <a:cxn ang="0">
+                    <a:pos x="connsiteX0" y="connsiteY0"/>
+                  </a:cxn>
+                  <a:cxn ang="0">
+                    <a:pos x="connsiteX1" y="connsiteY1"/>
+                  </a:cxn>
+                  <a:cxn ang="0">
+                    <a:pos x="connsiteX2" y="connsiteY2"/>
+                  </a:cxn>
+                  <a:cxn ang="0">
+                    <a:pos x="connsiteX3" y="connsiteY3"/>
+                  </a:cxn>
+                  <a:cxn ang="0">
+                    <a:pos x="connsiteX4" y="connsiteY4"/>
+                  </a:cxn>
+                  <a:cxn ang="0">
+                    <a:pos x="connsiteX5" y="connsiteY5"/>
+                  </a:cxn>
+                  <a:cxn ang="0">
+                    <a:pos x="connsiteX6" y="connsiteY6"/>
+                  </a:cxn>
+                  <a:cxn ang="0">
+                    <a:pos x="connsiteX7" y="connsiteY7"/>
+                  </a:cxn>
+                  <a:cxn ang="0">
+                    <a:pos x="connsiteX8" y="connsiteY8"/>
+                  </a:cxn>
+                </a:cxnLst>
+                <a:rect l="l" t="t" r="r" b="b"/>
+                <a:pathLst>
+                  <a:path w="464579" h="622634">
+                    <a:moveTo>
+                      <a:pt x="464579" y="115428"/>
+                    </a:moveTo>
+                    <a:cubicBezTo>
+                      <a:pt x="435210" y="97767"/>
+                      <a:pt x="405841" y="80106"/>
+                      <a:pt x="369329" y="63040"/>
+                    </a:cubicBezTo>
+                    <a:cubicBezTo>
+                      <a:pt x="332817" y="45974"/>
+                      <a:pt x="290351" y="23353"/>
+                      <a:pt x="245504" y="13034"/>
+                    </a:cubicBezTo>
+                    <a:cubicBezTo>
+                      <a:pt x="200657" y="2715"/>
+                      <a:pt x="137554" y="-2444"/>
+                      <a:pt x="100248" y="1128"/>
+                    </a:cubicBezTo>
+                    <a:cubicBezTo>
+                      <a:pt x="62942" y="4700"/>
+                      <a:pt x="38335" y="13431"/>
+                      <a:pt x="21666" y="34465"/>
+                    </a:cubicBezTo>
+                    <a:cubicBezTo>
+                      <a:pt x="4997" y="55499"/>
+                      <a:pt x="-1352" y="90425"/>
+                      <a:pt x="235" y="127334"/>
+                    </a:cubicBezTo>
+                    <a:cubicBezTo>
+                      <a:pt x="1822" y="164243"/>
+                      <a:pt x="7775" y="196390"/>
+                      <a:pt x="31191" y="255921"/>
+                    </a:cubicBezTo>
+                    <a:cubicBezTo>
+                      <a:pt x="54607" y="315452"/>
+                      <a:pt x="112948" y="423402"/>
+                      <a:pt x="140729" y="484521"/>
+                    </a:cubicBezTo>
+                    <a:cubicBezTo>
+                      <a:pt x="168510" y="545640"/>
+                      <a:pt x="197879" y="622634"/>
+                      <a:pt x="197879" y="622634"/>
+                    </a:cubicBezTo>
+                  </a:path>
+                </a:pathLst>
+              </a:custGeom>
+              <a:noFill/>
+              <a:ln w="12700">
                 <a:solidFill>
-                  <a:prstClr val="white"/>
+                  <a:schemeClr val="tx1"/>
                 </a:solidFill>
-                <a:effectLst/>
-                <a:uLnTx/>
-                <a:uFillTx/>
-                <a:latin typeface="Calibri"/>
-                <a:ea typeface="+mn-ea"/>
-                <a:cs typeface="+mn-cs"/>
-              </a:endParaRPr>
-            </a:p>
-          </p:txBody>
-        </p:sp>
-        <p:sp>
-          <p:nvSpPr>
-            <p:cNvPr id="2054" name="TextBox 2053"/>
-            <p:cNvSpPr txBox="1"/>
-            <p:nvPr/>
-          </p:nvSpPr>
-          <p:spPr>
-            <a:xfrm rot="16020000">
-              <a:off x="2974539" y="-81111"/>
-              <a:ext cx="432048" cy="523220"/>
-            </a:xfrm>
-            <a:prstGeom prst="rect">
-              <a:avLst/>
-            </a:prstGeom>
-            <a:noFill/>
-          </p:spPr>
-          <p:txBody>
-            <a:bodyPr wrap="square" rtlCol="0">
-              <a:spAutoFit/>
-            </a:bodyPr>
-            <a:lstStyle/>
-            <a:p>
-              <a:pPr marL="0" marR="0" lvl="0" indent="0" algn="l" defTabSz="914400" rtl="0" eaLnBrk="1" fontAlgn="auto" latinLnBrk="0" hangingPunct="1">
-                <a:lnSpc>
-                  <a:spcPct val="100000"/>
-                </a:lnSpc>
-                <a:spcBef>
-                  <a:spcPts val="0"/>
-                </a:spcBef>
-                <a:spcAft>
-                  <a:spcPts val="0"/>
-                </a:spcAft>
-                <a:buClrTx/>
-                <a:buSzTx/>
-                <a:buFontTx/>
-                <a:buNone/>
-                <a:tabLst/>
-                <a:defRPr/>
-              </a:pPr>
-              <a:r>
-                <a:rPr kumimoji="0" lang="en-ZA" sz="2800" b="1" i="0" u="none" strike="noStrike" kern="1200" cap="none" spc="0" normalizeH="0" baseline="0" noProof="0" dirty="0">
+                <a:prstDash val="lgDash"/>
+              </a:ln>
+            </p:spPr>
+            <p:style>
+              <a:lnRef idx="2">
+                <a:schemeClr val="accent1">
+                  <a:shade val="50000"/>
+                </a:schemeClr>
+              </a:lnRef>
+              <a:fillRef idx="1">
+                <a:schemeClr val="accent1"/>
+              </a:fillRef>
+              <a:effectRef idx="0">
+                <a:schemeClr val="accent1"/>
+              </a:effectRef>
+              <a:fontRef idx="minor">
+                <a:schemeClr val="lt1"/>
+              </a:fontRef>
+            </p:style>
+            <p:txBody>
+              <a:bodyPr rtlCol="0" anchor="ctr"/>
+              <a:lstStyle/>
+              <a:p>
+                <a:pPr marL="0" marR="0" lvl="0" indent="0" algn="ctr" defTabSz="914400" rtl="0" eaLnBrk="1" fontAlgn="auto" latinLnBrk="0" hangingPunct="1">
+                  <a:lnSpc>
+                    <a:spcPct val="100000"/>
+                  </a:lnSpc>
+                  <a:spcBef>
+                    <a:spcPts val="0"/>
+                  </a:spcBef>
+                  <a:spcAft>
+                    <a:spcPts val="0"/>
+                  </a:spcAft>
+                  <a:buClrTx/>
+                  <a:buSzTx/>
+                  <a:buFontTx/>
+                  <a:buNone/>
+                  <a:tabLst/>
+                  <a:defRPr/>
+                </a:pPr>
+                <a:endParaRPr kumimoji="0" lang="en-ZA" sz="1800" b="0" i="0" u="none" strike="noStrike" kern="1200" cap="none" spc="0" normalizeH="0" baseline="0" noProof="0">
                   <a:ln>
                     <a:noFill/>
                   </a:ln>
                   <a:solidFill>
-                    <a:prstClr val="black"/>
+                    <a:prstClr val="white"/>
                   </a:solidFill>
                   <a:effectLst/>
                   <a:uLnTx/>
@@ -8333,179 +8808,27 @@
                   <a:latin typeface="Calibri"/>
                   <a:ea typeface="+mn-ea"/>
                   <a:cs typeface="+mn-cs"/>
-                </a:rPr>
-                <a:t>Q</a:t>
-              </a:r>
-            </a:p>
-          </p:txBody>
-        </p:sp>
+                </a:endParaRPr>
+              </a:p>
+            </p:txBody>
+          </p:sp>
+        </p:grpSp>
         <p:sp>
           <p:nvSpPr>
-            <p:cNvPr id="108" name="TextBox 107"/>
-            <p:cNvSpPr txBox="1"/>
-            <p:nvPr/>
-          </p:nvSpPr>
-          <p:spPr>
-            <a:xfrm rot="15900000">
-              <a:off x="3407385" y="6386183"/>
-              <a:ext cx="432048" cy="523220"/>
-            </a:xfrm>
-            <a:prstGeom prst="rect">
-              <a:avLst/>
-            </a:prstGeom>
-            <a:noFill/>
-          </p:spPr>
-          <p:txBody>
-            <a:bodyPr wrap="square" rtlCol="0">
-              <a:spAutoFit/>
-            </a:bodyPr>
-            <a:lstStyle/>
-            <a:p>
-              <a:pPr marL="0" marR="0" lvl="0" indent="0" algn="l" defTabSz="914400" rtl="0" eaLnBrk="1" fontAlgn="auto" latinLnBrk="0" hangingPunct="1">
-                <a:lnSpc>
-                  <a:spcPct val="100000"/>
-                </a:lnSpc>
-                <a:spcBef>
-                  <a:spcPts val="0"/>
-                </a:spcBef>
-                <a:spcAft>
-                  <a:spcPts val="0"/>
-                </a:spcAft>
-                <a:buClrTx/>
-                <a:buSzTx/>
-                <a:buFontTx/>
-                <a:buNone/>
-                <a:tabLst/>
-                <a:defRPr/>
-              </a:pPr>
-              <a:r>
-                <a:rPr kumimoji="0" lang="en-ZA" sz="2800" b="1" i="0" u="none" strike="noStrike" kern="1200" cap="none" spc="0" normalizeH="0" baseline="0" noProof="0" dirty="0">
-                  <a:ln>
-                    <a:noFill/>
-                  </a:ln>
-                  <a:solidFill>
-                    <a:prstClr val="black"/>
-                  </a:solidFill>
-                  <a:effectLst/>
-                  <a:uLnTx/>
-                  <a:uFillTx/>
-                  <a:latin typeface="Calibri"/>
-                  <a:ea typeface="+mn-ea"/>
-                  <a:cs typeface="+mn-cs"/>
-                </a:rPr>
-                <a:t>R</a:t>
-              </a:r>
-            </a:p>
-          </p:txBody>
-        </p:sp>
-        <p:pic>
-          <p:nvPicPr>
-            <p:cNvPr id="3074" name="Picture 2" descr="C:\My Documents\Canon scans\IMG_20170224_0002.png"/>
-            <p:cNvPicPr>
-              <a:picLocks noChangeAspect="1" noChangeArrowheads="1"/>
-            </p:cNvPicPr>
-            <p:nvPr/>
-          </p:nvPicPr>
-          <p:blipFill rotWithShape="1">
-            <a:blip r:embed="rId5" cstate="print">
+            <p:cNvPr id="3" name="TextBox 2">
               <a:extLst>
-                <a:ext uri="{28A0092B-C50C-407E-A947-70E740481C1C}">
-                  <a14:useLocalDpi xmlns:a14="http://schemas.microsoft.com/office/drawing/2010/main" val="0"/>
+                <a:ext uri="{FF2B5EF4-FFF2-40B4-BE49-F238E27FC236}">
+                  <a16:creationId xmlns:a16="http://schemas.microsoft.com/office/drawing/2014/main" id="{4E2E76FF-DE04-4DDB-90F5-94C1D224DAB3}"/>
                 </a:ext>
               </a:extLst>
-            </a:blip>
-            <a:srcRect l="3984" t="6951" r="4937" b="53892"/>
-            <a:stretch/>
-          </p:blipFill>
-          <p:spPr bwMode="auto">
-            <a:xfrm rot="5400000">
-              <a:off x="3630720" y="1374324"/>
-              <a:ext cx="6895340" cy="4148683"/>
-            </a:xfrm>
-            <a:prstGeom prst="rect">
-              <a:avLst/>
-            </a:prstGeom>
-            <a:noFill/>
-            <a:extLst>
-              <a:ext uri="{909E8E84-426E-40DD-AFC4-6F175D3DCCD1}">
-                <a14:hiddenFill xmlns:a14="http://schemas.microsoft.com/office/drawing/2010/main">
-                  <a:solidFill>
-                    <a:srgbClr val="FFFFFF"/>
-                  </a:solidFill>
-                </a14:hiddenFill>
-              </a:ext>
-            </a:extLst>
-          </p:spPr>
-        </p:pic>
-        <p:sp>
-          <p:nvSpPr>
-            <p:cNvPr id="2" name="TextBox 1"/>
-            <p:cNvSpPr txBox="1"/>
-            <p:nvPr/>
-          </p:nvSpPr>
-          <p:spPr>
-            <a:xfrm>
-              <a:off x="5868144" y="1480024"/>
-              <a:ext cx="576064" cy="369332"/>
-            </a:xfrm>
-            <a:prstGeom prst="rect">
-              <a:avLst/>
-            </a:prstGeom>
-            <a:noFill/>
-          </p:spPr>
-          <p:txBody>
-            <a:bodyPr wrap="square" rtlCol="0">
-              <a:spAutoFit/>
-            </a:bodyPr>
-            <a:lstStyle/>
-            <a:p>
-              <a:pPr marL="0" marR="0" lvl="0" indent="0" algn="l" defTabSz="914400" rtl="0" eaLnBrk="1" fontAlgn="auto" latinLnBrk="0" hangingPunct="1">
-                <a:lnSpc>
-                  <a:spcPct val="100000"/>
-                </a:lnSpc>
-                <a:spcBef>
-                  <a:spcPts val="0"/>
-                </a:spcBef>
-                <a:spcAft>
-                  <a:spcPts val="0"/>
-                </a:spcAft>
-                <a:buClrTx/>
-                <a:buSzTx/>
-                <a:buFontTx/>
-                <a:buNone/>
-                <a:tabLst/>
-                <a:defRPr/>
-              </a:pPr>
-              <a:r>
-                <a:rPr kumimoji="0" lang="en-ZA" sz="1800" b="0" i="0" u="none" strike="noStrike" kern="1200" cap="none" spc="0" normalizeH="0" baseline="0" noProof="0" dirty="0">
-                  <a:ln>
-                    <a:noFill/>
-                  </a:ln>
-                  <a:solidFill>
-                    <a:prstClr val="black"/>
-                  </a:solidFill>
-                  <a:effectLst/>
-                  <a:uLnTx/>
-                  <a:uFillTx/>
-                  <a:latin typeface="Calibri"/>
-                  <a:ea typeface="+mn-ea"/>
-                  <a:cs typeface="+mn-cs"/>
-                </a:rPr>
-                <a:t>Q</a:t>
-              </a:r>
-            </a:p>
-          </p:txBody>
-        </p:sp>
-        <p:sp>
-          <p:nvSpPr>
-            <p:cNvPr id="58" name="TextBox 57"/>
+            </p:cNvPr>
             <p:cNvSpPr txBox="1"/>
             <p:nvPr/>
           </p:nvSpPr>
           <p:spPr>
             <a:xfrm rot="16200000">
-              <a:off x="5462518" y="143054"/>
-              <a:ext cx="432048" cy="523220"/>
+              <a:off x="2376018" y="3122100"/>
+              <a:ext cx="5888414" cy="461665"/>
             </a:xfrm>
             <a:prstGeom prst="rect">
               <a:avLst/>
@@ -8520,275 +8843,11 @@
             </a:bodyPr>
             <a:lstStyle/>
             <a:p>
-              <a:pPr marL="0" marR="0" lvl="0" indent="0" algn="l" defTabSz="914400" rtl="0" eaLnBrk="1" fontAlgn="auto" latinLnBrk="0" hangingPunct="1">
-                <a:lnSpc>
-                  <a:spcPct val="100000"/>
-                </a:lnSpc>
-                <a:spcBef>
-                  <a:spcPts val="0"/>
-                </a:spcBef>
-                <a:spcAft>
-                  <a:spcPts val="0"/>
-                </a:spcAft>
-                <a:buClrTx/>
-                <a:buSzTx/>
-                <a:buFontTx/>
-                <a:buNone/>
-                <a:tabLst/>
-                <a:defRPr/>
-              </a:pPr>
+              <a:pPr algn="ctr"/>
               <a:r>
-                <a:rPr kumimoji="0" lang="en-ZA" sz="2800" b="1" i="0" u="none" strike="noStrike" kern="1200" cap="none" spc="0" normalizeH="0" baseline="0" noProof="0" dirty="0">
-                  <a:ln>
-                    <a:noFill/>
-                  </a:ln>
-                  <a:solidFill>
-                    <a:prstClr val="black"/>
-                  </a:solidFill>
-                  <a:effectLst/>
-                  <a:uLnTx/>
-                  <a:uFillTx/>
-                  <a:latin typeface="Calibri"/>
-                  <a:ea typeface="+mn-ea"/>
-                  <a:cs typeface="+mn-cs"/>
-                </a:rPr>
-                <a:t>Q</a:t>
+                <a:rPr lang="en-ZA" sz="2400" b="1" dirty="0"/>
+                <a:t>Schematic Geologic Cross Section R-Q</a:t>
               </a:r>
-            </a:p>
-          </p:txBody>
-        </p:sp>
-        <p:sp>
-          <p:nvSpPr>
-            <p:cNvPr id="60" name="TextBox 59"/>
-            <p:cNvSpPr txBox="1"/>
-            <p:nvPr/>
-          </p:nvSpPr>
-          <p:spPr>
-            <a:xfrm rot="16200000">
-              <a:off x="5521023" y="6362704"/>
-              <a:ext cx="392771" cy="393104"/>
-            </a:xfrm>
-            <a:prstGeom prst="rect">
-              <a:avLst/>
-            </a:prstGeom>
-            <a:solidFill>
-              <a:schemeClr val="bg1"/>
-            </a:solidFill>
-          </p:spPr>
-          <p:txBody>
-            <a:bodyPr wrap="square" rtlCol="0">
-              <a:spAutoFit/>
-            </a:bodyPr>
-            <a:lstStyle/>
-            <a:p>
-              <a:pPr marL="0" marR="0" lvl="0" indent="0" algn="l" defTabSz="914400" rtl="0" eaLnBrk="1" fontAlgn="auto" latinLnBrk="0" hangingPunct="1">
-                <a:lnSpc>
-                  <a:spcPct val="100000"/>
-                </a:lnSpc>
-                <a:spcBef>
-                  <a:spcPts val="0"/>
-                </a:spcBef>
-                <a:spcAft>
-                  <a:spcPts val="0"/>
-                </a:spcAft>
-                <a:buClrTx/>
-                <a:buSzTx/>
-                <a:buFontTx/>
-                <a:buNone/>
-                <a:tabLst/>
-                <a:defRPr/>
-              </a:pPr>
-              <a:r>
-                <a:rPr kumimoji="0" lang="en-ZA" sz="2800" b="1" i="0" u="none" strike="noStrike" kern="1200" cap="none" spc="0" normalizeH="0" baseline="0" noProof="0" dirty="0">
-                  <a:ln>
-                    <a:noFill/>
-                  </a:ln>
-                  <a:solidFill>
-                    <a:prstClr val="black"/>
-                  </a:solidFill>
-                  <a:effectLst/>
-                  <a:uLnTx/>
-                  <a:uFillTx/>
-                  <a:latin typeface="Calibri"/>
-                  <a:ea typeface="+mn-ea"/>
-                  <a:cs typeface="+mn-cs"/>
-                </a:rPr>
-                <a:t>R</a:t>
-              </a:r>
-            </a:p>
-          </p:txBody>
-        </p:sp>
-        <p:sp>
-          <p:nvSpPr>
-            <p:cNvPr id="4" name="Freeform 3"/>
-            <p:cNvSpPr/>
-            <p:nvPr/>
-          </p:nvSpPr>
-          <p:spPr>
-            <a:xfrm>
-              <a:off x="5648090" y="6204410"/>
-              <a:ext cx="464579" cy="622634"/>
-            </a:xfrm>
-            <a:custGeom>
-              <a:avLst/>
-              <a:gdLst>
-                <a:gd name="connsiteX0" fmla="*/ 464579 w 464579"/>
-                <a:gd name="connsiteY0" fmla="*/ 115428 h 622634"/>
-                <a:gd name="connsiteX1" fmla="*/ 369329 w 464579"/>
-                <a:gd name="connsiteY1" fmla="*/ 63040 h 622634"/>
-                <a:gd name="connsiteX2" fmla="*/ 245504 w 464579"/>
-                <a:gd name="connsiteY2" fmla="*/ 13034 h 622634"/>
-                <a:gd name="connsiteX3" fmla="*/ 100248 w 464579"/>
-                <a:gd name="connsiteY3" fmla="*/ 1128 h 622634"/>
-                <a:gd name="connsiteX4" fmla="*/ 21666 w 464579"/>
-                <a:gd name="connsiteY4" fmla="*/ 34465 h 622634"/>
-                <a:gd name="connsiteX5" fmla="*/ 235 w 464579"/>
-                <a:gd name="connsiteY5" fmla="*/ 127334 h 622634"/>
-                <a:gd name="connsiteX6" fmla="*/ 31191 w 464579"/>
-                <a:gd name="connsiteY6" fmla="*/ 255921 h 622634"/>
-                <a:gd name="connsiteX7" fmla="*/ 140729 w 464579"/>
-                <a:gd name="connsiteY7" fmla="*/ 484521 h 622634"/>
-                <a:gd name="connsiteX8" fmla="*/ 197879 w 464579"/>
-                <a:gd name="connsiteY8" fmla="*/ 622634 h 622634"/>
-              </a:gdLst>
-              <a:ahLst/>
-              <a:cxnLst>
-                <a:cxn ang="0">
-                  <a:pos x="connsiteX0" y="connsiteY0"/>
-                </a:cxn>
-                <a:cxn ang="0">
-                  <a:pos x="connsiteX1" y="connsiteY1"/>
-                </a:cxn>
-                <a:cxn ang="0">
-                  <a:pos x="connsiteX2" y="connsiteY2"/>
-                </a:cxn>
-                <a:cxn ang="0">
-                  <a:pos x="connsiteX3" y="connsiteY3"/>
-                </a:cxn>
-                <a:cxn ang="0">
-                  <a:pos x="connsiteX4" y="connsiteY4"/>
-                </a:cxn>
-                <a:cxn ang="0">
-                  <a:pos x="connsiteX5" y="connsiteY5"/>
-                </a:cxn>
-                <a:cxn ang="0">
-                  <a:pos x="connsiteX6" y="connsiteY6"/>
-                </a:cxn>
-                <a:cxn ang="0">
-                  <a:pos x="connsiteX7" y="connsiteY7"/>
-                </a:cxn>
-                <a:cxn ang="0">
-                  <a:pos x="connsiteX8" y="connsiteY8"/>
-                </a:cxn>
-              </a:cxnLst>
-              <a:rect l="l" t="t" r="r" b="b"/>
-              <a:pathLst>
-                <a:path w="464579" h="622634">
-                  <a:moveTo>
-                    <a:pt x="464579" y="115428"/>
-                  </a:moveTo>
-                  <a:cubicBezTo>
-                    <a:pt x="435210" y="97767"/>
-                    <a:pt x="405841" y="80106"/>
-                    <a:pt x="369329" y="63040"/>
-                  </a:cubicBezTo>
-                  <a:cubicBezTo>
-                    <a:pt x="332817" y="45974"/>
-                    <a:pt x="290351" y="23353"/>
-                    <a:pt x="245504" y="13034"/>
-                  </a:cubicBezTo>
-                  <a:cubicBezTo>
-                    <a:pt x="200657" y="2715"/>
-                    <a:pt x="137554" y="-2444"/>
-                    <a:pt x="100248" y="1128"/>
-                  </a:cubicBezTo>
-                  <a:cubicBezTo>
-                    <a:pt x="62942" y="4700"/>
-                    <a:pt x="38335" y="13431"/>
-                    <a:pt x="21666" y="34465"/>
-                  </a:cubicBezTo>
-                  <a:cubicBezTo>
-                    <a:pt x="4997" y="55499"/>
-                    <a:pt x="-1352" y="90425"/>
-                    <a:pt x="235" y="127334"/>
-                  </a:cubicBezTo>
-                  <a:cubicBezTo>
-                    <a:pt x="1822" y="164243"/>
-                    <a:pt x="7775" y="196390"/>
-                    <a:pt x="31191" y="255921"/>
-                  </a:cubicBezTo>
-                  <a:cubicBezTo>
-                    <a:pt x="54607" y="315452"/>
-                    <a:pt x="112948" y="423402"/>
-                    <a:pt x="140729" y="484521"/>
-                  </a:cubicBezTo>
-                  <a:cubicBezTo>
-                    <a:pt x="168510" y="545640"/>
-                    <a:pt x="197879" y="622634"/>
-                    <a:pt x="197879" y="622634"/>
-                  </a:cubicBezTo>
-                </a:path>
-              </a:pathLst>
-            </a:custGeom>
-            <a:noFill/>
-            <a:ln w="12700">
-              <a:solidFill>
-                <a:schemeClr val="tx1"/>
-              </a:solidFill>
-              <a:prstDash val="lgDash"/>
-            </a:ln>
-          </p:spPr>
-          <p:style>
-            <a:lnRef idx="2">
-              <a:schemeClr val="accent1">
-                <a:shade val="50000"/>
-              </a:schemeClr>
-            </a:lnRef>
-            <a:fillRef idx="1">
-              <a:schemeClr val="accent1"/>
-            </a:fillRef>
-            <a:effectRef idx="0">
-              <a:schemeClr val="accent1"/>
-            </a:effectRef>
-            <a:fontRef idx="minor">
-              <a:schemeClr val="lt1"/>
-            </a:fontRef>
-          </p:style>
-          <p:txBody>
-            <a:bodyPr rtlCol="0" anchor="ctr"/>
-            <a:lstStyle/>
-            <a:p>
-              <a:pPr marL="0" marR="0" lvl="0" indent="0" algn="ctr" defTabSz="914400" rtl="0" eaLnBrk="1" fontAlgn="auto" latinLnBrk="0" hangingPunct="1">
-                <a:lnSpc>
-                  <a:spcPct val="100000"/>
-                </a:lnSpc>
-                <a:spcBef>
-                  <a:spcPts val="0"/>
-                </a:spcBef>
-                <a:spcAft>
-                  <a:spcPts val="0"/>
-                </a:spcAft>
-                <a:buClrTx/>
-                <a:buSzTx/>
-                <a:buFontTx/>
-                <a:buNone/>
-                <a:tabLst/>
-                <a:defRPr/>
-              </a:pPr>
-              <a:endParaRPr kumimoji="0" lang="en-ZA" sz="1800" b="0" i="0" u="none" strike="noStrike" kern="1200" cap="none" spc="0" normalizeH="0" baseline="0" noProof="0">
-                <a:ln>
-                  <a:noFill/>
-                </a:ln>
-                <a:solidFill>
-                  <a:prstClr val="white"/>
-                </a:solidFill>
-                <a:effectLst/>
-                <a:uLnTx/>
-                <a:uFillTx/>
-                <a:latin typeface="Calibri"/>
-                <a:ea typeface="+mn-ea"/>
-                <a:cs typeface="+mn-cs"/>
-              </a:endParaRPr>
             </a:p>
           </p:txBody>
         </p:sp>
